--- a/slide/Apresentação.pptx
+++ b/slide/Apresentação.pptx
@@ -6,28 +6,28 @@
   </p:sldMasterIdLst>
   <p:sldIdLst>
     <p:sldId id="256" r:id="rId2"/>
-    <p:sldId id="259" r:id="rId3"/>
-    <p:sldId id="260" r:id="rId4"/>
-    <p:sldId id="262" r:id="rId5"/>
+    <p:sldId id="260" r:id="rId3"/>
+    <p:sldId id="259" r:id="rId4"/>
   </p:sldIdLst>
   <p:sldSz cx="9144000" cy="6858000" type="screen4x3"/>
   <p:notesSz cx="6858000" cy="9144000"/>
   <p:embeddedFontLst>
     <p:embeddedFont>
       <p:font typeface="Calibri" panose="020F0502020204030204" pitchFamily="34" charset="0"/>
-      <p:regular r:id="rId6"/>
-      <p:bold r:id="rId7"/>
-      <p:italic r:id="rId8"/>
-      <p:boldItalic r:id="rId9"/>
+      <p:regular r:id="rId5"/>
+      <p:bold r:id="rId6"/>
+      <p:italic r:id="rId7"/>
+      <p:boldItalic r:id="rId8"/>
     </p:embeddedFont>
     <p:embeddedFont>
       <p:font typeface="Century Gothic" panose="020B0502020202020204" pitchFamily="34" charset="0"/>
-      <p:regular r:id="rId10"/>
-      <p:bold r:id="rId11"/>
-      <p:italic r:id="rId12"/>
+      <p:regular r:id="rId9"/>
+      <p:bold r:id="rId10"/>
+      <p:italic r:id="rId11"/>
+      <p:boldItalic r:id="rId12"/>
     </p:embeddedFont>
     <p:embeddedFont>
-      <p:font typeface="Mikado Black" panose="02000000000000000000" pitchFamily="50" charset="0"/>
+      <p:font typeface="Mikado Black" panose="02000000000000000000" charset="0"/>
       <p:bold r:id="rId13"/>
     </p:embeddedFont>
   </p:embeddedFontLst>
@@ -324,7 +324,7 @@
           <a:p>
             <a:fld id="{2E700DB3-DBF0-4086-B675-117E7A9610B8}" type="datetimeFigureOut">
               <a:rPr lang="pt-BR" smtClean="0"/>
-              <a:t>07/06/2019</a:t>
+              <a:t>08/06/2019</a:t>
             </a:fld>
             <a:endParaRPr lang="pt-BR"/>
           </a:p>
@@ -487,7 +487,7 @@
           <a:p>
             <a:fld id="{2E700DB3-DBF0-4086-B675-117E7A9610B8}" type="datetimeFigureOut">
               <a:rPr lang="pt-BR" smtClean="0"/>
-              <a:t>07/06/2019</a:t>
+              <a:t>08/06/2019</a:t>
             </a:fld>
             <a:endParaRPr lang="pt-BR"/>
           </a:p>
@@ -660,7 +660,7 @@
           <a:p>
             <a:fld id="{2E700DB3-DBF0-4086-B675-117E7A9610B8}" type="datetimeFigureOut">
               <a:rPr lang="pt-BR" smtClean="0"/>
-              <a:t>07/06/2019</a:t>
+              <a:t>08/06/2019</a:t>
             </a:fld>
             <a:endParaRPr lang="pt-BR"/>
           </a:p>
@@ -823,7 +823,7 @@
           <a:p>
             <a:fld id="{2E700DB3-DBF0-4086-B675-117E7A9610B8}" type="datetimeFigureOut">
               <a:rPr lang="pt-BR" smtClean="0"/>
-              <a:t>07/06/2019</a:t>
+              <a:t>08/06/2019</a:t>
             </a:fld>
             <a:endParaRPr lang="pt-BR"/>
           </a:p>
@@ -1063,7 +1063,7 @@
           <a:p>
             <a:fld id="{2E700DB3-DBF0-4086-B675-117E7A9610B8}" type="datetimeFigureOut">
               <a:rPr lang="pt-BR" smtClean="0"/>
-              <a:t>07/06/2019</a:t>
+              <a:t>08/06/2019</a:t>
             </a:fld>
             <a:endParaRPr lang="pt-BR"/>
           </a:p>
@@ -1343,7 +1343,7 @@
           <a:p>
             <a:fld id="{2E700DB3-DBF0-4086-B675-117E7A9610B8}" type="datetimeFigureOut">
               <a:rPr lang="pt-BR" smtClean="0"/>
-              <a:t>07/06/2019</a:t>
+              <a:t>08/06/2019</a:t>
             </a:fld>
             <a:endParaRPr lang="pt-BR"/>
           </a:p>
@@ -1757,7 +1757,7 @@
           <a:p>
             <a:fld id="{2E700DB3-DBF0-4086-B675-117E7A9610B8}" type="datetimeFigureOut">
               <a:rPr lang="pt-BR" smtClean="0"/>
-              <a:t>07/06/2019</a:t>
+              <a:t>08/06/2019</a:t>
             </a:fld>
             <a:endParaRPr lang="pt-BR"/>
           </a:p>
@@ -1869,7 +1869,7 @@
           <a:p>
             <a:fld id="{2E700DB3-DBF0-4086-B675-117E7A9610B8}" type="datetimeFigureOut">
               <a:rPr lang="pt-BR" smtClean="0"/>
-              <a:t>07/06/2019</a:t>
+              <a:t>08/06/2019</a:t>
             </a:fld>
             <a:endParaRPr lang="pt-BR"/>
           </a:p>
@@ -1959,7 +1959,7 @@
           <a:p>
             <a:fld id="{2E700DB3-DBF0-4086-B675-117E7A9610B8}" type="datetimeFigureOut">
               <a:rPr lang="pt-BR" smtClean="0"/>
-              <a:t>07/06/2019</a:t>
+              <a:t>08/06/2019</a:t>
             </a:fld>
             <a:endParaRPr lang="pt-BR"/>
           </a:p>
@@ -2229,7 +2229,7 @@
           <a:p>
             <a:fld id="{2E700DB3-DBF0-4086-B675-117E7A9610B8}" type="datetimeFigureOut">
               <a:rPr lang="pt-BR" smtClean="0"/>
-              <a:t>07/06/2019</a:t>
+              <a:t>08/06/2019</a:t>
             </a:fld>
             <a:endParaRPr lang="pt-BR"/>
           </a:p>
@@ -2476,7 +2476,7 @@
           <a:p>
             <a:fld id="{2E700DB3-DBF0-4086-B675-117E7A9610B8}" type="datetimeFigureOut">
               <a:rPr lang="pt-BR" smtClean="0"/>
-              <a:t>07/06/2019</a:t>
+              <a:t>08/06/2019</a:t>
             </a:fld>
             <a:endParaRPr lang="pt-BR"/>
           </a:p>
@@ -2682,7 +2682,7 @@
           <a:p>
             <a:fld id="{2E700DB3-DBF0-4086-B675-117E7A9610B8}" type="datetimeFigureOut">
               <a:rPr lang="pt-BR" smtClean="0"/>
-              <a:t>07/06/2019</a:t>
+              <a:t>08/06/2019</a:t>
             </a:fld>
             <a:endParaRPr lang="pt-BR"/>
           </a:p>
@@ -14753,6 +14753,88 @@
           </a:p>
         </p:txBody>
       </p:sp>
+      <p:sp>
+        <p:nvSpPr>
+          <p:cNvPr id="176" name="Subtítulo 2">
+            <a:extLst>
+              <a:ext uri="{FF2B5EF4-FFF2-40B4-BE49-F238E27FC236}">
+                <a16:creationId xmlns:a16="http://schemas.microsoft.com/office/drawing/2014/main" id="{67404E23-35A4-462D-A92A-853C2E0787F2}"/>
+              </a:ext>
+            </a:extLst>
+          </p:cNvPr>
+          <p:cNvSpPr>
+            <a:spLocks noGrp="1"/>
+          </p:cNvSpPr>
+          <p:nvPr>
+            <p:ph type="subTitle" idx="1"/>
+          </p:nvPr>
+        </p:nvSpPr>
+        <p:spPr>
+          <a:xfrm>
+            <a:off x="-7145" y="66441"/>
+            <a:ext cx="5001141" cy="2474381"/>
+          </a:xfrm>
+        </p:spPr>
+        <p:txBody>
+          <a:bodyPr>
+            <a:normAutofit lnSpcReduction="10000"/>
+          </a:bodyPr>
+          <a:lstStyle/>
+          <a:p>
+            <a:r>
+              <a:rPr lang="pt-BR" sz="2800" b="1" dirty="0">
+                <a:solidFill>
+                  <a:schemeClr val="tx1">
+                    <a:lumMod val="75000"/>
+                    <a:lumOff val="25000"/>
+                  </a:schemeClr>
+                </a:solidFill>
+                <a:latin typeface="Century Gothic" panose="020B0502020202020204" pitchFamily="34" charset="0"/>
+              </a:rPr>
+              <a:t>Pedro Gomes Moreira (18174)</a:t>
+            </a:r>
+          </a:p>
+          <a:p>
+            <a:endParaRPr lang="pt-BR" sz="2800" b="1" dirty="0">
+              <a:solidFill>
+                <a:schemeClr val="tx1">
+                  <a:lumMod val="75000"/>
+                  <a:lumOff val="25000"/>
+                </a:schemeClr>
+              </a:solidFill>
+              <a:latin typeface="Century Gothic" panose="020B0502020202020204" pitchFamily="34" charset="0"/>
+            </a:endParaRPr>
+          </a:p>
+          <a:p>
+            <a:r>
+              <a:rPr lang="pt-BR" sz="2800" b="1" dirty="0">
+                <a:solidFill>
+                  <a:schemeClr val="tx1">
+                    <a:lumMod val="75000"/>
+                    <a:lumOff val="25000"/>
+                  </a:schemeClr>
+                </a:solidFill>
+                <a:latin typeface="Century Gothic" panose="020B0502020202020204" pitchFamily="34" charset="0"/>
+              </a:rPr>
+              <a:t>Vitor Ramos </a:t>
+            </a:r>
+          </a:p>
+          <a:p>
+            <a:r>
+              <a:rPr lang="pt-BR" sz="2800" b="1" dirty="0">
+                <a:solidFill>
+                  <a:schemeClr val="tx1">
+                    <a:lumMod val="75000"/>
+                    <a:lumOff val="25000"/>
+                  </a:schemeClr>
+                </a:solidFill>
+                <a:latin typeface="Century Gothic" panose="020B0502020202020204" pitchFamily="34" charset="0"/>
+              </a:rPr>
+              <a:t>(18171)</a:t>
+            </a:r>
+          </a:p>
+        </p:txBody>
+      </p:sp>
     </p:spTree>
     <p:extLst>
       <p:ext uri="{BB962C8B-B14F-4D97-AF65-F5344CB8AC3E}">
@@ -14862,4606 +14944,6 @@
 </file>
 
 <file path=ppt/slides/slide2.xml><?xml version="1.0" encoding="utf-8"?>
-<p:sld xmlns:a="http://schemas.openxmlformats.org/drawingml/2006/main" xmlns:r="http://schemas.openxmlformats.org/officeDocument/2006/relationships" xmlns:p="http://schemas.openxmlformats.org/presentationml/2006/main">
-  <p:cSld>
-    <p:spTree>
-      <p:nvGrpSpPr>
-        <p:cNvPr id="1" name=""/>
-        <p:cNvGrpSpPr/>
-        <p:nvPr/>
-      </p:nvGrpSpPr>
-      <p:grpSpPr>
-        <a:xfrm>
-          <a:off x="0" y="0"/>
-          <a:ext cx="0" cy="0"/>
-          <a:chOff x="0" y="0"/>
-          <a:chExt cx="0" cy="0"/>
-        </a:xfrm>
-      </p:grpSpPr>
-      <p:pic>
-        <p:nvPicPr>
-          <p:cNvPr id="1026" name="Picture 2" descr="Resultado de imagem para mapa mundi png">
-            <a:extLst>
-              <a:ext uri="{FF2B5EF4-FFF2-40B4-BE49-F238E27FC236}">
-                <a16:creationId xmlns:a16="http://schemas.microsoft.com/office/drawing/2014/main" id="{A93278D7-D474-4C17-AE0F-E2B2CE44D2D6}"/>
-              </a:ext>
-            </a:extLst>
-          </p:cNvPr>
-          <p:cNvPicPr>
-            <a:picLocks noChangeAspect="1" noChangeArrowheads="1"/>
-          </p:cNvPicPr>
-          <p:nvPr/>
-        </p:nvPicPr>
-        <p:blipFill>
-          <a:blip r:embed="rId2">
-            <a:alphaModFix amt="5000"/>
-            <a:extLst>
-              <a:ext uri="{BEBA8EAE-BF5A-486C-A8C5-ECC9F3942E4B}">
-                <a14:imgProps xmlns:a14="http://schemas.microsoft.com/office/drawing/2010/main">
-                  <a14:imgLayer r:embed="rId3">
-                    <a14:imgEffect>
-                      <a14:colorTemperature colorTemp="10784"/>
-                    </a14:imgEffect>
-                    <a14:imgEffect>
-                      <a14:brightnessContrast bright="-100000" contrast="-20000"/>
-                    </a14:imgEffect>
-                  </a14:imgLayer>
-                </a14:imgProps>
-              </a:ext>
-              <a:ext uri="{28A0092B-C50C-407E-A947-70E740481C1C}">
-                <a14:useLocalDpi xmlns:a14="http://schemas.microsoft.com/office/drawing/2010/main" val="0"/>
-              </a:ext>
-            </a:extLst>
-          </a:blip>
-          <a:srcRect/>
-          <a:stretch>
-            <a:fillRect/>
-          </a:stretch>
-        </p:blipFill>
-        <p:spPr bwMode="auto">
-          <a:xfrm>
-            <a:off x="-1872716" y="-1251520"/>
-            <a:ext cx="12889432" cy="8610857"/>
-          </a:xfrm>
-          <a:prstGeom prst="rect">
-            <a:avLst/>
-          </a:prstGeom>
-          <a:noFill/>
-          <a:extLst>
-            <a:ext uri="{909E8E84-426E-40DD-AFC4-6F175D3DCCD1}">
-              <a14:hiddenFill xmlns:a14="http://schemas.microsoft.com/office/drawing/2010/main">
-                <a:solidFill>
-                  <a:srgbClr val="FFFFFF"/>
-                </a:solidFill>
-              </a14:hiddenFill>
-            </a:ext>
-          </a:extLst>
-        </p:spPr>
-      </p:pic>
-      <p:sp>
-        <p:nvSpPr>
-          <p:cNvPr id="120" name="CaixaDeTexto 119">
-            <a:extLst>
-              <a:ext uri="{FF2B5EF4-FFF2-40B4-BE49-F238E27FC236}">
-                <a16:creationId xmlns:a16="http://schemas.microsoft.com/office/drawing/2014/main" id="{AF9C233A-CE66-4CB6-8FFA-68DC3BA498D3}"/>
-              </a:ext>
-            </a:extLst>
-          </p:cNvPr>
-          <p:cNvSpPr txBox="1"/>
-          <p:nvPr/>
-        </p:nvSpPr>
-        <p:spPr>
-          <a:xfrm>
-            <a:off x="3152098" y="1007489"/>
-            <a:ext cx="2953053" cy="584775"/>
-          </a:xfrm>
-          <a:prstGeom prst="rect">
-            <a:avLst/>
-          </a:prstGeom>
-          <a:noFill/>
-        </p:spPr>
-        <p:txBody>
-          <a:bodyPr wrap="none" rtlCol="0">
-            <a:spAutoFit/>
-          </a:bodyPr>
-          <a:lstStyle/>
-          <a:p>
-            <a:pPr algn="ctr"/>
-            <a:r>
-              <a:rPr lang="pt-BR" sz="3200" b="1" spc="300" dirty="0">
-                <a:solidFill>
-                  <a:srgbClr val="8AF200"/>
-                </a:solidFill>
-                <a:latin typeface="Mikado Black" panose="02000000000000000000" pitchFamily="50" charset="0"/>
-              </a:rPr>
-              <a:t>BENEFÍCIOS</a:t>
-            </a:r>
-          </a:p>
-        </p:txBody>
-      </p:sp>
-      <p:sp>
-        <p:nvSpPr>
-          <p:cNvPr id="121" name="CaixaDeTexto 120">
-            <a:extLst>
-              <a:ext uri="{FF2B5EF4-FFF2-40B4-BE49-F238E27FC236}">
-                <a16:creationId xmlns:a16="http://schemas.microsoft.com/office/drawing/2014/main" id="{0DAD2557-1284-424C-B387-25D16833BE73}"/>
-              </a:ext>
-            </a:extLst>
-          </p:cNvPr>
-          <p:cNvSpPr txBox="1"/>
-          <p:nvPr/>
-        </p:nvSpPr>
-        <p:spPr>
-          <a:xfrm>
-            <a:off x="2785293" y="1428470"/>
-            <a:ext cx="3573414" cy="584775"/>
-          </a:xfrm>
-          <a:prstGeom prst="rect">
-            <a:avLst/>
-          </a:prstGeom>
-          <a:noFill/>
-        </p:spPr>
-        <p:txBody>
-          <a:bodyPr wrap="none" rtlCol="0">
-            <a:spAutoFit/>
-          </a:bodyPr>
-          <a:lstStyle/>
-          <a:p>
-            <a:pPr algn="ctr"/>
-            <a:r>
-              <a:rPr lang="pt-BR" sz="3200" b="1" dirty="0">
-                <a:solidFill>
-                  <a:schemeClr val="tx1">
-                    <a:lumMod val="75000"/>
-                    <a:lumOff val="25000"/>
-                  </a:schemeClr>
-                </a:solidFill>
-                <a:latin typeface="Mikado Black" panose="02000000000000000000" pitchFamily="50" charset="0"/>
-              </a:rPr>
-              <a:t>PARA O USUÁRIO</a:t>
-            </a:r>
-          </a:p>
-        </p:txBody>
-      </p:sp>
-      <p:grpSp>
-        <p:nvGrpSpPr>
-          <p:cNvPr id="123" name="Agrupar 122">
-            <a:extLst>
-              <a:ext uri="{FF2B5EF4-FFF2-40B4-BE49-F238E27FC236}">
-                <a16:creationId xmlns:a16="http://schemas.microsoft.com/office/drawing/2014/main" id="{E451CF99-FAFE-4810-B3B9-9BF7E637FFA3}"/>
-              </a:ext>
-            </a:extLst>
-          </p:cNvPr>
-          <p:cNvGrpSpPr/>
-          <p:nvPr/>
-        </p:nvGrpSpPr>
-        <p:grpSpPr>
-          <a:xfrm>
-            <a:off x="4141764" y="421702"/>
-            <a:ext cx="1377868" cy="489556"/>
-            <a:chOff x="612969" y="207187"/>
-            <a:chExt cx="1148987" cy="408235"/>
-          </a:xfrm>
-          <a:solidFill>
-            <a:schemeClr val="bg1">
-              <a:lumMod val="75000"/>
-            </a:schemeClr>
-          </a:solidFill>
-        </p:grpSpPr>
-        <p:sp>
-          <p:nvSpPr>
-            <p:cNvPr id="132" name="Retângulo 131">
-              <a:extLst>
-                <a:ext uri="{FF2B5EF4-FFF2-40B4-BE49-F238E27FC236}">
-                  <a16:creationId xmlns:a16="http://schemas.microsoft.com/office/drawing/2014/main" id="{9271A25F-4958-43E9-B014-745082CD8374}"/>
-                </a:ext>
-              </a:extLst>
-            </p:cNvPr>
-            <p:cNvSpPr/>
-            <p:nvPr/>
-          </p:nvSpPr>
-          <p:spPr>
-            <a:xfrm>
-              <a:off x="1135373" y="434557"/>
-              <a:ext cx="28408" cy="178650"/>
-            </a:xfrm>
-            <a:prstGeom prst="rect">
-              <a:avLst/>
-            </a:prstGeom>
-            <a:grpFill/>
-            <a:ln>
-              <a:noFill/>
-            </a:ln>
-          </p:spPr>
-          <p:style>
-            <a:lnRef idx="2">
-              <a:schemeClr val="accent1">
-                <a:shade val="50000"/>
-              </a:schemeClr>
-            </a:lnRef>
-            <a:fillRef idx="1">
-              <a:schemeClr val="accent1"/>
-            </a:fillRef>
-            <a:effectRef idx="0">
-              <a:schemeClr val="accent1"/>
-            </a:effectRef>
-            <a:fontRef idx="minor">
-              <a:schemeClr val="lt1"/>
-            </a:fontRef>
-          </p:style>
-          <p:txBody>
-            <a:bodyPr rtlCol="0" anchor="ctr"/>
-            <a:lstStyle/>
-            <a:p>
-              <a:pPr algn="ctr"/>
-              <a:endParaRPr lang="pt-BR" dirty="0"/>
-            </a:p>
-          </p:txBody>
-        </p:sp>
-        <p:sp>
-          <p:nvSpPr>
-            <p:cNvPr id="133" name="Forma Livre: Forma 132">
-              <a:extLst>
-                <a:ext uri="{FF2B5EF4-FFF2-40B4-BE49-F238E27FC236}">
-                  <a16:creationId xmlns:a16="http://schemas.microsoft.com/office/drawing/2014/main" id="{A7FD1C38-F649-474A-9DFE-61B9F53BD04E}"/>
-                </a:ext>
-              </a:extLst>
-            </p:cNvPr>
-            <p:cNvSpPr/>
-            <p:nvPr/>
-          </p:nvSpPr>
-          <p:spPr>
-            <a:xfrm>
-              <a:off x="1135374" y="344560"/>
-              <a:ext cx="178651" cy="178651"/>
-            </a:xfrm>
-            <a:custGeom>
-              <a:avLst/>
-              <a:gdLst>
-                <a:gd name="connsiteX0" fmla="*/ 240492 w 480984"/>
-                <a:gd name="connsiteY0" fmla="*/ 93424 h 480984"/>
-                <a:gd name="connsiteX1" fmla="*/ 93424 w 480984"/>
-                <a:gd name="connsiteY1" fmla="*/ 240492 h 480984"/>
-                <a:gd name="connsiteX2" fmla="*/ 240492 w 480984"/>
-                <a:gd name="connsiteY2" fmla="*/ 387560 h 480984"/>
-                <a:gd name="connsiteX3" fmla="*/ 387560 w 480984"/>
-                <a:gd name="connsiteY3" fmla="*/ 240492 h 480984"/>
-                <a:gd name="connsiteX4" fmla="*/ 240492 w 480984"/>
-                <a:gd name="connsiteY4" fmla="*/ 93424 h 480984"/>
-                <a:gd name="connsiteX5" fmla="*/ 240492 w 480984"/>
-                <a:gd name="connsiteY5" fmla="*/ 0 h 480984"/>
-                <a:gd name="connsiteX6" fmla="*/ 480984 w 480984"/>
-                <a:gd name="connsiteY6" fmla="*/ 240492 h 480984"/>
-                <a:gd name="connsiteX7" fmla="*/ 240492 w 480984"/>
-                <a:gd name="connsiteY7" fmla="*/ 480984 h 480984"/>
-                <a:gd name="connsiteX8" fmla="*/ 0 w 480984"/>
-                <a:gd name="connsiteY8" fmla="*/ 240492 h 480984"/>
-                <a:gd name="connsiteX9" fmla="*/ 240492 w 480984"/>
-                <a:gd name="connsiteY9" fmla="*/ 0 h 480984"/>
-              </a:gdLst>
-              <a:ahLst/>
-              <a:cxnLst>
-                <a:cxn ang="0">
-                  <a:pos x="connsiteX0" y="connsiteY0"/>
-                </a:cxn>
-                <a:cxn ang="0">
-                  <a:pos x="connsiteX1" y="connsiteY1"/>
-                </a:cxn>
-                <a:cxn ang="0">
-                  <a:pos x="connsiteX2" y="connsiteY2"/>
-                </a:cxn>
-                <a:cxn ang="0">
-                  <a:pos x="connsiteX3" y="connsiteY3"/>
-                </a:cxn>
-                <a:cxn ang="0">
-                  <a:pos x="connsiteX4" y="connsiteY4"/>
-                </a:cxn>
-                <a:cxn ang="0">
-                  <a:pos x="connsiteX5" y="connsiteY5"/>
-                </a:cxn>
-                <a:cxn ang="0">
-                  <a:pos x="connsiteX6" y="connsiteY6"/>
-                </a:cxn>
-                <a:cxn ang="0">
-                  <a:pos x="connsiteX7" y="connsiteY7"/>
-                </a:cxn>
-                <a:cxn ang="0">
-                  <a:pos x="connsiteX8" y="connsiteY8"/>
-                </a:cxn>
-                <a:cxn ang="0">
-                  <a:pos x="connsiteX9" y="connsiteY9"/>
-                </a:cxn>
-              </a:cxnLst>
-              <a:rect l="l" t="t" r="r" b="b"/>
-              <a:pathLst>
-                <a:path w="480984" h="480984">
-                  <a:moveTo>
-                    <a:pt x="240492" y="93424"/>
-                  </a:moveTo>
-                  <a:cubicBezTo>
-                    <a:pt x="159269" y="93424"/>
-                    <a:pt x="93424" y="159269"/>
-                    <a:pt x="93424" y="240492"/>
-                  </a:cubicBezTo>
-                  <a:cubicBezTo>
-                    <a:pt x="93424" y="321715"/>
-                    <a:pt x="159269" y="387560"/>
-                    <a:pt x="240492" y="387560"/>
-                  </a:cubicBezTo>
-                  <a:cubicBezTo>
-                    <a:pt x="321715" y="387560"/>
-                    <a:pt x="387560" y="321715"/>
-                    <a:pt x="387560" y="240492"/>
-                  </a:cubicBezTo>
-                  <a:cubicBezTo>
-                    <a:pt x="387560" y="159269"/>
-                    <a:pt x="321715" y="93424"/>
-                    <a:pt x="240492" y="93424"/>
-                  </a:cubicBezTo>
-                  <a:close/>
-                  <a:moveTo>
-                    <a:pt x="240492" y="0"/>
-                  </a:moveTo>
-                  <a:cubicBezTo>
-                    <a:pt x="373312" y="0"/>
-                    <a:pt x="480984" y="107672"/>
-                    <a:pt x="480984" y="240492"/>
-                  </a:cubicBezTo>
-                  <a:cubicBezTo>
-                    <a:pt x="480984" y="373312"/>
-                    <a:pt x="373312" y="480984"/>
-                    <a:pt x="240492" y="480984"/>
-                  </a:cubicBezTo>
-                  <a:cubicBezTo>
-                    <a:pt x="107672" y="480984"/>
-                    <a:pt x="0" y="373312"/>
-                    <a:pt x="0" y="240492"/>
-                  </a:cubicBezTo>
-                  <a:cubicBezTo>
-                    <a:pt x="0" y="107672"/>
-                    <a:pt x="107672" y="0"/>
-                    <a:pt x="240492" y="0"/>
-                  </a:cubicBezTo>
-                  <a:close/>
-                </a:path>
-              </a:pathLst>
-            </a:custGeom>
-            <a:grpFill/>
-            <a:ln>
-              <a:noFill/>
-            </a:ln>
-          </p:spPr>
-          <p:style>
-            <a:lnRef idx="2">
-              <a:schemeClr val="accent1">
-                <a:shade val="50000"/>
-              </a:schemeClr>
-            </a:lnRef>
-            <a:fillRef idx="1">
-              <a:schemeClr val="accent1"/>
-            </a:fillRef>
-            <a:effectRef idx="0">
-              <a:schemeClr val="accent1"/>
-            </a:effectRef>
-            <a:fontRef idx="minor">
-              <a:schemeClr val="lt1"/>
-            </a:fontRef>
-          </p:style>
-          <p:txBody>
-            <a:bodyPr wrap="square" rtlCol="0" anchor="ctr">
-              <a:noAutofit/>
-            </a:bodyPr>
-            <a:lstStyle/>
-            <a:p>
-              <a:pPr algn="ctr"/>
-              <a:endParaRPr lang="pt-BR"/>
-            </a:p>
-          </p:txBody>
-        </p:sp>
-        <p:sp>
-          <p:nvSpPr>
-            <p:cNvPr id="134" name="Retângulo 133">
-              <a:extLst>
-                <a:ext uri="{FF2B5EF4-FFF2-40B4-BE49-F238E27FC236}">
-                  <a16:creationId xmlns:a16="http://schemas.microsoft.com/office/drawing/2014/main" id="{84FF3094-6BCB-4113-A473-94CE2CE949F9}"/>
-                </a:ext>
-              </a:extLst>
-            </p:cNvPr>
-            <p:cNvSpPr/>
-            <p:nvPr/>
-          </p:nvSpPr>
-          <p:spPr>
-            <a:xfrm>
-              <a:off x="1346598" y="280536"/>
-              <a:ext cx="37346" cy="243177"/>
-            </a:xfrm>
-            <a:prstGeom prst="rect">
-              <a:avLst/>
-            </a:prstGeom>
-            <a:grpFill/>
-            <a:ln>
-              <a:noFill/>
-            </a:ln>
-          </p:spPr>
-          <p:style>
-            <a:lnRef idx="2">
-              <a:schemeClr val="accent1">
-                <a:shade val="50000"/>
-              </a:schemeClr>
-            </a:lnRef>
-            <a:fillRef idx="1">
-              <a:schemeClr val="accent1"/>
-            </a:fillRef>
-            <a:effectRef idx="0">
-              <a:schemeClr val="accent1"/>
-            </a:effectRef>
-            <a:fontRef idx="minor">
-              <a:schemeClr val="lt1"/>
-            </a:fontRef>
-          </p:style>
-          <p:txBody>
-            <a:bodyPr rtlCol="0" anchor="ctr"/>
-            <a:lstStyle/>
-            <a:p>
-              <a:pPr algn="ctr"/>
-              <a:endParaRPr lang="pt-BR"/>
-            </a:p>
-          </p:txBody>
-        </p:sp>
-        <p:sp>
-          <p:nvSpPr>
-            <p:cNvPr id="135" name="Forma Livre: Forma 134">
-              <a:extLst>
-                <a:ext uri="{FF2B5EF4-FFF2-40B4-BE49-F238E27FC236}">
-                  <a16:creationId xmlns:a16="http://schemas.microsoft.com/office/drawing/2014/main" id="{2E1CCFF4-B1F5-413C-B8D6-2393C775C066}"/>
-                </a:ext>
-              </a:extLst>
-            </p:cNvPr>
-            <p:cNvSpPr/>
-            <p:nvPr/>
-          </p:nvSpPr>
-          <p:spPr>
-            <a:xfrm>
-              <a:off x="1408935" y="361692"/>
-              <a:ext cx="161526" cy="161526"/>
-            </a:xfrm>
-            <a:custGeom>
-              <a:avLst/>
-              <a:gdLst>
-                <a:gd name="connsiteX0" fmla="*/ 217439 w 434878"/>
-                <a:gd name="connsiteY0" fmla="*/ 96953 h 434878"/>
-                <a:gd name="connsiteX1" fmla="*/ 96953 w 434878"/>
-                <a:gd name="connsiteY1" fmla="*/ 217439 h 434878"/>
-                <a:gd name="connsiteX2" fmla="*/ 217439 w 434878"/>
-                <a:gd name="connsiteY2" fmla="*/ 337925 h 434878"/>
-                <a:gd name="connsiteX3" fmla="*/ 337925 w 434878"/>
-                <a:gd name="connsiteY3" fmla="*/ 217439 h 434878"/>
-                <a:gd name="connsiteX4" fmla="*/ 217439 w 434878"/>
-                <a:gd name="connsiteY4" fmla="*/ 96953 h 434878"/>
-                <a:gd name="connsiteX5" fmla="*/ 217439 w 434878"/>
-                <a:gd name="connsiteY5" fmla="*/ 0 h 434878"/>
-                <a:gd name="connsiteX6" fmla="*/ 434878 w 434878"/>
-                <a:gd name="connsiteY6" fmla="*/ 217439 h 434878"/>
-                <a:gd name="connsiteX7" fmla="*/ 217439 w 434878"/>
-                <a:gd name="connsiteY7" fmla="*/ 434878 h 434878"/>
-                <a:gd name="connsiteX8" fmla="*/ 0 w 434878"/>
-                <a:gd name="connsiteY8" fmla="*/ 217439 h 434878"/>
-                <a:gd name="connsiteX9" fmla="*/ 217439 w 434878"/>
-                <a:gd name="connsiteY9" fmla="*/ 0 h 434878"/>
-              </a:gdLst>
-              <a:ahLst/>
-              <a:cxnLst>
-                <a:cxn ang="0">
-                  <a:pos x="connsiteX0" y="connsiteY0"/>
-                </a:cxn>
-                <a:cxn ang="0">
-                  <a:pos x="connsiteX1" y="connsiteY1"/>
-                </a:cxn>
-                <a:cxn ang="0">
-                  <a:pos x="connsiteX2" y="connsiteY2"/>
-                </a:cxn>
-                <a:cxn ang="0">
-                  <a:pos x="connsiteX3" y="connsiteY3"/>
-                </a:cxn>
-                <a:cxn ang="0">
-                  <a:pos x="connsiteX4" y="connsiteY4"/>
-                </a:cxn>
-                <a:cxn ang="0">
-                  <a:pos x="connsiteX5" y="connsiteY5"/>
-                </a:cxn>
-                <a:cxn ang="0">
-                  <a:pos x="connsiteX6" y="connsiteY6"/>
-                </a:cxn>
-                <a:cxn ang="0">
-                  <a:pos x="connsiteX7" y="connsiteY7"/>
-                </a:cxn>
-                <a:cxn ang="0">
-                  <a:pos x="connsiteX8" y="connsiteY8"/>
-                </a:cxn>
-                <a:cxn ang="0">
-                  <a:pos x="connsiteX9" y="connsiteY9"/>
-                </a:cxn>
-              </a:cxnLst>
-              <a:rect l="l" t="t" r="r" b="b"/>
-              <a:pathLst>
-                <a:path w="434878" h="434878">
-                  <a:moveTo>
-                    <a:pt x="217439" y="96953"/>
-                  </a:moveTo>
-                  <a:cubicBezTo>
-                    <a:pt x="150896" y="96953"/>
-                    <a:pt x="96953" y="150896"/>
-                    <a:pt x="96953" y="217439"/>
-                  </a:cubicBezTo>
-                  <a:cubicBezTo>
-                    <a:pt x="96953" y="283982"/>
-                    <a:pt x="150896" y="337925"/>
-                    <a:pt x="217439" y="337925"/>
-                  </a:cubicBezTo>
-                  <a:cubicBezTo>
-                    <a:pt x="283982" y="337925"/>
-                    <a:pt x="337925" y="283982"/>
-                    <a:pt x="337925" y="217439"/>
-                  </a:cubicBezTo>
-                  <a:cubicBezTo>
-                    <a:pt x="337925" y="150896"/>
-                    <a:pt x="283982" y="96953"/>
-                    <a:pt x="217439" y="96953"/>
-                  </a:cubicBezTo>
-                  <a:close/>
-                  <a:moveTo>
-                    <a:pt x="217439" y="0"/>
-                  </a:moveTo>
-                  <a:cubicBezTo>
-                    <a:pt x="337527" y="0"/>
-                    <a:pt x="434878" y="97351"/>
-                    <a:pt x="434878" y="217439"/>
-                  </a:cubicBezTo>
-                  <a:cubicBezTo>
-                    <a:pt x="434878" y="337527"/>
-                    <a:pt x="337527" y="434878"/>
-                    <a:pt x="217439" y="434878"/>
-                  </a:cubicBezTo>
-                  <a:cubicBezTo>
-                    <a:pt x="97351" y="434878"/>
-                    <a:pt x="0" y="337527"/>
-                    <a:pt x="0" y="217439"/>
-                  </a:cubicBezTo>
-                  <a:cubicBezTo>
-                    <a:pt x="0" y="97351"/>
-                    <a:pt x="97351" y="0"/>
-                    <a:pt x="217439" y="0"/>
-                  </a:cubicBezTo>
-                  <a:close/>
-                </a:path>
-              </a:pathLst>
-            </a:custGeom>
-            <a:grpFill/>
-            <a:ln>
-              <a:noFill/>
-            </a:ln>
-          </p:spPr>
-          <p:style>
-            <a:lnRef idx="2">
-              <a:schemeClr val="accent1">
-                <a:shade val="50000"/>
-              </a:schemeClr>
-            </a:lnRef>
-            <a:fillRef idx="1">
-              <a:schemeClr val="accent1"/>
-            </a:fillRef>
-            <a:effectRef idx="0">
-              <a:schemeClr val="accent1"/>
-            </a:effectRef>
-            <a:fontRef idx="minor">
-              <a:schemeClr val="lt1"/>
-            </a:fontRef>
-          </p:style>
-          <p:txBody>
-            <a:bodyPr wrap="square" rtlCol="0" anchor="ctr">
-              <a:noAutofit/>
-            </a:bodyPr>
-            <a:lstStyle/>
-            <a:p>
-              <a:pPr algn="ctr"/>
-              <a:endParaRPr lang="pt-BR"/>
-            </a:p>
-          </p:txBody>
-        </p:sp>
-        <p:sp>
-          <p:nvSpPr>
-            <p:cNvPr id="136" name="Retângulo 135">
-              <a:extLst>
-                <a:ext uri="{FF2B5EF4-FFF2-40B4-BE49-F238E27FC236}">
-                  <a16:creationId xmlns:a16="http://schemas.microsoft.com/office/drawing/2014/main" id="{1C13CB3C-1900-46CA-AE2F-C86134020F63}"/>
-                </a:ext>
-              </a:extLst>
-            </p:cNvPr>
-            <p:cNvSpPr/>
-            <p:nvPr/>
-          </p:nvSpPr>
-          <p:spPr>
-            <a:xfrm>
-              <a:off x="1544151" y="369646"/>
-              <a:ext cx="28408" cy="153572"/>
-            </a:xfrm>
-            <a:prstGeom prst="rect">
-              <a:avLst/>
-            </a:prstGeom>
-            <a:grpFill/>
-            <a:ln>
-              <a:noFill/>
-            </a:ln>
-          </p:spPr>
-          <p:style>
-            <a:lnRef idx="2">
-              <a:schemeClr val="accent1">
-                <a:shade val="50000"/>
-              </a:schemeClr>
-            </a:lnRef>
-            <a:fillRef idx="1">
-              <a:schemeClr val="accent1"/>
-            </a:fillRef>
-            <a:effectRef idx="0">
-              <a:schemeClr val="accent1"/>
-            </a:effectRef>
-            <a:fontRef idx="minor">
-              <a:schemeClr val="lt1"/>
-            </a:fontRef>
-          </p:style>
-          <p:txBody>
-            <a:bodyPr rtlCol="0" anchor="ctr"/>
-            <a:lstStyle/>
-            <a:p>
-              <a:pPr algn="ctr"/>
-              <a:endParaRPr lang="pt-BR"/>
-            </a:p>
-          </p:txBody>
-        </p:sp>
-        <p:sp>
-          <p:nvSpPr>
-            <p:cNvPr id="137" name="Retângulo 136">
-              <a:extLst>
-                <a:ext uri="{FF2B5EF4-FFF2-40B4-BE49-F238E27FC236}">
-                  <a16:creationId xmlns:a16="http://schemas.microsoft.com/office/drawing/2014/main" id="{371AA727-9D89-457A-A467-78FE1B8AAE91}"/>
-                </a:ext>
-              </a:extLst>
-            </p:cNvPr>
-            <p:cNvSpPr/>
-            <p:nvPr/>
-          </p:nvSpPr>
-          <p:spPr>
-            <a:xfrm rot="16200000">
-              <a:off x="1537326" y="491235"/>
-              <a:ext cx="26746" cy="37394"/>
-            </a:xfrm>
-            <a:prstGeom prst="rect">
-              <a:avLst/>
-            </a:prstGeom>
-            <a:grpFill/>
-            <a:ln>
-              <a:noFill/>
-            </a:ln>
-          </p:spPr>
-          <p:style>
-            <a:lnRef idx="2">
-              <a:schemeClr val="accent1">
-                <a:shade val="50000"/>
-              </a:schemeClr>
-            </a:lnRef>
-            <a:fillRef idx="1">
-              <a:schemeClr val="accent1"/>
-            </a:fillRef>
-            <a:effectRef idx="0">
-              <a:schemeClr val="accent1"/>
-            </a:effectRef>
-            <a:fontRef idx="minor">
-              <a:schemeClr val="lt1"/>
-            </a:fontRef>
-          </p:style>
-          <p:txBody>
-            <a:bodyPr rtlCol="0" anchor="ctr"/>
-            <a:lstStyle/>
-            <a:p>
-              <a:pPr algn="ctr"/>
-              <a:endParaRPr lang="pt-BR"/>
-            </a:p>
-          </p:txBody>
-        </p:sp>
-        <p:grpSp>
-          <p:nvGrpSpPr>
-            <p:cNvPr id="138" name="Grupo 28">
-              <a:extLst>
-                <a:ext uri="{FF2B5EF4-FFF2-40B4-BE49-F238E27FC236}">
-                  <a16:creationId xmlns:a16="http://schemas.microsoft.com/office/drawing/2014/main" id="{D99B808A-B302-4DCD-AC82-574BC1D85D76}"/>
-                </a:ext>
-              </a:extLst>
-            </p:cNvPr>
-            <p:cNvGrpSpPr/>
-            <p:nvPr/>
-          </p:nvGrpSpPr>
-          <p:grpSpPr>
-            <a:xfrm>
-              <a:off x="1602612" y="369139"/>
-              <a:ext cx="159344" cy="161838"/>
-              <a:chOff x="6437471" y="2391677"/>
-              <a:chExt cx="1670458" cy="1696602"/>
-            </a:xfrm>
-            <a:grpFill/>
-          </p:grpSpPr>
-          <p:sp>
-            <p:nvSpPr>
-              <p:cNvPr id="146" name="Elipse 21">
-                <a:extLst>
-                  <a:ext uri="{FF2B5EF4-FFF2-40B4-BE49-F238E27FC236}">
-                    <a16:creationId xmlns:a16="http://schemas.microsoft.com/office/drawing/2014/main" id="{4322A700-9FA1-4F98-9EA7-B8ACFBBAC3C6}"/>
-                  </a:ext>
-                </a:extLst>
-              </p:cNvPr>
-              <p:cNvSpPr/>
-              <p:nvPr/>
-            </p:nvSpPr>
-            <p:spPr>
-              <a:xfrm>
-                <a:off x="6437471" y="2609500"/>
-                <a:ext cx="1646608" cy="1478779"/>
-              </a:xfrm>
-              <a:custGeom>
-                <a:avLst/>
-                <a:gdLst/>
-                <a:ahLst/>
-                <a:cxnLst/>
-                <a:rect l="l" t="t" r="r" b="b"/>
-                <a:pathLst>
-                  <a:path w="1652154" h="1478779">
-                    <a:moveTo>
-                      <a:pt x="1327086" y="0"/>
-                    </a:moveTo>
-                    <a:cubicBezTo>
-                      <a:pt x="1525543" y="148399"/>
-                      <a:pt x="1652154" y="385765"/>
-                      <a:pt x="1652154" y="652702"/>
-                    </a:cubicBezTo>
-                    <a:cubicBezTo>
-                      <a:pt x="1652154" y="1108932"/>
-                      <a:pt x="1282307" y="1478779"/>
-                      <a:pt x="826077" y="1478779"/>
-                    </a:cubicBezTo>
-                    <a:cubicBezTo>
-                      <a:pt x="369847" y="1478779"/>
-                      <a:pt x="0" y="1108932"/>
-                      <a:pt x="0" y="652702"/>
-                    </a:cubicBezTo>
-                    <a:cubicBezTo>
-                      <a:pt x="0" y="385766"/>
-                      <a:pt x="126611" y="148401"/>
-                      <a:pt x="325067" y="2"/>
-                    </a:cubicBezTo>
-                    <a:lnTo>
-                      <a:pt x="321439" y="35986"/>
-                    </a:lnTo>
-                    <a:lnTo>
-                      <a:pt x="321439" y="585351"/>
-                    </a:lnTo>
-                    <a:cubicBezTo>
-                      <a:pt x="321439" y="864054"/>
-                      <a:pt x="547373" y="1089988"/>
-                      <a:pt x="826076" y="1089988"/>
-                    </a:cubicBezTo>
-                    <a:cubicBezTo>
-                      <a:pt x="1104779" y="1089988"/>
-                      <a:pt x="1330713" y="864054"/>
-                      <a:pt x="1330713" y="585351"/>
-                    </a:cubicBezTo>
-                    <a:lnTo>
-                      <a:pt x="1330713" y="35986"/>
-                    </a:lnTo>
-                    <a:cubicBezTo>
-                      <a:pt x="1330713" y="23830"/>
-                      <a:pt x="1330283" y="11774"/>
-                      <a:pt x="1327086" y="0"/>
-                    </a:cubicBezTo>
-                    <a:close/>
-                  </a:path>
-                </a:pathLst>
-              </a:custGeom>
-              <a:grpFill/>
-              <a:ln>
-                <a:noFill/>
-              </a:ln>
-            </p:spPr>
-            <p:style>
-              <a:lnRef idx="2">
-                <a:schemeClr val="accent1">
-                  <a:shade val="50000"/>
-                </a:schemeClr>
-              </a:lnRef>
-              <a:fillRef idx="1">
-                <a:schemeClr val="accent1"/>
-              </a:fillRef>
-              <a:effectRef idx="0">
-                <a:schemeClr val="accent1"/>
-              </a:effectRef>
-              <a:fontRef idx="minor">
-                <a:schemeClr val="lt1"/>
-              </a:fontRef>
-            </p:style>
-            <p:txBody>
-              <a:bodyPr rtlCol="0" anchor="ctr"/>
-              <a:lstStyle/>
-              <a:p>
-                <a:pPr algn="ctr"/>
-                <a:endParaRPr lang="pt-BR"/>
-              </a:p>
-            </p:txBody>
-          </p:sp>
-          <p:sp>
-            <p:nvSpPr>
-              <p:cNvPr id="147" name="Retângulo de cantos arredondados 25">
-                <a:extLst>
-                  <a:ext uri="{FF2B5EF4-FFF2-40B4-BE49-F238E27FC236}">
-                    <a16:creationId xmlns:a16="http://schemas.microsoft.com/office/drawing/2014/main" id="{86FE141E-3DA7-41CF-8961-E6932396F269}"/>
-                  </a:ext>
-                </a:extLst>
-              </p:cNvPr>
-              <p:cNvSpPr/>
-              <p:nvPr/>
-            </p:nvSpPr>
-            <p:spPr>
-              <a:xfrm rot="188833">
-                <a:off x="6456521" y="2391677"/>
-                <a:ext cx="311727" cy="960388"/>
-              </a:xfrm>
-              <a:prstGeom prst="roundRect">
-                <a:avLst>
-                  <a:gd name="adj" fmla="val 50000"/>
-                </a:avLst>
-              </a:prstGeom>
-              <a:grpFill/>
-              <a:ln>
-                <a:noFill/>
-              </a:ln>
-            </p:spPr>
-            <p:style>
-              <a:lnRef idx="2">
-                <a:schemeClr val="accent1">
-                  <a:shade val="50000"/>
-                </a:schemeClr>
-              </a:lnRef>
-              <a:fillRef idx="1">
-                <a:schemeClr val="accent1"/>
-              </a:fillRef>
-              <a:effectRef idx="0">
-                <a:schemeClr val="accent1"/>
-              </a:effectRef>
-              <a:fontRef idx="minor">
-                <a:schemeClr val="lt1"/>
-              </a:fontRef>
-            </p:style>
-            <p:txBody>
-              <a:bodyPr rtlCol="0" anchor="ctr"/>
-              <a:lstStyle/>
-              <a:p>
-                <a:pPr algn="ctr"/>
-                <a:endParaRPr lang="pt-BR"/>
-              </a:p>
-            </p:txBody>
-          </p:sp>
-          <p:sp>
-            <p:nvSpPr>
-              <p:cNvPr id="148" name="Retângulo de cantos arredondados 26">
-                <a:extLst>
-                  <a:ext uri="{FF2B5EF4-FFF2-40B4-BE49-F238E27FC236}">
-                    <a16:creationId xmlns:a16="http://schemas.microsoft.com/office/drawing/2014/main" id="{F6464FC9-9E8D-4930-9995-7B4C5A33FD8E}"/>
-                  </a:ext>
-                </a:extLst>
-              </p:cNvPr>
-              <p:cNvSpPr/>
-              <p:nvPr/>
-            </p:nvSpPr>
-            <p:spPr>
-              <a:xfrm flipH="1">
-                <a:off x="7751574" y="2395462"/>
-                <a:ext cx="356355" cy="1223105"/>
-              </a:xfrm>
-              <a:prstGeom prst="roundRect">
-                <a:avLst>
-                  <a:gd name="adj" fmla="val 50000"/>
-                </a:avLst>
-              </a:prstGeom>
-              <a:grpFill/>
-              <a:ln>
-                <a:noFill/>
-              </a:ln>
-            </p:spPr>
-            <p:style>
-              <a:lnRef idx="2">
-                <a:schemeClr val="accent1">
-                  <a:shade val="50000"/>
-                </a:schemeClr>
-              </a:lnRef>
-              <a:fillRef idx="1">
-                <a:schemeClr val="accent1"/>
-              </a:fillRef>
-              <a:effectRef idx="0">
-                <a:schemeClr val="accent1"/>
-              </a:effectRef>
-              <a:fontRef idx="minor">
-                <a:schemeClr val="lt1"/>
-              </a:fontRef>
-            </p:style>
-            <p:txBody>
-              <a:bodyPr rtlCol="0" anchor="ctr"/>
-              <a:lstStyle/>
-              <a:p>
-                <a:pPr algn="ctr"/>
-                <a:endParaRPr lang="pt-BR"/>
-              </a:p>
-            </p:txBody>
-          </p:sp>
-        </p:grpSp>
-        <p:sp>
-          <p:nvSpPr>
-            <p:cNvPr id="139" name="Semicírculo 138">
-              <a:extLst>
-                <a:ext uri="{FF2B5EF4-FFF2-40B4-BE49-F238E27FC236}">
-                  <a16:creationId xmlns:a16="http://schemas.microsoft.com/office/drawing/2014/main" id="{FB8BF764-0ACF-4C4B-9BE2-37A056687592}"/>
-                </a:ext>
-              </a:extLst>
-            </p:cNvPr>
-            <p:cNvSpPr/>
-            <p:nvPr/>
-          </p:nvSpPr>
-          <p:spPr>
-            <a:xfrm rot="10800000">
-              <a:off x="1632899" y="483188"/>
-              <a:ext cx="129057" cy="132234"/>
-            </a:xfrm>
-            <a:prstGeom prst="blockArc">
-              <a:avLst/>
-            </a:prstGeom>
-            <a:grpFill/>
-            <a:ln>
-              <a:noFill/>
-            </a:ln>
-          </p:spPr>
-          <p:style>
-            <a:lnRef idx="2">
-              <a:schemeClr val="accent1">
-                <a:shade val="50000"/>
-              </a:schemeClr>
-            </a:lnRef>
-            <a:fillRef idx="1">
-              <a:schemeClr val="accent1"/>
-            </a:fillRef>
-            <a:effectRef idx="0">
-              <a:schemeClr val="accent1"/>
-            </a:effectRef>
-            <a:fontRef idx="minor">
-              <a:schemeClr val="lt1"/>
-            </a:fontRef>
-          </p:style>
-          <p:txBody>
-            <a:bodyPr rtlCol="0" anchor="ctr"/>
-            <a:lstStyle/>
-            <a:p>
-              <a:pPr algn="ctr"/>
-              <a:endParaRPr lang="pt-BR">
-                <a:solidFill>
-                  <a:schemeClr val="tx1"/>
-                </a:solidFill>
-              </a:endParaRPr>
-            </a:p>
-          </p:txBody>
-        </p:sp>
-        <p:sp>
-          <p:nvSpPr>
-            <p:cNvPr id="140" name="Retângulo 139">
-              <a:extLst>
-                <a:ext uri="{FF2B5EF4-FFF2-40B4-BE49-F238E27FC236}">
-                  <a16:creationId xmlns:a16="http://schemas.microsoft.com/office/drawing/2014/main" id="{5FB8E655-473B-4C08-B874-DE9C8AD21E00}"/>
-                </a:ext>
-              </a:extLst>
-            </p:cNvPr>
-            <p:cNvSpPr/>
-            <p:nvPr/>
-          </p:nvSpPr>
-          <p:spPr>
-            <a:xfrm>
-              <a:off x="1729645" y="424919"/>
-              <a:ext cx="32311" cy="127305"/>
-            </a:xfrm>
-            <a:prstGeom prst="rect">
-              <a:avLst/>
-            </a:prstGeom>
-            <a:grpFill/>
-            <a:ln>
-              <a:noFill/>
-            </a:ln>
-          </p:spPr>
-          <p:style>
-            <a:lnRef idx="2">
-              <a:schemeClr val="accent1">
-                <a:shade val="50000"/>
-              </a:schemeClr>
-            </a:lnRef>
-            <a:fillRef idx="1">
-              <a:schemeClr val="accent1"/>
-            </a:fillRef>
-            <a:effectRef idx="0">
-              <a:schemeClr val="accent1"/>
-            </a:effectRef>
-            <a:fontRef idx="minor">
-              <a:schemeClr val="lt1"/>
-            </a:fontRef>
-          </p:style>
-          <p:txBody>
-            <a:bodyPr rtlCol="0" anchor="ctr"/>
-            <a:lstStyle/>
-            <a:p>
-              <a:pPr algn="ctr"/>
-              <a:endParaRPr lang="pt-BR"/>
-            </a:p>
-          </p:txBody>
-        </p:sp>
-        <p:sp>
-          <p:nvSpPr>
-            <p:cNvPr id="141" name="Forma Livre: Forma 140">
-              <a:extLst>
-                <a:ext uri="{FF2B5EF4-FFF2-40B4-BE49-F238E27FC236}">
-                  <a16:creationId xmlns:a16="http://schemas.microsoft.com/office/drawing/2014/main" id="{8465B44D-ADC8-408C-BE67-A0B993ADA66C}"/>
-                </a:ext>
-              </a:extLst>
-            </p:cNvPr>
-            <p:cNvSpPr/>
-            <p:nvPr/>
-          </p:nvSpPr>
-          <p:spPr>
-            <a:xfrm>
-              <a:off x="907940" y="335883"/>
-              <a:ext cx="200478" cy="200478"/>
-            </a:xfrm>
-            <a:custGeom>
-              <a:avLst/>
-              <a:gdLst>
-                <a:gd name="connsiteX0" fmla="*/ 270317 w 539750"/>
-                <a:gd name="connsiteY0" fmla="*/ 98621 h 539750"/>
-                <a:gd name="connsiteX1" fmla="*/ 100546 w 539750"/>
-                <a:gd name="connsiteY1" fmla="*/ 268392 h 539750"/>
-                <a:gd name="connsiteX2" fmla="*/ 270317 w 539750"/>
-                <a:gd name="connsiteY2" fmla="*/ 438163 h 539750"/>
-                <a:gd name="connsiteX3" fmla="*/ 440088 w 539750"/>
-                <a:gd name="connsiteY3" fmla="*/ 268392 h 539750"/>
-                <a:gd name="connsiteX4" fmla="*/ 270317 w 539750"/>
-                <a:gd name="connsiteY4" fmla="*/ 98621 h 539750"/>
-                <a:gd name="connsiteX5" fmla="*/ 269875 w 539750"/>
-                <a:gd name="connsiteY5" fmla="*/ 0 h 539750"/>
-                <a:gd name="connsiteX6" fmla="*/ 539750 w 539750"/>
-                <a:gd name="connsiteY6" fmla="*/ 269875 h 539750"/>
-                <a:gd name="connsiteX7" fmla="*/ 269875 w 539750"/>
-                <a:gd name="connsiteY7" fmla="*/ 539750 h 539750"/>
-                <a:gd name="connsiteX8" fmla="*/ 0 w 539750"/>
-                <a:gd name="connsiteY8" fmla="*/ 269875 h 539750"/>
-                <a:gd name="connsiteX9" fmla="*/ 269875 w 539750"/>
-                <a:gd name="connsiteY9" fmla="*/ 0 h 539750"/>
-              </a:gdLst>
-              <a:ahLst/>
-              <a:cxnLst>
-                <a:cxn ang="0">
-                  <a:pos x="connsiteX0" y="connsiteY0"/>
-                </a:cxn>
-                <a:cxn ang="0">
-                  <a:pos x="connsiteX1" y="connsiteY1"/>
-                </a:cxn>
-                <a:cxn ang="0">
-                  <a:pos x="connsiteX2" y="connsiteY2"/>
-                </a:cxn>
-                <a:cxn ang="0">
-                  <a:pos x="connsiteX3" y="connsiteY3"/>
-                </a:cxn>
-                <a:cxn ang="0">
-                  <a:pos x="connsiteX4" y="connsiteY4"/>
-                </a:cxn>
-                <a:cxn ang="0">
-                  <a:pos x="connsiteX5" y="connsiteY5"/>
-                </a:cxn>
-                <a:cxn ang="0">
-                  <a:pos x="connsiteX6" y="connsiteY6"/>
-                </a:cxn>
-                <a:cxn ang="0">
-                  <a:pos x="connsiteX7" y="connsiteY7"/>
-                </a:cxn>
-                <a:cxn ang="0">
-                  <a:pos x="connsiteX8" y="connsiteY8"/>
-                </a:cxn>
-                <a:cxn ang="0">
-                  <a:pos x="connsiteX9" y="connsiteY9"/>
-                </a:cxn>
-              </a:cxnLst>
-              <a:rect l="l" t="t" r="r" b="b"/>
-              <a:pathLst>
-                <a:path w="539750" h="539750">
-                  <a:moveTo>
-                    <a:pt x="270317" y="98621"/>
-                  </a:moveTo>
-                  <a:cubicBezTo>
-                    <a:pt x="176555" y="98621"/>
-                    <a:pt x="100546" y="174630"/>
-                    <a:pt x="100546" y="268392"/>
-                  </a:cubicBezTo>
-                  <a:cubicBezTo>
-                    <a:pt x="100546" y="362154"/>
-                    <a:pt x="176555" y="438163"/>
-                    <a:pt x="270317" y="438163"/>
-                  </a:cubicBezTo>
-                  <a:cubicBezTo>
-                    <a:pt x="364079" y="438163"/>
-                    <a:pt x="440088" y="362154"/>
-                    <a:pt x="440088" y="268392"/>
-                  </a:cubicBezTo>
-                  <a:cubicBezTo>
-                    <a:pt x="440088" y="174630"/>
-                    <a:pt x="364079" y="98621"/>
-                    <a:pt x="270317" y="98621"/>
-                  </a:cubicBezTo>
-                  <a:close/>
-                  <a:moveTo>
-                    <a:pt x="269875" y="0"/>
-                  </a:moveTo>
-                  <a:cubicBezTo>
-                    <a:pt x="418923" y="0"/>
-                    <a:pt x="539750" y="120827"/>
-                    <a:pt x="539750" y="269875"/>
-                  </a:cubicBezTo>
-                  <a:cubicBezTo>
-                    <a:pt x="539750" y="418923"/>
-                    <a:pt x="418923" y="539750"/>
-                    <a:pt x="269875" y="539750"/>
-                  </a:cubicBezTo>
-                  <a:cubicBezTo>
-                    <a:pt x="120827" y="539750"/>
-                    <a:pt x="0" y="418923"/>
-                    <a:pt x="0" y="269875"/>
-                  </a:cubicBezTo>
-                  <a:cubicBezTo>
-                    <a:pt x="0" y="120827"/>
-                    <a:pt x="120827" y="0"/>
-                    <a:pt x="269875" y="0"/>
-                  </a:cubicBezTo>
-                  <a:close/>
-                </a:path>
-              </a:pathLst>
-            </a:custGeom>
-            <a:grpFill/>
-            <a:ln>
-              <a:noFill/>
-            </a:ln>
-          </p:spPr>
-          <p:style>
-            <a:lnRef idx="2">
-              <a:schemeClr val="accent1">
-                <a:shade val="50000"/>
-              </a:schemeClr>
-            </a:lnRef>
-            <a:fillRef idx="1">
-              <a:schemeClr val="accent1"/>
-            </a:fillRef>
-            <a:effectRef idx="0">
-              <a:schemeClr val="accent1"/>
-            </a:effectRef>
-            <a:fontRef idx="minor">
-              <a:schemeClr val="lt1"/>
-            </a:fontRef>
-          </p:style>
-          <p:txBody>
-            <a:bodyPr wrap="square" rtlCol="0" anchor="ctr">
-              <a:noAutofit/>
-            </a:bodyPr>
-            <a:lstStyle/>
-            <a:p>
-              <a:pPr algn="ctr"/>
-              <a:endParaRPr lang="pt-BR"/>
-            </a:p>
-          </p:txBody>
-        </p:sp>
-        <p:sp>
-          <p:nvSpPr>
-            <p:cNvPr id="142" name="Retângulo: Cantos Arredondados 141">
-              <a:extLst>
-                <a:ext uri="{FF2B5EF4-FFF2-40B4-BE49-F238E27FC236}">
-                  <a16:creationId xmlns:a16="http://schemas.microsoft.com/office/drawing/2014/main" id="{148116FA-216F-470B-AF19-BA48BC8C6E7B}"/>
-                </a:ext>
-              </a:extLst>
-            </p:cNvPr>
-            <p:cNvSpPr/>
-            <p:nvPr/>
-          </p:nvSpPr>
-          <p:spPr>
-            <a:xfrm>
-              <a:off x="834608" y="360595"/>
-              <a:ext cx="47974" cy="163306"/>
-            </a:xfrm>
-            <a:prstGeom prst="roundRect">
-              <a:avLst>
-                <a:gd name="adj" fmla="val 48985"/>
-              </a:avLst>
-            </a:prstGeom>
-            <a:grpFill/>
-            <a:ln>
-              <a:noFill/>
-            </a:ln>
-          </p:spPr>
-          <p:style>
-            <a:lnRef idx="2">
-              <a:schemeClr val="accent1">
-                <a:shade val="50000"/>
-              </a:schemeClr>
-            </a:lnRef>
-            <a:fillRef idx="1">
-              <a:schemeClr val="accent1"/>
-            </a:fillRef>
-            <a:effectRef idx="0">
-              <a:schemeClr val="accent1"/>
-            </a:effectRef>
-            <a:fontRef idx="minor">
-              <a:schemeClr val="lt1"/>
-            </a:fontRef>
-          </p:style>
-          <p:txBody>
-            <a:bodyPr rtlCol="0" anchor="ctr"/>
-            <a:lstStyle/>
-            <a:p>
-              <a:pPr algn="ctr"/>
-              <a:endParaRPr lang="pt-BR"/>
-            </a:p>
-          </p:txBody>
-        </p:sp>
-        <p:sp>
-          <p:nvSpPr>
-            <p:cNvPr id="143" name="Retângulo: Cantos Arredondados 142">
-              <a:extLst>
-                <a:ext uri="{FF2B5EF4-FFF2-40B4-BE49-F238E27FC236}">
-                  <a16:creationId xmlns:a16="http://schemas.microsoft.com/office/drawing/2014/main" id="{6017EF90-C6BC-4E81-AD3A-2BAA8D2DCD82}"/>
-                </a:ext>
-              </a:extLst>
-            </p:cNvPr>
-            <p:cNvSpPr/>
-            <p:nvPr/>
-          </p:nvSpPr>
-          <p:spPr>
-            <a:xfrm>
-              <a:off x="834608" y="290657"/>
-              <a:ext cx="47974" cy="47731"/>
-            </a:xfrm>
-            <a:prstGeom prst="roundRect">
-              <a:avLst>
-                <a:gd name="adj" fmla="val 33179"/>
-              </a:avLst>
-            </a:prstGeom>
-            <a:grpFill/>
-            <a:ln>
-              <a:noFill/>
-            </a:ln>
-          </p:spPr>
-          <p:style>
-            <a:lnRef idx="2">
-              <a:schemeClr val="accent1">
-                <a:shade val="50000"/>
-              </a:schemeClr>
-            </a:lnRef>
-            <a:fillRef idx="1">
-              <a:schemeClr val="accent1"/>
-            </a:fillRef>
-            <a:effectRef idx="0">
-              <a:schemeClr val="accent1"/>
-            </a:effectRef>
-            <a:fontRef idx="minor">
-              <a:schemeClr val="lt1"/>
-            </a:fontRef>
-          </p:style>
-          <p:txBody>
-            <a:bodyPr rtlCol="0" anchor="ctr"/>
-            <a:lstStyle/>
-            <a:p>
-              <a:pPr algn="ctr"/>
-              <a:endParaRPr lang="pt-BR"/>
-            </a:p>
-          </p:txBody>
-        </p:sp>
-        <p:sp>
-          <p:nvSpPr>
-            <p:cNvPr id="144" name="Forma Livre: Forma 143">
-              <a:extLst>
-                <a:ext uri="{FF2B5EF4-FFF2-40B4-BE49-F238E27FC236}">
-                  <a16:creationId xmlns:a16="http://schemas.microsoft.com/office/drawing/2014/main" id="{D59B62EC-B937-41BA-9FB5-1BFF4B0BE187}"/>
-                </a:ext>
-              </a:extLst>
-            </p:cNvPr>
-            <p:cNvSpPr/>
-            <p:nvPr/>
-          </p:nvSpPr>
-          <p:spPr>
-            <a:xfrm>
-              <a:off x="612969" y="330952"/>
-              <a:ext cx="200478" cy="200478"/>
-            </a:xfrm>
-            <a:custGeom>
-              <a:avLst/>
-              <a:gdLst>
-                <a:gd name="connsiteX0" fmla="*/ 270317 w 539750"/>
-                <a:gd name="connsiteY0" fmla="*/ 98621 h 539750"/>
-                <a:gd name="connsiteX1" fmla="*/ 100546 w 539750"/>
-                <a:gd name="connsiteY1" fmla="*/ 268392 h 539750"/>
-                <a:gd name="connsiteX2" fmla="*/ 270317 w 539750"/>
-                <a:gd name="connsiteY2" fmla="*/ 438163 h 539750"/>
-                <a:gd name="connsiteX3" fmla="*/ 440088 w 539750"/>
-                <a:gd name="connsiteY3" fmla="*/ 268392 h 539750"/>
-                <a:gd name="connsiteX4" fmla="*/ 270317 w 539750"/>
-                <a:gd name="connsiteY4" fmla="*/ 98621 h 539750"/>
-                <a:gd name="connsiteX5" fmla="*/ 269875 w 539750"/>
-                <a:gd name="connsiteY5" fmla="*/ 0 h 539750"/>
-                <a:gd name="connsiteX6" fmla="*/ 539750 w 539750"/>
-                <a:gd name="connsiteY6" fmla="*/ 269875 h 539750"/>
-                <a:gd name="connsiteX7" fmla="*/ 269875 w 539750"/>
-                <a:gd name="connsiteY7" fmla="*/ 539750 h 539750"/>
-                <a:gd name="connsiteX8" fmla="*/ 0 w 539750"/>
-                <a:gd name="connsiteY8" fmla="*/ 269875 h 539750"/>
-                <a:gd name="connsiteX9" fmla="*/ 269875 w 539750"/>
-                <a:gd name="connsiteY9" fmla="*/ 0 h 539750"/>
-              </a:gdLst>
-              <a:ahLst/>
-              <a:cxnLst>
-                <a:cxn ang="0">
-                  <a:pos x="connsiteX0" y="connsiteY0"/>
-                </a:cxn>
-                <a:cxn ang="0">
-                  <a:pos x="connsiteX1" y="connsiteY1"/>
-                </a:cxn>
-                <a:cxn ang="0">
-                  <a:pos x="connsiteX2" y="connsiteY2"/>
-                </a:cxn>
-                <a:cxn ang="0">
-                  <a:pos x="connsiteX3" y="connsiteY3"/>
-                </a:cxn>
-                <a:cxn ang="0">
-                  <a:pos x="connsiteX4" y="connsiteY4"/>
-                </a:cxn>
-                <a:cxn ang="0">
-                  <a:pos x="connsiteX5" y="connsiteY5"/>
-                </a:cxn>
-                <a:cxn ang="0">
-                  <a:pos x="connsiteX6" y="connsiteY6"/>
-                </a:cxn>
-                <a:cxn ang="0">
-                  <a:pos x="connsiteX7" y="connsiteY7"/>
-                </a:cxn>
-                <a:cxn ang="0">
-                  <a:pos x="connsiteX8" y="connsiteY8"/>
-                </a:cxn>
-                <a:cxn ang="0">
-                  <a:pos x="connsiteX9" y="connsiteY9"/>
-                </a:cxn>
-              </a:cxnLst>
-              <a:rect l="l" t="t" r="r" b="b"/>
-              <a:pathLst>
-                <a:path w="539750" h="539750">
-                  <a:moveTo>
-                    <a:pt x="270317" y="98621"/>
-                  </a:moveTo>
-                  <a:cubicBezTo>
-                    <a:pt x="176555" y="98621"/>
-                    <a:pt x="100546" y="174630"/>
-                    <a:pt x="100546" y="268392"/>
-                  </a:cubicBezTo>
-                  <a:cubicBezTo>
-                    <a:pt x="100546" y="362154"/>
-                    <a:pt x="176555" y="438163"/>
-                    <a:pt x="270317" y="438163"/>
-                  </a:cubicBezTo>
-                  <a:cubicBezTo>
-                    <a:pt x="364079" y="438163"/>
-                    <a:pt x="440088" y="362154"/>
-                    <a:pt x="440088" y="268392"/>
-                  </a:cubicBezTo>
-                  <a:cubicBezTo>
-                    <a:pt x="440088" y="174630"/>
-                    <a:pt x="364079" y="98621"/>
-                    <a:pt x="270317" y="98621"/>
-                  </a:cubicBezTo>
-                  <a:close/>
-                  <a:moveTo>
-                    <a:pt x="269875" y="0"/>
-                  </a:moveTo>
-                  <a:cubicBezTo>
-                    <a:pt x="418923" y="0"/>
-                    <a:pt x="539750" y="120827"/>
-                    <a:pt x="539750" y="269875"/>
-                  </a:cubicBezTo>
-                  <a:cubicBezTo>
-                    <a:pt x="539750" y="418923"/>
-                    <a:pt x="418923" y="539750"/>
-                    <a:pt x="269875" y="539750"/>
-                  </a:cubicBezTo>
-                  <a:cubicBezTo>
-                    <a:pt x="120827" y="539750"/>
-                    <a:pt x="0" y="418923"/>
-                    <a:pt x="0" y="269875"/>
-                  </a:cubicBezTo>
-                  <a:cubicBezTo>
-                    <a:pt x="0" y="120827"/>
-                    <a:pt x="120827" y="0"/>
-                    <a:pt x="269875" y="0"/>
-                  </a:cubicBezTo>
-                  <a:close/>
-                </a:path>
-              </a:pathLst>
-            </a:custGeom>
-            <a:grpFill/>
-            <a:ln>
-              <a:noFill/>
-            </a:ln>
-          </p:spPr>
-          <p:style>
-            <a:lnRef idx="2">
-              <a:schemeClr val="accent1">
-                <a:shade val="50000"/>
-              </a:schemeClr>
-            </a:lnRef>
-            <a:fillRef idx="1">
-              <a:schemeClr val="accent1"/>
-            </a:fillRef>
-            <a:effectRef idx="0">
-              <a:schemeClr val="accent1"/>
-            </a:effectRef>
-            <a:fontRef idx="minor">
-              <a:schemeClr val="lt1"/>
-            </a:fontRef>
-          </p:style>
-          <p:txBody>
-            <a:bodyPr wrap="square" rtlCol="0" anchor="ctr">
-              <a:noAutofit/>
-            </a:bodyPr>
-            <a:lstStyle/>
-            <a:p>
-              <a:pPr algn="ctr"/>
-              <a:endParaRPr lang="pt-BR"/>
-            </a:p>
-          </p:txBody>
-        </p:sp>
-        <p:sp>
-          <p:nvSpPr>
-            <p:cNvPr id="145" name="Retângulo: Cantos Arredondados 144">
-              <a:extLst>
-                <a:ext uri="{FF2B5EF4-FFF2-40B4-BE49-F238E27FC236}">
-                  <a16:creationId xmlns:a16="http://schemas.microsoft.com/office/drawing/2014/main" id="{1AA07907-F0A6-47AC-9AA2-E178B37EBDF3}"/>
-                </a:ext>
-              </a:extLst>
-            </p:cNvPr>
-            <p:cNvSpPr/>
-            <p:nvPr/>
-          </p:nvSpPr>
-          <p:spPr>
-            <a:xfrm>
-              <a:off x="612969" y="207187"/>
-              <a:ext cx="37346" cy="252064"/>
-            </a:xfrm>
-            <a:prstGeom prst="roundRect">
-              <a:avLst>
-                <a:gd name="adj" fmla="val 48985"/>
-              </a:avLst>
-            </a:prstGeom>
-            <a:grpFill/>
-            <a:ln>
-              <a:noFill/>
-            </a:ln>
-          </p:spPr>
-          <p:style>
-            <a:lnRef idx="2">
-              <a:schemeClr val="accent1">
-                <a:shade val="50000"/>
-              </a:schemeClr>
-            </a:lnRef>
-            <a:fillRef idx="1">
-              <a:schemeClr val="accent1"/>
-            </a:fillRef>
-            <a:effectRef idx="0">
-              <a:schemeClr val="accent1"/>
-            </a:effectRef>
-            <a:fontRef idx="minor">
-              <a:schemeClr val="lt1"/>
-            </a:fontRef>
-          </p:style>
-          <p:txBody>
-            <a:bodyPr rtlCol="0" anchor="ctr"/>
-            <a:lstStyle/>
-            <a:p>
-              <a:pPr algn="ctr"/>
-              <a:endParaRPr lang="pt-BR"/>
-            </a:p>
-          </p:txBody>
-        </p:sp>
-      </p:grpSp>
-      <p:grpSp>
-        <p:nvGrpSpPr>
-          <p:cNvPr id="124" name="Agrupar 123">
-            <a:extLst>
-              <a:ext uri="{FF2B5EF4-FFF2-40B4-BE49-F238E27FC236}">
-                <a16:creationId xmlns:a16="http://schemas.microsoft.com/office/drawing/2014/main" id="{E86F2188-14FF-4EA0-81A0-FECF3B042568}"/>
-              </a:ext>
-            </a:extLst>
-          </p:cNvPr>
-          <p:cNvGrpSpPr/>
-          <p:nvPr/>
-        </p:nvGrpSpPr>
-        <p:grpSpPr>
-          <a:xfrm>
-            <a:off x="3624368" y="404664"/>
-            <a:ext cx="430259" cy="425427"/>
-            <a:chOff x="1866784" y="1977564"/>
-            <a:chExt cx="2627993" cy="2598481"/>
-          </a:xfrm>
-        </p:grpSpPr>
-        <p:sp>
-          <p:nvSpPr>
-            <p:cNvPr id="125" name="Hexágono 124">
-              <a:extLst>
-                <a:ext uri="{FF2B5EF4-FFF2-40B4-BE49-F238E27FC236}">
-                  <a16:creationId xmlns:a16="http://schemas.microsoft.com/office/drawing/2014/main" id="{C0B24427-9143-495B-8069-6A23944F2C6A}"/>
-                </a:ext>
-              </a:extLst>
-            </p:cNvPr>
-            <p:cNvSpPr/>
-            <p:nvPr/>
-          </p:nvSpPr>
-          <p:spPr>
-            <a:xfrm rot="16200000">
-              <a:off x="1773320" y="2071028"/>
-              <a:ext cx="1355221" cy="1168293"/>
-            </a:xfrm>
-            <a:prstGeom prst="hexagon">
-              <a:avLst/>
-            </a:prstGeom>
-            <a:solidFill>
-              <a:schemeClr val="bg1">
-                <a:lumMod val="75000"/>
-              </a:schemeClr>
-            </a:solidFill>
-            <a:ln>
-              <a:noFill/>
-            </a:ln>
-          </p:spPr>
-          <p:style>
-            <a:lnRef idx="2">
-              <a:schemeClr val="accent1">
-                <a:shade val="50000"/>
-              </a:schemeClr>
-            </a:lnRef>
-            <a:fillRef idx="1">
-              <a:schemeClr val="accent1"/>
-            </a:fillRef>
-            <a:effectRef idx="0">
-              <a:schemeClr val="accent1"/>
-            </a:effectRef>
-            <a:fontRef idx="minor">
-              <a:schemeClr val="lt1"/>
-            </a:fontRef>
-          </p:style>
-          <p:txBody>
-            <a:bodyPr rtlCol="0" anchor="ctr"/>
-            <a:lstStyle/>
-            <a:p>
-              <a:pPr algn="ctr"/>
-              <a:endParaRPr lang="pt-BR"/>
-            </a:p>
-          </p:txBody>
-        </p:sp>
-        <p:sp>
-          <p:nvSpPr>
-            <p:cNvPr id="126" name="Hexágono 125">
-              <a:extLst>
-                <a:ext uri="{FF2B5EF4-FFF2-40B4-BE49-F238E27FC236}">
-                  <a16:creationId xmlns:a16="http://schemas.microsoft.com/office/drawing/2014/main" id="{E3FDC2F9-3F4A-4A95-AD05-43ECBEBCE037}"/>
-                </a:ext>
-              </a:extLst>
-            </p:cNvPr>
-            <p:cNvSpPr/>
-            <p:nvPr/>
-          </p:nvSpPr>
-          <p:spPr>
-            <a:xfrm rot="16200000">
-              <a:off x="2302926" y="2212768"/>
-              <a:ext cx="2146109" cy="1850096"/>
-            </a:xfrm>
-            <a:prstGeom prst="hexagon">
-              <a:avLst/>
-            </a:prstGeom>
-            <a:solidFill>
-              <a:schemeClr val="bg1">
-                <a:lumMod val="75000"/>
-              </a:schemeClr>
-            </a:solidFill>
-            <a:ln>
-              <a:noFill/>
-            </a:ln>
-          </p:spPr>
-          <p:style>
-            <a:lnRef idx="2">
-              <a:schemeClr val="accent1">
-                <a:shade val="50000"/>
-              </a:schemeClr>
-            </a:lnRef>
-            <a:fillRef idx="1">
-              <a:schemeClr val="accent1"/>
-            </a:fillRef>
-            <a:effectRef idx="0">
-              <a:schemeClr val="accent1"/>
-            </a:effectRef>
-            <a:fontRef idx="minor">
-              <a:schemeClr val="lt1"/>
-            </a:fontRef>
-          </p:style>
-          <p:txBody>
-            <a:bodyPr rtlCol="0" anchor="ctr"/>
-            <a:lstStyle/>
-            <a:p>
-              <a:pPr algn="ctr"/>
-              <a:endParaRPr lang="pt-BR"/>
-            </a:p>
-          </p:txBody>
-        </p:sp>
-        <p:sp>
-          <p:nvSpPr>
-            <p:cNvPr id="127" name="Hexágono 126">
-              <a:extLst>
-                <a:ext uri="{FF2B5EF4-FFF2-40B4-BE49-F238E27FC236}">
-                  <a16:creationId xmlns:a16="http://schemas.microsoft.com/office/drawing/2014/main" id="{E857319F-430E-4B25-8140-73398A893D72}"/>
-                </a:ext>
-              </a:extLst>
-            </p:cNvPr>
-            <p:cNvSpPr/>
-            <p:nvPr/>
-          </p:nvSpPr>
-          <p:spPr>
-            <a:xfrm rot="16200000">
-              <a:off x="3525114" y="3606382"/>
-              <a:ext cx="1041490" cy="897836"/>
-            </a:xfrm>
-            <a:prstGeom prst="hexagon">
-              <a:avLst/>
-            </a:prstGeom>
-            <a:solidFill>
-              <a:schemeClr val="bg1">
-                <a:lumMod val="75000"/>
-              </a:schemeClr>
-            </a:solidFill>
-            <a:ln>
-              <a:noFill/>
-            </a:ln>
-          </p:spPr>
-          <p:style>
-            <a:lnRef idx="2">
-              <a:schemeClr val="accent1">
-                <a:shade val="50000"/>
-              </a:schemeClr>
-            </a:lnRef>
-            <a:fillRef idx="1">
-              <a:schemeClr val="accent1"/>
-            </a:fillRef>
-            <a:effectRef idx="0">
-              <a:schemeClr val="accent1"/>
-            </a:effectRef>
-            <a:fontRef idx="minor">
-              <a:schemeClr val="lt1"/>
-            </a:fontRef>
-          </p:style>
-          <p:txBody>
-            <a:bodyPr rtlCol="0" anchor="ctr"/>
-            <a:lstStyle/>
-            <a:p>
-              <a:pPr algn="ctr"/>
-              <a:endParaRPr lang="pt-BR" dirty="0"/>
-            </a:p>
-          </p:txBody>
-        </p:sp>
-        <p:sp>
-          <p:nvSpPr>
-            <p:cNvPr id="128" name="Forma Livre: Forma 127">
-              <a:extLst>
-                <a:ext uri="{FF2B5EF4-FFF2-40B4-BE49-F238E27FC236}">
-                  <a16:creationId xmlns:a16="http://schemas.microsoft.com/office/drawing/2014/main" id="{3B7364A6-B3C2-493F-A20E-FCBAA62A2C6C}"/>
-                </a:ext>
-              </a:extLst>
-            </p:cNvPr>
-            <p:cNvSpPr/>
-            <p:nvPr/>
-          </p:nvSpPr>
-          <p:spPr>
-            <a:xfrm rot="16200000">
-              <a:off x="2203752" y="2485417"/>
-              <a:ext cx="1078511" cy="584145"/>
-            </a:xfrm>
-            <a:custGeom>
-              <a:avLst/>
-              <a:gdLst>
-                <a:gd name="connsiteX0" fmla="*/ 1078510 w 1078510"/>
-                <a:gd name="connsiteY0" fmla="*/ 553420 h 584146"/>
-                <a:gd name="connsiteX1" fmla="*/ 1063148 w 1078510"/>
-                <a:gd name="connsiteY1" fmla="*/ 584146 h 584146"/>
-                <a:gd name="connsiteX2" fmla="*/ 292073 w 1078510"/>
-                <a:gd name="connsiteY2" fmla="*/ 584146 h 584146"/>
-                <a:gd name="connsiteX3" fmla="*/ 0 w 1078510"/>
-                <a:gd name="connsiteY3" fmla="*/ 0 h 584146"/>
-                <a:gd name="connsiteX4" fmla="*/ 801800 w 1078510"/>
-                <a:gd name="connsiteY4" fmla="*/ 0 h 584146"/>
-              </a:gdLst>
-              <a:ahLst/>
-              <a:cxnLst>
-                <a:cxn ang="0">
-                  <a:pos x="connsiteX0" y="connsiteY0"/>
-                </a:cxn>
-                <a:cxn ang="0">
-                  <a:pos x="connsiteX1" y="connsiteY1"/>
-                </a:cxn>
-                <a:cxn ang="0">
-                  <a:pos x="connsiteX2" y="connsiteY2"/>
-                </a:cxn>
-                <a:cxn ang="0">
-                  <a:pos x="connsiteX3" y="connsiteY3"/>
-                </a:cxn>
-                <a:cxn ang="0">
-                  <a:pos x="connsiteX4" y="connsiteY4"/>
-                </a:cxn>
-              </a:cxnLst>
-              <a:rect l="l" t="t" r="r" b="b"/>
-              <a:pathLst>
-                <a:path w="1078510" h="584146">
-                  <a:moveTo>
-                    <a:pt x="1078510" y="553420"/>
-                  </a:moveTo>
-                  <a:lnTo>
-                    <a:pt x="1063148" y="584146"/>
-                  </a:lnTo>
-                  <a:lnTo>
-                    <a:pt x="292073" y="584146"/>
-                  </a:lnTo>
-                  <a:lnTo>
-                    <a:pt x="0" y="0"/>
-                  </a:lnTo>
-                  <a:lnTo>
-                    <a:pt x="801800" y="0"/>
-                  </a:lnTo>
-                  <a:close/>
-                </a:path>
-              </a:pathLst>
-            </a:custGeom>
-            <a:solidFill>
-              <a:srgbClr val="A5A5A5"/>
-            </a:solidFill>
-            <a:ln>
-              <a:noFill/>
-            </a:ln>
-          </p:spPr>
-          <p:style>
-            <a:lnRef idx="2">
-              <a:schemeClr val="accent1">
-                <a:shade val="50000"/>
-              </a:schemeClr>
-            </a:lnRef>
-            <a:fillRef idx="1">
-              <a:schemeClr val="accent1"/>
-            </a:fillRef>
-            <a:effectRef idx="0">
-              <a:schemeClr val="accent1"/>
-            </a:effectRef>
-            <a:fontRef idx="minor">
-              <a:schemeClr val="lt1"/>
-            </a:fontRef>
-          </p:style>
-          <p:txBody>
-            <a:bodyPr rtlCol="0" anchor="ctr"/>
-            <a:lstStyle/>
-            <a:p>
-              <a:pPr algn="ctr"/>
-              <a:endParaRPr lang="pt-BR"/>
-            </a:p>
-          </p:txBody>
-        </p:sp>
-        <p:sp>
-          <p:nvSpPr>
-            <p:cNvPr id="129" name="Hexágono 128">
-              <a:extLst>
-                <a:ext uri="{FF2B5EF4-FFF2-40B4-BE49-F238E27FC236}">
-                  <a16:creationId xmlns:a16="http://schemas.microsoft.com/office/drawing/2014/main" id="{C7D48914-1B0E-424F-9B44-C80D1FD60EE2}"/>
-                </a:ext>
-              </a:extLst>
-            </p:cNvPr>
-            <p:cNvSpPr/>
-            <p:nvPr/>
-          </p:nvSpPr>
-          <p:spPr>
-            <a:xfrm rot="16200000">
-              <a:off x="2430299" y="3964168"/>
-              <a:ext cx="572351" cy="493406"/>
-            </a:xfrm>
-            <a:prstGeom prst="hexagon">
-              <a:avLst/>
-            </a:prstGeom>
-            <a:solidFill>
-              <a:schemeClr val="bg1">
-                <a:lumMod val="75000"/>
-              </a:schemeClr>
-            </a:solidFill>
-            <a:ln>
-              <a:noFill/>
-            </a:ln>
-          </p:spPr>
-          <p:style>
-            <a:lnRef idx="2">
-              <a:schemeClr val="accent1">
-                <a:shade val="50000"/>
-              </a:schemeClr>
-            </a:lnRef>
-            <a:fillRef idx="1">
-              <a:schemeClr val="accent1"/>
-            </a:fillRef>
-            <a:effectRef idx="0">
-              <a:schemeClr val="accent1"/>
-            </a:effectRef>
-            <a:fontRef idx="minor">
-              <a:schemeClr val="lt1"/>
-            </a:fontRef>
-          </p:style>
-          <p:txBody>
-            <a:bodyPr rtlCol="0" anchor="ctr"/>
-            <a:lstStyle/>
-            <a:p>
-              <a:pPr algn="ctr"/>
-              <a:endParaRPr lang="pt-BR"/>
-            </a:p>
-          </p:txBody>
-        </p:sp>
-        <p:sp>
-          <p:nvSpPr>
-            <p:cNvPr id="130" name="Forma Livre: Forma 129">
-              <a:extLst>
-                <a:ext uri="{FF2B5EF4-FFF2-40B4-BE49-F238E27FC236}">
-                  <a16:creationId xmlns:a16="http://schemas.microsoft.com/office/drawing/2014/main" id="{8E9CDF3B-4ADB-432D-BE39-9B6A35045566}"/>
-                </a:ext>
-              </a:extLst>
-            </p:cNvPr>
-            <p:cNvSpPr/>
-            <p:nvPr/>
-          </p:nvSpPr>
-          <p:spPr>
-            <a:xfrm rot="16200000">
-              <a:off x="3671890" y="3459606"/>
-              <a:ext cx="563845" cy="713748"/>
-            </a:xfrm>
-            <a:custGeom>
-              <a:avLst/>
-              <a:gdLst>
-                <a:gd name="connsiteX0" fmla="*/ 563846 w 563846"/>
-                <a:gd name="connsiteY0" fmla="*/ 448918 h 713748"/>
-                <a:gd name="connsiteX1" fmla="*/ 431431 w 563846"/>
-                <a:gd name="connsiteY1" fmla="*/ 713748 h 713748"/>
-                <a:gd name="connsiteX2" fmla="*/ 356874 w 563846"/>
-                <a:gd name="connsiteY2" fmla="*/ 713748 h 713748"/>
-                <a:gd name="connsiteX3" fmla="*/ 0 w 563846"/>
-                <a:gd name="connsiteY3" fmla="*/ 0 h 713748"/>
-                <a:gd name="connsiteX4" fmla="*/ 339387 w 563846"/>
-                <a:gd name="connsiteY4" fmla="*/ 0 h 713748"/>
-              </a:gdLst>
-              <a:ahLst/>
-              <a:cxnLst>
-                <a:cxn ang="0">
-                  <a:pos x="connsiteX0" y="connsiteY0"/>
-                </a:cxn>
-                <a:cxn ang="0">
-                  <a:pos x="connsiteX1" y="connsiteY1"/>
-                </a:cxn>
-                <a:cxn ang="0">
-                  <a:pos x="connsiteX2" y="connsiteY2"/>
-                </a:cxn>
-                <a:cxn ang="0">
-                  <a:pos x="connsiteX3" y="connsiteY3"/>
-                </a:cxn>
-                <a:cxn ang="0">
-                  <a:pos x="connsiteX4" y="connsiteY4"/>
-                </a:cxn>
-              </a:cxnLst>
-              <a:rect l="l" t="t" r="r" b="b"/>
-              <a:pathLst>
-                <a:path w="563846" h="713748">
-                  <a:moveTo>
-                    <a:pt x="563846" y="448918"/>
-                  </a:moveTo>
-                  <a:lnTo>
-                    <a:pt x="431431" y="713748"/>
-                  </a:lnTo>
-                  <a:lnTo>
-                    <a:pt x="356874" y="713748"/>
-                  </a:lnTo>
-                  <a:lnTo>
-                    <a:pt x="0" y="0"/>
-                  </a:lnTo>
-                  <a:lnTo>
-                    <a:pt x="339387" y="0"/>
-                  </a:lnTo>
-                  <a:close/>
-                </a:path>
-              </a:pathLst>
-            </a:custGeom>
-            <a:solidFill>
-              <a:srgbClr val="A5A5A5"/>
-            </a:solidFill>
-            <a:ln>
-              <a:noFill/>
-            </a:ln>
-          </p:spPr>
-          <p:style>
-            <a:lnRef idx="2">
-              <a:schemeClr val="accent1">
-                <a:shade val="50000"/>
-              </a:schemeClr>
-            </a:lnRef>
-            <a:fillRef idx="1">
-              <a:schemeClr val="accent1"/>
-            </a:fillRef>
-            <a:effectRef idx="0">
-              <a:schemeClr val="accent1"/>
-            </a:effectRef>
-            <a:fontRef idx="minor">
-              <a:schemeClr val="lt1"/>
-            </a:fontRef>
-          </p:style>
-          <p:txBody>
-            <a:bodyPr rtlCol="0" anchor="ctr"/>
-            <a:lstStyle/>
-            <a:p>
-              <a:pPr algn="ctr"/>
-              <a:endParaRPr lang="pt-BR"/>
-            </a:p>
-          </p:txBody>
-        </p:sp>
-        <p:pic>
-          <p:nvPicPr>
-            <p:cNvPr id="131" name="Gráfico 8" descr="Folha">
-              <a:extLst>
-                <a:ext uri="{FF2B5EF4-FFF2-40B4-BE49-F238E27FC236}">
-                  <a16:creationId xmlns:a16="http://schemas.microsoft.com/office/drawing/2014/main" id="{32D2BE41-DE3D-4D52-B71B-15AA3658C204}"/>
-                </a:ext>
-              </a:extLst>
-            </p:cNvPr>
-            <p:cNvPicPr>
-              <a:picLocks noChangeAspect="1"/>
-            </p:cNvPicPr>
-            <p:nvPr/>
-          </p:nvPicPr>
-          <p:blipFill>
-            <a:blip r:embed="rId4" cstate="print">
-              <a:extLst>
-                <a:ext uri="{28A0092B-C50C-407E-A947-70E740481C1C}">
-                  <a14:useLocalDpi xmlns:a14="http://schemas.microsoft.com/office/drawing/2010/main" val="0"/>
-                </a:ext>
-                <a:ext uri="{96DAC541-7B7A-43D3-8B79-37D633B846F1}">
-                  <asvg:svgBlip xmlns:asvg="http://schemas.microsoft.com/office/drawing/2016/SVG/main" r:embed="rId5"/>
-                </a:ext>
-              </a:extLst>
-            </a:blip>
-            <a:stretch>
-              <a:fillRect/>
-            </a:stretch>
-          </p:blipFill>
-          <p:spPr>
-            <a:xfrm>
-              <a:off x="2927064" y="2740687"/>
-              <a:ext cx="897835" cy="897835"/>
-            </a:xfrm>
-            <a:prstGeom prst="rect">
-              <a:avLst/>
-            </a:prstGeom>
-          </p:spPr>
-        </p:pic>
-      </p:grpSp>
-      <p:sp>
-        <p:nvSpPr>
-          <p:cNvPr id="72" name="Retângulo 71">
-            <a:extLst>
-              <a:ext uri="{FF2B5EF4-FFF2-40B4-BE49-F238E27FC236}">
-                <a16:creationId xmlns:a16="http://schemas.microsoft.com/office/drawing/2014/main" id="{F1D6AA7C-F92E-41B6-9401-8C1B9D33B65D}"/>
-              </a:ext>
-            </a:extLst>
-          </p:cNvPr>
-          <p:cNvSpPr/>
-          <p:nvPr/>
-        </p:nvSpPr>
-        <p:spPr>
-          <a:xfrm>
-            <a:off x="139010" y="188640"/>
-            <a:ext cx="8825478" cy="6480720"/>
-          </a:xfrm>
-          <a:prstGeom prst="rect">
-            <a:avLst/>
-          </a:prstGeom>
-          <a:noFill/>
-          <a:ln w="57150">
-            <a:solidFill>
-              <a:schemeClr val="bg1">
-                <a:lumMod val="85000"/>
-              </a:schemeClr>
-            </a:solidFill>
-            <a:prstDash val="sysDash"/>
-          </a:ln>
-        </p:spPr>
-        <p:style>
-          <a:lnRef idx="2">
-            <a:schemeClr val="accent1">
-              <a:shade val="50000"/>
-            </a:schemeClr>
-          </a:lnRef>
-          <a:fillRef idx="1">
-            <a:schemeClr val="accent1"/>
-          </a:fillRef>
-          <a:effectRef idx="0">
-            <a:schemeClr val="accent1"/>
-          </a:effectRef>
-          <a:fontRef idx="minor">
-            <a:schemeClr val="lt1"/>
-          </a:fontRef>
-        </p:style>
-        <p:txBody>
-          <a:bodyPr rtlCol="0" anchor="ctr"/>
-          <a:lstStyle/>
-          <a:p>
-            <a:pPr algn="ctr"/>
-            <a:endParaRPr lang="pt-BR"/>
-          </a:p>
-        </p:txBody>
-      </p:sp>
-      <p:grpSp>
-        <p:nvGrpSpPr>
-          <p:cNvPr id="178" name="Agrupar 177">
-            <a:extLst>
-              <a:ext uri="{FF2B5EF4-FFF2-40B4-BE49-F238E27FC236}">
-                <a16:creationId xmlns:a16="http://schemas.microsoft.com/office/drawing/2014/main" id="{B1EBF43C-E9D3-4F90-A721-146F25E97074}"/>
-              </a:ext>
-            </a:extLst>
-          </p:cNvPr>
-          <p:cNvGrpSpPr/>
-          <p:nvPr/>
-        </p:nvGrpSpPr>
-        <p:grpSpPr>
-          <a:xfrm rot="13759434" flipV="1">
-            <a:off x="-884881" y="5324452"/>
-            <a:ext cx="1712317" cy="2670518"/>
-            <a:chOff x="6445772" y="1077492"/>
-            <a:chExt cx="2324411" cy="3625136"/>
-          </a:xfrm>
-        </p:grpSpPr>
-        <p:sp>
-          <p:nvSpPr>
-            <p:cNvPr id="179" name="Elipse 1">
-              <a:extLst>
-                <a:ext uri="{FF2B5EF4-FFF2-40B4-BE49-F238E27FC236}">
-                  <a16:creationId xmlns:a16="http://schemas.microsoft.com/office/drawing/2014/main" id="{21B54DD6-EA97-4B0C-808C-EBB850DDC9D4}"/>
-                </a:ext>
-              </a:extLst>
-            </p:cNvPr>
-            <p:cNvSpPr/>
-            <p:nvPr/>
-          </p:nvSpPr>
-          <p:spPr>
-            <a:xfrm rot="10800000">
-              <a:off x="6445772" y="1077492"/>
-              <a:ext cx="2324411" cy="2905514"/>
-            </a:xfrm>
-            <a:custGeom>
-              <a:avLst/>
-              <a:gdLst/>
-              <a:ahLst/>
-              <a:cxnLst/>
-              <a:rect l="l" t="t" r="r" b="b"/>
-              <a:pathLst>
-                <a:path w="571500" h="714375">
-                  <a:moveTo>
-                    <a:pt x="285750" y="0"/>
-                  </a:moveTo>
-                  <a:cubicBezTo>
-                    <a:pt x="443565" y="0"/>
-                    <a:pt x="571500" y="127935"/>
-                    <a:pt x="571500" y="285750"/>
-                  </a:cubicBezTo>
-                  <a:cubicBezTo>
-                    <a:pt x="571500" y="312845"/>
-                    <a:pt x="567729" y="339059"/>
-                    <a:pt x="559424" y="363539"/>
-                  </a:cubicBezTo>
-                  <a:cubicBezTo>
-                    <a:pt x="542624" y="459184"/>
-                    <a:pt x="465810" y="582087"/>
-                    <a:pt x="285750" y="714375"/>
-                  </a:cubicBezTo>
-                  <a:cubicBezTo>
-                    <a:pt x="105691" y="582087"/>
-                    <a:pt x="28877" y="459184"/>
-                    <a:pt x="12076" y="363539"/>
-                  </a:cubicBezTo>
-                  <a:cubicBezTo>
-                    <a:pt x="3771" y="339059"/>
-                    <a:pt x="0" y="312845"/>
-                    <a:pt x="0" y="285750"/>
-                  </a:cubicBezTo>
-                  <a:cubicBezTo>
-                    <a:pt x="0" y="127935"/>
-                    <a:pt x="127935" y="0"/>
-                    <a:pt x="285750" y="0"/>
-                  </a:cubicBezTo>
-                  <a:close/>
-                </a:path>
-              </a:pathLst>
-            </a:custGeom>
-            <a:solidFill>
-              <a:srgbClr val="8FFF00"/>
-            </a:solidFill>
-            <a:ln>
-              <a:noFill/>
-            </a:ln>
-          </p:spPr>
-          <p:style>
-            <a:lnRef idx="2">
-              <a:schemeClr val="accent1">
-                <a:shade val="50000"/>
-              </a:schemeClr>
-            </a:lnRef>
-            <a:fillRef idx="1">
-              <a:schemeClr val="accent1"/>
-            </a:fillRef>
-            <a:effectRef idx="0">
-              <a:schemeClr val="accent1"/>
-            </a:effectRef>
-            <a:fontRef idx="minor">
-              <a:schemeClr val="lt1"/>
-            </a:fontRef>
-          </p:style>
-          <p:txBody>
-            <a:bodyPr rtlCol="0" anchor="ctr"/>
-            <a:lstStyle/>
-            <a:p>
-              <a:pPr algn="ctr"/>
-              <a:endParaRPr lang="pt-BR"/>
-            </a:p>
-          </p:txBody>
-        </p:sp>
-        <p:sp>
-          <p:nvSpPr>
-            <p:cNvPr id="180" name="Retângulo: Cantos Arredondados 179">
-              <a:extLst>
-                <a:ext uri="{FF2B5EF4-FFF2-40B4-BE49-F238E27FC236}">
-                  <a16:creationId xmlns:a16="http://schemas.microsoft.com/office/drawing/2014/main" id="{13E0B0CF-522C-423E-B50E-37EF92E1BD1A}"/>
-                </a:ext>
-              </a:extLst>
-            </p:cNvPr>
-            <p:cNvSpPr/>
-            <p:nvPr/>
-          </p:nvSpPr>
-          <p:spPr>
-            <a:xfrm>
-              <a:off x="7564434" y="1341891"/>
-              <a:ext cx="115080" cy="3360737"/>
-            </a:xfrm>
-            <a:prstGeom prst="roundRect">
-              <a:avLst>
-                <a:gd name="adj" fmla="val 50000"/>
-              </a:avLst>
-            </a:prstGeom>
-            <a:solidFill>
-              <a:srgbClr val="72C800"/>
-            </a:solidFill>
-            <a:ln>
-              <a:noFill/>
-            </a:ln>
-          </p:spPr>
-          <p:style>
-            <a:lnRef idx="2">
-              <a:schemeClr val="accent1">
-                <a:shade val="50000"/>
-              </a:schemeClr>
-            </a:lnRef>
-            <a:fillRef idx="1">
-              <a:schemeClr val="accent1"/>
-            </a:fillRef>
-            <a:effectRef idx="0">
-              <a:schemeClr val="accent1"/>
-            </a:effectRef>
-            <a:fontRef idx="minor">
-              <a:schemeClr val="lt1"/>
-            </a:fontRef>
-          </p:style>
-          <p:txBody>
-            <a:bodyPr rtlCol="0" anchor="ctr"/>
-            <a:lstStyle/>
-            <a:p>
-              <a:pPr algn="ctr"/>
-              <a:endParaRPr lang="pt-BR"/>
-            </a:p>
-          </p:txBody>
-        </p:sp>
-        <p:grpSp>
-          <p:nvGrpSpPr>
-            <p:cNvPr id="181" name="Agrupar 180">
-              <a:extLst>
-                <a:ext uri="{FF2B5EF4-FFF2-40B4-BE49-F238E27FC236}">
-                  <a16:creationId xmlns:a16="http://schemas.microsoft.com/office/drawing/2014/main" id="{654D1E93-9181-43AD-8DFA-9724BCCD0F34}"/>
-                </a:ext>
-              </a:extLst>
-            </p:cNvPr>
-            <p:cNvGrpSpPr/>
-            <p:nvPr/>
-          </p:nvGrpSpPr>
-          <p:grpSpPr>
-            <a:xfrm>
-              <a:off x="7003486" y="1680483"/>
-              <a:ext cx="1238000" cy="1790548"/>
-              <a:chOff x="7003486" y="1651455"/>
-              <a:chExt cx="1238000" cy="1790548"/>
-            </a:xfrm>
-          </p:grpSpPr>
-          <p:grpSp>
-            <p:nvGrpSpPr>
-              <p:cNvPr id="182" name="Agrupar 181">
-                <a:extLst>
-                  <a:ext uri="{FF2B5EF4-FFF2-40B4-BE49-F238E27FC236}">
-                    <a16:creationId xmlns:a16="http://schemas.microsoft.com/office/drawing/2014/main" id="{47F73052-DAE4-4E45-B481-5C668C1582A5}"/>
-                  </a:ext>
-                </a:extLst>
-              </p:cNvPr>
-              <p:cNvGrpSpPr/>
-              <p:nvPr/>
-            </p:nvGrpSpPr>
-            <p:grpSpPr>
-              <a:xfrm>
-                <a:off x="7003486" y="2636102"/>
-                <a:ext cx="1236975" cy="805901"/>
-                <a:chOff x="7003486" y="2084559"/>
-                <a:chExt cx="1236975" cy="805901"/>
-              </a:xfrm>
-            </p:grpSpPr>
-            <p:sp>
-              <p:nvSpPr>
-                <p:cNvPr id="186" name="Retângulo: Cantos Arredondados 185">
-                  <a:extLst>
-                    <a:ext uri="{FF2B5EF4-FFF2-40B4-BE49-F238E27FC236}">
-                      <a16:creationId xmlns:a16="http://schemas.microsoft.com/office/drawing/2014/main" id="{62104FA3-B290-4B68-8D2B-E59816492A72}"/>
-                    </a:ext>
-                  </a:extLst>
-                </p:cNvPr>
-                <p:cNvSpPr/>
-                <p:nvPr/>
-              </p:nvSpPr>
-              <p:spPr>
-                <a:xfrm rot="2700000">
-                  <a:off x="7806967" y="1779051"/>
-                  <a:ext cx="127985" cy="739002"/>
-                </a:xfrm>
-                <a:prstGeom prst="roundRect">
-                  <a:avLst>
-                    <a:gd name="adj" fmla="val 50000"/>
-                  </a:avLst>
-                </a:prstGeom>
-                <a:solidFill>
-                  <a:srgbClr val="72C800"/>
-                </a:solidFill>
-                <a:ln>
-                  <a:noFill/>
-                </a:ln>
-              </p:spPr>
-              <p:style>
-                <a:lnRef idx="2">
-                  <a:schemeClr val="accent1">
-                    <a:shade val="50000"/>
-                  </a:schemeClr>
-                </a:lnRef>
-                <a:fillRef idx="1">
-                  <a:schemeClr val="accent1"/>
-                </a:fillRef>
-                <a:effectRef idx="0">
-                  <a:schemeClr val="accent1"/>
-                </a:effectRef>
-                <a:fontRef idx="minor">
-                  <a:schemeClr val="lt1"/>
-                </a:fontRef>
-              </p:style>
-              <p:txBody>
-                <a:bodyPr rtlCol="0" anchor="ctr"/>
-                <a:lstStyle/>
-                <a:p>
-                  <a:pPr algn="ctr"/>
-                  <a:endParaRPr lang="pt-BR"/>
-                </a:p>
-              </p:txBody>
-            </p:sp>
-            <p:sp>
-              <p:nvSpPr>
-                <p:cNvPr id="187" name="Retângulo: Cantos Arredondados 186">
-                  <a:extLst>
-                    <a:ext uri="{FF2B5EF4-FFF2-40B4-BE49-F238E27FC236}">
-                      <a16:creationId xmlns:a16="http://schemas.microsoft.com/office/drawing/2014/main" id="{33733953-75CC-4895-80C5-9B69D8F92C98}"/>
-                    </a:ext>
-                  </a:extLst>
-                </p:cNvPr>
-                <p:cNvSpPr/>
-                <p:nvPr/>
-              </p:nvSpPr>
-              <p:spPr>
-                <a:xfrm rot="2700000">
-                  <a:off x="7806967" y="2448915"/>
-                  <a:ext cx="127985" cy="739002"/>
-                </a:xfrm>
-                <a:prstGeom prst="roundRect">
-                  <a:avLst>
-                    <a:gd name="adj" fmla="val 50000"/>
-                  </a:avLst>
-                </a:prstGeom>
-                <a:solidFill>
-                  <a:srgbClr val="72C800"/>
-                </a:solidFill>
-                <a:ln>
-                  <a:noFill/>
-                </a:ln>
-              </p:spPr>
-              <p:style>
-                <a:lnRef idx="2">
-                  <a:schemeClr val="accent1">
-                    <a:shade val="50000"/>
-                  </a:schemeClr>
-                </a:lnRef>
-                <a:fillRef idx="1">
-                  <a:schemeClr val="accent1"/>
-                </a:fillRef>
-                <a:effectRef idx="0">
-                  <a:schemeClr val="accent1"/>
-                </a:effectRef>
-                <a:fontRef idx="minor">
-                  <a:schemeClr val="lt1"/>
-                </a:fontRef>
-              </p:style>
-              <p:txBody>
-                <a:bodyPr rtlCol="0" anchor="ctr"/>
-                <a:lstStyle/>
-                <a:p>
-                  <a:pPr algn="ctr"/>
-                  <a:endParaRPr lang="pt-BR"/>
-                </a:p>
-              </p:txBody>
-            </p:sp>
-            <p:grpSp>
-              <p:nvGrpSpPr>
-                <p:cNvPr id="188" name="Agrupar 187">
-                  <a:extLst>
-                    <a:ext uri="{FF2B5EF4-FFF2-40B4-BE49-F238E27FC236}">
-                      <a16:creationId xmlns:a16="http://schemas.microsoft.com/office/drawing/2014/main" id="{21FE39B2-E515-4F02-9102-893F79283526}"/>
-                    </a:ext>
-                  </a:extLst>
-                </p:cNvPr>
-                <p:cNvGrpSpPr/>
-                <p:nvPr/>
-              </p:nvGrpSpPr>
-              <p:grpSpPr>
-                <a:xfrm flipH="1">
-                  <a:off x="7003486" y="2092611"/>
-                  <a:ext cx="739002" cy="797849"/>
-                  <a:chOff x="7653859" y="2236959"/>
-                  <a:chExt cx="739002" cy="797849"/>
-                </a:xfrm>
-              </p:grpSpPr>
-              <p:sp>
-                <p:nvSpPr>
-                  <p:cNvPr id="189" name="Retângulo: Cantos Arredondados 188">
-                    <a:extLst>
-                      <a:ext uri="{FF2B5EF4-FFF2-40B4-BE49-F238E27FC236}">
-                        <a16:creationId xmlns:a16="http://schemas.microsoft.com/office/drawing/2014/main" id="{8D970B43-BD69-4384-B475-9C6E9057F88F}"/>
-                      </a:ext>
-                    </a:extLst>
-                  </p:cNvPr>
-                  <p:cNvSpPr/>
-                  <p:nvPr/>
-                </p:nvSpPr>
-                <p:spPr>
-                  <a:xfrm rot="2700000">
-                    <a:off x="7959367" y="1931451"/>
-                    <a:ext cx="127985" cy="739002"/>
-                  </a:xfrm>
-                  <a:prstGeom prst="roundRect">
-                    <a:avLst>
-                      <a:gd name="adj" fmla="val 50000"/>
-                    </a:avLst>
-                  </a:prstGeom>
-                  <a:solidFill>
-                    <a:srgbClr val="72C800"/>
-                  </a:solidFill>
-                  <a:ln>
-                    <a:noFill/>
-                  </a:ln>
-                </p:spPr>
-                <p:style>
-                  <a:lnRef idx="2">
-                    <a:schemeClr val="accent1">
-                      <a:shade val="50000"/>
-                    </a:schemeClr>
-                  </a:lnRef>
-                  <a:fillRef idx="1">
-                    <a:schemeClr val="accent1"/>
-                  </a:fillRef>
-                  <a:effectRef idx="0">
-                    <a:schemeClr val="accent1"/>
-                  </a:effectRef>
-                  <a:fontRef idx="minor">
-                    <a:schemeClr val="lt1"/>
-                  </a:fontRef>
-                </p:style>
-                <p:txBody>
-                  <a:bodyPr rtlCol="0" anchor="ctr"/>
-                  <a:lstStyle/>
-                  <a:p>
-                    <a:pPr algn="ctr"/>
-                    <a:endParaRPr lang="pt-BR"/>
-                  </a:p>
-                </p:txBody>
-              </p:sp>
-              <p:sp>
-                <p:nvSpPr>
-                  <p:cNvPr id="190" name="Retângulo: Cantos Arredondados 189">
-                    <a:extLst>
-                      <a:ext uri="{FF2B5EF4-FFF2-40B4-BE49-F238E27FC236}">
-                        <a16:creationId xmlns:a16="http://schemas.microsoft.com/office/drawing/2014/main" id="{3BB2604D-3769-4F6F-9E2F-BA4A6207F5BB}"/>
-                      </a:ext>
-                    </a:extLst>
-                  </p:cNvPr>
-                  <p:cNvSpPr/>
-                  <p:nvPr/>
-                </p:nvSpPr>
-                <p:spPr>
-                  <a:xfrm rot="2700000">
-                    <a:off x="7959367" y="2601315"/>
-                    <a:ext cx="127985" cy="739002"/>
-                  </a:xfrm>
-                  <a:prstGeom prst="roundRect">
-                    <a:avLst>
-                      <a:gd name="adj" fmla="val 50000"/>
-                    </a:avLst>
-                  </a:prstGeom>
-                  <a:solidFill>
-                    <a:srgbClr val="72C800"/>
-                  </a:solidFill>
-                  <a:ln>
-                    <a:noFill/>
-                  </a:ln>
-                </p:spPr>
-                <p:style>
-                  <a:lnRef idx="2">
-                    <a:schemeClr val="accent1">
-                      <a:shade val="50000"/>
-                    </a:schemeClr>
-                  </a:lnRef>
-                  <a:fillRef idx="1">
-                    <a:schemeClr val="accent1"/>
-                  </a:fillRef>
-                  <a:effectRef idx="0">
-                    <a:schemeClr val="accent1"/>
-                  </a:effectRef>
-                  <a:fontRef idx="minor">
-                    <a:schemeClr val="lt1"/>
-                  </a:fontRef>
-                </p:style>
-                <p:txBody>
-                  <a:bodyPr rtlCol="0" anchor="ctr"/>
-                  <a:lstStyle/>
-                  <a:p>
-                    <a:pPr algn="ctr"/>
-                    <a:endParaRPr lang="pt-BR"/>
-                  </a:p>
-                </p:txBody>
-              </p:sp>
-            </p:grpSp>
-          </p:grpSp>
-          <p:grpSp>
-            <p:nvGrpSpPr>
-              <p:cNvPr id="183" name="Agrupar 182">
-                <a:extLst>
-                  <a:ext uri="{FF2B5EF4-FFF2-40B4-BE49-F238E27FC236}">
-                    <a16:creationId xmlns:a16="http://schemas.microsoft.com/office/drawing/2014/main" id="{7D7772C1-B011-48EB-A8D2-A0F243D61F65}"/>
-                  </a:ext>
-                </a:extLst>
-              </p:cNvPr>
-              <p:cNvGrpSpPr/>
-              <p:nvPr/>
-            </p:nvGrpSpPr>
-            <p:grpSpPr>
-              <a:xfrm>
-                <a:off x="7310020" y="1651455"/>
-                <a:ext cx="931466" cy="739002"/>
-                <a:chOff x="7308995" y="2456967"/>
-                <a:chExt cx="931466" cy="739002"/>
-              </a:xfrm>
-            </p:grpSpPr>
-            <p:sp>
-              <p:nvSpPr>
-                <p:cNvPr id="184" name="Retângulo: Cantos Arredondados 183">
-                  <a:extLst>
-                    <a:ext uri="{FF2B5EF4-FFF2-40B4-BE49-F238E27FC236}">
-                      <a16:creationId xmlns:a16="http://schemas.microsoft.com/office/drawing/2014/main" id="{75D16510-BA8C-4CDA-86F1-DED55EB13A7B}"/>
-                    </a:ext>
-                  </a:extLst>
-                </p:cNvPr>
-                <p:cNvSpPr/>
-                <p:nvPr/>
-              </p:nvSpPr>
-              <p:spPr>
-                <a:xfrm rot="2700000">
-                  <a:off x="7806967" y="2448915"/>
-                  <a:ext cx="127985" cy="739002"/>
-                </a:xfrm>
-                <a:prstGeom prst="roundRect">
-                  <a:avLst>
-                    <a:gd name="adj" fmla="val 50000"/>
-                  </a:avLst>
-                </a:prstGeom>
-                <a:solidFill>
-                  <a:srgbClr val="72C800"/>
-                </a:solidFill>
-                <a:ln>
-                  <a:noFill/>
-                </a:ln>
-              </p:spPr>
-              <p:style>
-                <a:lnRef idx="2">
-                  <a:schemeClr val="accent1">
-                    <a:shade val="50000"/>
-                  </a:schemeClr>
-                </a:lnRef>
-                <a:fillRef idx="1">
-                  <a:schemeClr val="accent1"/>
-                </a:fillRef>
-                <a:effectRef idx="0">
-                  <a:schemeClr val="accent1"/>
-                </a:effectRef>
-                <a:fontRef idx="minor">
-                  <a:schemeClr val="lt1"/>
-                </a:fontRef>
-              </p:style>
-              <p:txBody>
-                <a:bodyPr rtlCol="0" anchor="ctr"/>
-                <a:lstStyle/>
-                <a:p>
-                  <a:pPr algn="ctr"/>
-                  <a:endParaRPr lang="pt-BR"/>
-                </a:p>
-              </p:txBody>
-            </p:sp>
-            <p:sp>
-              <p:nvSpPr>
-                <p:cNvPr id="185" name="Retângulo: Cantos Arredondados 184">
-                  <a:extLst>
-                    <a:ext uri="{FF2B5EF4-FFF2-40B4-BE49-F238E27FC236}">
-                      <a16:creationId xmlns:a16="http://schemas.microsoft.com/office/drawing/2014/main" id="{CAA57DC0-2923-4DBB-ADEC-5F9E4888AA70}"/>
-                    </a:ext>
-                  </a:extLst>
-                </p:cNvPr>
-                <p:cNvSpPr/>
-                <p:nvPr/>
-              </p:nvSpPr>
-              <p:spPr>
-                <a:xfrm rot="18900000" flipH="1">
-                  <a:off x="7308995" y="2456967"/>
-                  <a:ext cx="127985" cy="739002"/>
-                </a:xfrm>
-                <a:prstGeom prst="roundRect">
-                  <a:avLst>
-                    <a:gd name="adj" fmla="val 50000"/>
-                  </a:avLst>
-                </a:prstGeom>
-                <a:solidFill>
-                  <a:srgbClr val="72C800"/>
-                </a:solidFill>
-                <a:ln>
-                  <a:noFill/>
-                </a:ln>
-              </p:spPr>
-              <p:style>
-                <a:lnRef idx="2">
-                  <a:schemeClr val="accent1">
-                    <a:shade val="50000"/>
-                  </a:schemeClr>
-                </a:lnRef>
-                <a:fillRef idx="1">
-                  <a:schemeClr val="accent1"/>
-                </a:fillRef>
-                <a:effectRef idx="0">
-                  <a:schemeClr val="accent1"/>
-                </a:effectRef>
-                <a:fontRef idx="minor">
-                  <a:schemeClr val="lt1"/>
-                </a:fontRef>
-              </p:style>
-              <p:txBody>
-                <a:bodyPr rtlCol="0" anchor="ctr"/>
-                <a:lstStyle/>
-                <a:p>
-                  <a:pPr algn="ctr"/>
-                  <a:endParaRPr lang="pt-BR"/>
-                </a:p>
-              </p:txBody>
-            </p:sp>
-          </p:grpSp>
-        </p:grpSp>
-      </p:grpSp>
-      <p:grpSp>
-        <p:nvGrpSpPr>
-          <p:cNvPr id="191" name="Agrupar 190">
-            <a:extLst>
-              <a:ext uri="{FF2B5EF4-FFF2-40B4-BE49-F238E27FC236}">
-                <a16:creationId xmlns:a16="http://schemas.microsoft.com/office/drawing/2014/main" id="{89C0499C-43B7-4DFE-BD0E-682E6DBD30DF}"/>
-              </a:ext>
-            </a:extLst>
-          </p:cNvPr>
-          <p:cNvGrpSpPr/>
-          <p:nvPr/>
-        </p:nvGrpSpPr>
-        <p:grpSpPr>
-          <a:xfrm rot="7840566" flipH="1" flipV="1">
-            <a:off x="8187254" y="5604198"/>
-            <a:ext cx="1712317" cy="2670518"/>
-            <a:chOff x="6445772" y="1077492"/>
-            <a:chExt cx="2324411" cy="3625136"/>
-          </a:xfrm>
-        </p:grpSpPr>
-        <p:sp>
-          <p:nvSpPr>
-            <p:cNvPr id="192" name="Elipse 1">
-              <a:extLst>
-                <a:ext uri="{FF2B5EF4-FFF2-40B4-BE49-F238E27FC236}">
-                  <a16:creationId xmlns:a16="http://schemas.microsoft.com/office/drawing/2014/main" id="{58492686-0982-472A-A83E-C93C54F53939}"/>
-                </a:ext>
-              </a:extLst>
-            </p:cNvPr>
-            <p:cNvSpPr/>
-            <p:nvPr/>
-          </p:nvSpPr>
-          <p:spPr>
-            <a:xfrm rot="10800000">
-              <a:off x="6445772" y="1077492"/>
-              <a:ext cx="2324411" cy="2905514"/>
-            </a:xfrm>
-            <a:custGeom>
-              <a:avLst/>
-              <a:gdLst/>
-              <a:ahLst/>
-              <a:cxnLst/>
-              <a:rect l="l" t="t" r="r" b="b"/>
-              <a:pathLst>
-                <a:path w="571500" h="714375">
-                  <a:moveTo>
-                    <a:pt x="285750" y="0"/>
-                  </a:moveTo>
-                  <a:cubicBezTo>
-                    <a:pt x="443565" y="0"/>
-                    <a:pt x="571500" y="127935"/>
-                    <a:pt x="571500" y="285750"/>
-                  </a:cubicBezTo>
-                  <a:cubicBezTo>
-                    <a:pt x="571500" y="312845"/>
-                    <a:pt x="567729" y="339059"/>
-                    <a:pt x="559424" y="363539"/>
-                  </a:cubicBezTo>
-                  <a:cubicBezTo>
-                    <a:pt x="542624" y="459184"/>
-                    <a:pt x="465810" y="582087"/>
-                    <a:pt x="285750" y="714375"/>
-                  </a:cubicBezTo>
-                  <a:cubicBezTo>
-                    <a:pt x="105691" y="582087"/>
-                    <a:pt x="28877" y="459184"/>
-                    <a:pt x="12076" y="363539"/>
-                  </a:cubicBezTo>
-                  <a:cubicBezTo>
-                    <a:pt x="3771" y="339059"/>
-                    <a:pt x="0" y="312845"/>
-                    <a:pt x="0" y="285750"/>
-                  </a:cubicBezTo>
-                  <a:cubicBezTo>
-                    <a:pt x="0" y="127935"/>
-                    <a:pt x="127935" y="0"/>
-                    <a:pt x="285750" y="0"/>
-                  </a:cubicBezTo>
-                  <a:close/>
-                </a:path>
-              </a:pathLst>
-            </a:custGeom>
-            <a:solidFill>
-              <a:srgbClr val="8FFF00"/>
-            </a:solidFill>
-            <a:ln>
-              <a:noFill/>
-            </a:ln>
-          </p:spPr>
-          <p:style>
-            <a:lnRef idx="2">
-              <a:schemeClr val="accent1">
-                <a:shade val="50000"/>
-              </a:schemeClr>
-            </a:lnRef>
-            <a:fillRef idx="1">
-              <a:schemeClr val="accent1"/>
-            </a:fillRef>
-            <a:effectRef idx="0">
-              <a:schemeClr val="accent1"/>
-            </a:effectRef>
-            <a:fontRef idx="minor">
-              <a:schemeClr val="lt1"/>
-            </a:fontRef>
-          </p:style>
-          <p:txBody>
-            <a:bodyPr rtlCol="0" anchor="ctr"/>
-            <a:lstStyle/>
-            <a:p>
-              <a:pPr algn="ctr"/>
-              <a:endParaRPr lang="pt-BR"/>
-            </a:p>
-          </p:txBody>
-        </p:sp>
-        <p:sp>
-          <p:nvSpPr>
-            <p:cNvPr id="193" name="Retângulo: Cantos Arredondados 192">
-              <a:extLst>
-                <a:ext uri="{FF2B5EF4-FFF2-40B4-BE49-F238E27FC236}">
-                  <a16:creationId xmlns:a16="http://schemas.microsoft.com/office/drawing/2014/main" id="{F791BC86-9722-4BA9-95CC-E7E0964EEF39}"/>
-                </a:ext>
-              </a:extLst>
-            </p:cNvPr>
-            <p:cNvSpPr/>
-            <p:nvPr/>
-          </p:nvSpPr>
-          <p:spPr>
-            <a:xfrm>
-              <a:off x="7564434" y="1341891"/>
-              <a:ext cx="115080" cy="3360737"/>
-            </a:xfrm>
-            <a:prstGeom prst="roundRect">
-              <a:avLst>
-                <a:gd name="adj" fmla="val 50000"/>
-              </a:avLst>
-            </a:prstGeom>
-            <a:solidFill>
-              <a:srgbClr val="72C800"/>
-            </a:solidFill>
-            <a:ln>
-              <a:noFill/>
-            </a:ln>
-          </p:spPr>
-          <p:style>
-            <a:lnRef idx="2">
-              <a:schemeClr val="accent1">
-                <a:shade val="50000"/>
-              </a:schemeClr>
-            </a:lnRef>
-            <a:fillRef idx="1">
-              <a:schemeClr val="accent1"/>
-            </a:fillRef>
-            <a:effectRef idx="0">
-              <a:schemeClr val="accent1"/>
-            </a:effectRef>
-            <a:fontRef idx="minor">
-              <a:schemeClr val="lt1"/>
-            </a:fontRef>
-          </p:style>
-          <p:txBody>
-            <a:bodyPr rtlCol="0" anchor="ctr"/>
-            <a:lstStyle/>
-            <a:p>
-              <a:pPr algn="ctr"/>
-              <a:endParaRPr lang="pt-BR"/>
-            </a:p>
-          </p:txBody>
-        </p:sp>
-        <p:grpSp>
-          <p:nvGrpSpPr>
-            <p:cNvPr id="194" name="Agrupar 193">
-              <a:extLst>
-                <a:ext uri="{FF2B5EF4-FFF2-40B4-BE49-F238E27FC236}">
-                  <a16:creationId xmlns:a16="http://schemas.microsoft.com/office/drawing/2014/main" id="{F53D3FB2-C863-4A76-8ED1-518E77736077}"/>
-                </a:ext>
-              </a:extLst>
-            </p:cNvPr>
-            <p:cNvGrpSpPr/>
-            <p:nvPr/>
-          </p:nvGrpSpPr>
-          <p:grpSpPr>
-            <a:xfrm>
-              <a:off x="7003486" y="1680483"/>
-              <a:ext cx="1238000" cy="1790548"/>
-              <a:chOff x="7003486" y="1651455"/>
-              <a:chExt cx="1238000" cy="1790548"/>
-            </a:xfrm>
-          </p:grpSpPr>
-          <p:grpSp>
-            <p:nvGrpSpPr>
-              <p:cNvPr id="195" name="Agrupar 194">
-                <a:extLst>
-                  <a:ext uri="{FF2B5EF4-FFF2-40B4-BE49-F238E27FC236}">
-                    <a16:creationId xmlns:a16="http://schemas.microsoft.com/office/drawing/2014/main" id="{F479289D-579C-491B-8D3C-1B069E8BC46D}"/>
-                  </a:ext>
-                </a:extLst>
-              </p:cNvPr>
-              <p:cNvGrpSpPr/>
-              <p:nvPr/>
-            </p:nvGrpSpPr>
-            <p:grpSpPr>
-              <a:xfrm>
-                <a:off x="7003486" y="2636102"/>
-                <a:ext cx="1236975" cy="805901"/>
-                <a:chOff x="7003486" y="2084559"/>
-                <a:chExt cx="1236975" cy="805901"/>
-              </a:xfrm>
-            </p:grpSpPr>
-            <p:sp>
-              <p:nvSpPr>
-                <p:cNvPr id="199" name="Retângulo: Cantos Arredondados 198">
-                  <a:extLst>
-                    <a:ext uri="{FF2B5EF4-FFF2-40B4-BE49-F238E27FC236}">
-                      <a16:creationId xmlns:a16="http://schemas.microsoft.com/office/drawing/2014/main" id="{0E265C94-50B0-4781-A0F1-AB4641F90C90}"/>
-                    </a:ext>
-                  </a:extLst>
-                </p:cNvPr>
-                <p:cNvSpPr/>
-                <p:nvPr/>
-              </p:nvSpPr>
-              <p:spPr>
-                <a:xfrm rot="2700000">
-                  <a:off x="7806967" y="1779051"/>
-                  <a:ext cx="127985" cy="739002"/>
-                </a:xfrm>
-                <a:prstGeom prst="roundRect">
-                  <a:avLst>
-                    <a:gd name="adj" fmla="val 50000"/>
-                  </a:avLst>
-                </a:prstGeom>
-                <a:solidFill>
-                  <a:srgbClr val="72C800"/>
-                </a:solidFill>
-                <a:ln>
-                  <a:noFill/>
-                </a:ln>
-              </p:spPr>
-              <p:style>
-                <a:lnRef idx="2">
-                  <a:schemeClr val="accent1">
-                    <a:shade val="50000"/>
-                  </a:schemeClr>
-                </a:lnRef>
-                <a:fillRef idx="1">
-                  <a:schemeClr val="accent1"/>
-                </a:fillRef>
-                <a:effectRef idx="0">
-                  <a:schemeClr val="accent1"/>
-                </a:effectRef>
-                <a:fontRef idx="minor">
-                  <a:schemeClr val="lt1"/>
-                </a:fontRef>
-              </p:style>
-              <p:txBody>
-                <a:bodyPr rtlCol="0" anchor="ctr"/>
-                <a:lstStyle/>
-                <a:p>
-                  <a:pPr algn="ctr"/>
-                  <a:endParaRPr lang="pt-BR"/>
-                </a:p>
-              </p:txBody>
-            </p:sp>
-            <p:sp>
-              <p:nvSpPr>
-                <p:cNvPr id="200" name="Retângulo: Cantos Arredondados 199">
-                  <a:extLst>
-                    <a:ext uri="{FF2B5EF4-FFF2-40B4-BE49-F238E27FC236}">
-                      <a16:creationId xmlns:a16="http://schemas.microsoft.com/office/drawing/2014/main" id="{8C0B2DED-FA6A-4071-8AB7-2F72B4BC8E60}"/>
-                    </a:ext>
-                  </a:extLst>
-                </p:cNvPr>
-                <p:cNvSpPr/>
-                <p:nvPr/>
-              </p:nvSpPr>
-              <p:spPr>
-                <a:xfrm rot="2700000">
-                  <a:off x="7806967" y="2448915"/>
-                  <a:ext cx="127985" cy="739002"/>
-                </a:xfrm>
-                <a:prstGeom prst="roundRect">
-                  <a:avLst>
-                    <a:gd name="adj" fmla="val 50000"/>
-                  </a:avLst>
-                </a:prstGeom>
-                <a:solidFill>
-                  <a:srgbClr val="72C800"/>
-                </a:solidFill>
-                <a:ln>
-                  <a:noFill/>
-                </a:ln>
-              </p:spPr>
-              <p:style>
-                <a:lnRef idx="2">
-                  <a:schemeClr val="accent1">
-                    <a:shade val="50000"/>
-                  </a:schemeClr>
-                </a:lnRef>
-                <a:fillRef idx="1">
-                  <a:schemeClr val="accent1"/>
-                </a:fillRef>
-                <a:effectRef idx="0">
-                  <a:schemeClr val="accent1"/>
-                </a:effectRef>
-                <a:fontRef idx="minor">
-                  <a:schemeClr val="lt1"/>
-                </a:fontRef>
-              </p:style>
-              <p:txBody>
-                <a:bodyPr rtlCol="0" anchor="ctr"/>
-                <a:lstStyle/>
-                <a:p>
-                  <a:pPr algn="ctr"/>
-                  <a:endParaRPr lang="pt-BR"/>
-                </a:p>
-              </p:txBody>
-            </p:sp>
-            <p:grpSp>
-              <p:nvGrpSpPr>
-                <p:cNvPr id="201" name="Agrupar 200">
-                  <a:extLst>
-                    <a:ext uri="{FF2B5EF4-FFF2-40B4-BE49-F238E27FC236}">
-                      <a16:creationId xmlns:a16="http://schemas.microsoft.com/office/drawing/2014/main" id="{0E790C51-3073-415A-A411-83CC759AF731}"/>
-                    </a:ext>
-                  </a:extLst>
-                </p:cNvPr>
-                <p:cNvGrpSpPr/>
-                <p:nvPr/>
-              </p:nvGrpSpPr>
-              <p:grpSpPr>
-                <a:xfrm flipH="1">
-                  <a:off x="7003486" y="2092611"/>
-                  <a:ext cx="739002" cy="797849"/>
-                  <a:chOff x="7653859" y="2236959"/>
-                  <a:chExt cx="739002" cy="797849"/>
-                </a:xfrm>
-              </p:grpSpPr>
-              <p:sp>
-                <p:nvSpPr>
-                  <p:cNvPr id="202" name="Retângulo: Cantos Arredondados 201">
-                    <a:extLst>
-                      <a:ext uri="{FF2B5EF4-FFF2-40B4-BE49-F238E27FC236}">
-                        <a16:creationId xmlns:a16="http://schemas.microsoft.com/office/drawing/2014/main" id="{06FCF10E-9358-4B00-8CCB-69D2C1DDB4D9}"/>
-                      </a:ext>
-                    </a:extLst>
-                  </p:cNvPr>
-                  <p:cNvSpPr/>
-                  <p:nvPr/>
-                </p:nvSpPr>
-                <p:spPr>
-                  <a:xfrm rot="2700000">
-                    <a:off x="7959367" y="1931451"/>
-                    <a:ext cx="127985" cy="739002"/>
-                  </a:xfrm>
-                  <a:prstGeom prst="roundRect">
-                    <a:avLst>
-                      <a:gd name="adj" fmla="val 50000"/>
-                    </a:avLst>
-                  </a:prstGeom>
-                  <a:solidFill>
-                    <a:srgbClr val="72C800"/>
-                  </a:solidFill>
-                  <a:ln>
-                    <a:noFill/>
-                  </a:ln>
-                </p:spPr>
-                <p:style>
-                  <a:lnRef idx="2">
-                    <a:schemeClr val="accent1">
-                      <a:shade val="50000"/>
-                    </a:schemeClr>
-                  </a:lnRef>
-                  <a:fillRef idx="1">
-                    <a:schemeClr val="accent1"/>
-                  </a:fillRef>
-                  <a:effectRef idx="0">
-                    <a:schemeClr val="accent1"/>
-                  </a:effectRef>
-                  <a:fontRef idx="minor">
-                    <a:schemeClr val="lt1"/>
-                  </a:fontRef>
-                </p:style>
-                <p:txBody>
-                  <a:bodyPr rtlCol="0" anchor="ctr"/>
-                  <a:lstStyle/>
-                  <a:p>
-                    <a:pPr algn="ctr"/>
-                    <a:endParaRPr lang="pt-BR"/>
-                  </a:p>
-                </p:txBody>
-              </p:sp>
-              <p:sp>
-                <p:nvSpPr>
-                  <p:cNvPr id="203" name="Retângulo: Cantos Arredondados 202">
-                    <a:extLst>
-                      <a:ext uri="{FF2B5EF4-FFF2-40B4-BE49-F238E27FC236}">
-                        <a16:creationId xmlns:a16="http://schemas.microsoft.com/office/drawing/2014/main" id="{1D8CF898-93D7-4DC3-80AF-0A13F69A444A}"/>
-                      </a:ext>
-                    </a:extLst>
-                  </p:cNvPr>
-                  <p:cNvSpPr/>
-                  <p:nvPr/>
-                </p:nvSpPr>
-                <p:spPr>
-                  <a:xfrm rot="2700000">
-                    <a:off x="7959367" y="2601315"/>
-                    <a:ext cx="127985" cy="739002"/>
-                  </a:xfrm>
-                  <a:prstGeom prst="roundRect">
-                    <a:avLst>
-                      <a:gd name="adj" fmla="val 50000"/>
-                    </a:avLst>
-                  </a:prstGeom>
-                  <a:solidFill>
-                    <a:srgbClr val="72C800"/>
-                  </a:solidFill>
-                  <a:ln>
-                    <a:noFill/>
-                  </a:ln>
-                </p:spPr>
-                <p:style>
-                  <a:lnRef idx="2">
-                    <a:schemeClr val="accent1">
-                      <a:shade val="50000"/>
-                    </a:schemeClr>
-                  </a:lnRef>
-                  <a:fillRef idx="1">
-                    <a:schemeClr val="accent1"/>
-                  </a:fillRef>
-                  <a:effectRef idx="0">
-                    <a:schemeClr val="accent1"/>
-                  </a:effectRef>
-                  <a:fontRef idx="minor">
-                    <a:schemeClr val="lt1"/>
-                  </a:fontRef>
-                </p:style>
-                <p:txBody>
-                  <a:bodyPr rtlCol="0" anchor="ctr"/>
-                  <a:lstStyle/>
-                  <a:p>
-                    <a:pPr algn="ctr"/>
-                    <a:endParaRPr lang="pt-BR"/>
-                  </a:p>
-                </p:txBody>
-              </p:sp>
-            </p:grpSp>
-          </p:grpSp>
-          <p:grpSp>
-            <p:nvGrpSpPr>
-              <p:cNvPr id="196" name="Agrupar 195">
-                <a:extLst>
-                  <a:ext uri="{FF2B5EF4-FFF2-40B4-BE49-F238E27FC236}">
-                    <a16:creationId xmlns:a16="http://schemas.microsoft.com/office/drawing/2014/main" id="{7083023E-D378-4AF5-A925-F010A1138CAA}"/>
-                  </a:ext>
-                </a:extLst>
-              </p:cNvPr>
-              <p:cNvGrpSpPr/>
-              <p:nvPr/>
-            </p:nvGrpSpPr>
-            <p:grpSpPr>
-              <a:xfrm>
-                <a:off x="7310020" y="1651455"/>
-                <a:ext cx="931466" cy="739002"/>
-                <a:chOff x="7308995" y="2456967"/>
-                <a:chExt cx="931466" cy="739002"/>
-              </a:xfrm>
-            </p:grpSpPr>
-            <p:sp>
-              <p:nvSpPr>
-                <p:cNvPr id="197" name="Retângulo: Cantos Arredondados 196">
-                  <a:extLst>
-                    <a:ext uri="{FF2B5EF4-FFF2-40B4-BE49-F238E27FC236}">
-                      <a16:creationId xmlns:a16="http://schemas.microsoft.com/office/drawing/2014/main" id="{71424D16-335D-4916-91D8-AF6CBE2DE405}"/>
-                    </a:ext>
-                  </a:extLst>
-                </p:cNvPr>
-                <p:cNvSpPr/>
-                <p:nvPr/>
-              </p:nvSpPr>
-              <p:spPr>
-                <a:xfrm rot="2700000">
-                  <a:off x="7806967" y="2448915"/>
-                  <a:ext cx="127985" cy="739002"/>
-                </a:xfrm>
-                <a:prstGeom prst="roundRect">
-                  <a:avLst>
-                    <a:gd name="adj" fmla="val 50000"/>
-                  </a:avLst>
-                </a:prstGeom>
-                <a:solidFill>
-                  <a:srgbClr val="72C800"/>
-                </a:solidFill>
-                <a:ln>
-                  <a:noFill/>
-                </a:ln>
-              </p:spPr>
-              <p:style>
-                <a:lnRef idx="2">
-                  <a:schemeClr val="accent1">
-                    <a:shade val="50000"/>
-                  </a:schemeClr>
-                </a:lnRef>
-                <a:fillRef idx="1">
-                  <a:schemeClr val="accent1"/>
-                </a:fillRef>
-                <a:effectRef idx="0">
-                  <a:schemeClr val="accent1"/>
-                </a:effectRef>
-                <a:fontRef idx="minor">
-                  <a:schemeClr val="lt1"/>
-                </a:fontRef>
-              </p:style>
-              <p:txBody>
-                <a:bodyPr rtlCol="0" anchor="ctr"/>
-                <a:lstStyle/>
-                <a:p>
-                  <a:pPr algn="ctr"/>
-                  <a:endParaRPr lang="pt-BR"/>
-                </a:p>
-              </p:txBody>
-            </p:sp>
-            <p:sp>
-              <p:nvSpPr>
-                <p:cNvPr id="198" name="Retângulo: Cantos Arredondados 197">
-                  <a:extLst>
-                    <a:ext uri="{FF2B5EF4-FFF2-40B4-BE49-F238E27FC236}">
-                      <a16:creationId xmlns:a16="http://schemas.microsoft.com/office/drawing/2014/main" id="{AD4D15F6-427F-449B-B495-2F02C3FAC04E}"/>
-                    </a:ext>
-                  </a:extLst>
-                </p:cNvPr>
-                <p:cNvSpPr/>
-                <p:nvPr/>
-              </p:nvSpPr>
-              <p:spPr>
-                <a:xfrm rot="18900000" flipH="1">
-                  <a:off x="7308995" y="2456967"/>
-                  <a:ext cx="127985" cy="739002"/>
-                </a:xfrm>
-                <a:prstGeom prst="roundRect">
-                  <a:avLst>
-                    <a:gd name="adj" fmla="val 50000"/>
-                  </a:avLst>
-                </a:prstGeom>
-                <a:solidFill>
-                  <a:srgbClr val="72C800"/>
-                </a:solidFill>
-                <a:ln>
-                  <a:noFill/>
-                </a:ln>
-              </p:spPr>
-              <p:style>
-                <a:lnRef idx="2">
-                  <a:schemeClr val="accent1">
-                    <a:shade val="50000"/>
-                  </a:schemeClr>
-                </a:lnRef>
-                <a:fillRef idx="1">
-                  <a:schemeClr val="accent1"/>
-                </a:fillRef>
-                <a:effectRef idx="0">
-                  <a:schemeClr val="accent1"/>
-                </a:effectRef>
-                <a:fontRef idx="minor">
-                  <a:schemeClr val="lt1"/>
-                </a:fontRef>
-              </p:style>
-              <p:txBody>
-                <a:bodyPr rtlCol="0" anchor="ctr"/>
-                <a:lstStyle/>
-                <a:p>
-                  <a:pPr algn="ctr"/>
-                  <a:endParaRPr lang="pt-BR"/>
-                </a:p>
-              </p:txBody>
-            </p:sp>
-          </p:grpSp>
-        </p:grpSp>
-      </p:grpSp>
-      <p:pic>
-        <p:nvPicPr>
-          <p:cNvPr id="1027" name="Imagem 1026" descr="Uma imagem contendo gráficos vetoriais&#10;&#10;Descrição gerada automaticamente">
-            <a:extLst>
-              <a:ext uri="{FF2B5EF4-FFF2-40B4-BE49-F238E27FC236}">
-                <a16:creationId xmlns:a16="http://schemas.microsoft.com/office/drawing/2014/main" id="{F2717289-5E2F-4FB1-BBAF-175B09A49A6C}"/>
-              </a:ext>
-            </a:extLst>
-          </p:cNvPr>
-          <p:cNvPicPr>
-            <a:picLocks noChangeAspect="1"/>
-          </p:cNvPicPr>
-          <p:nvPr/>
-        </p:nvPicPr>
-        <p:blipFill>
-          <a:blip r:embed="rId6">
-            <a:extLst>
-              <a:ext uri="{28A0092B-C50C-407E-A947-70E740481C1C}">
-                <a14:useLocalDpi xmlns:a14="http://schemas.microsoft.com/office/drawing/2010/main" val="0"/>
-              </a:ext>
-            </a:extLst>
-          </a:blip>
-          <a:stretch>
-            <a:fillRect/>
-          </a:stretch>
-        </p:blipFill>
-        <p:spPr>
-          <a:xfrm>
-            <a:off x="589827" y="1125784"/>
-            <a:ext cx="2956816" cy="3194581"/>
-          </a:xfrm>
-          <a:prstGeom prst="rect">
-            <a:avLst/>
-          </a:prstGeom>
-        </p:spPr>
-      </p:pic>
-      <p:sp>
-        <p:nvSpPr>
-          <p:cNvPr id="149" name="Retângulo de cantos arredondados 2">
-            <a:extLst>
-              <a:ext uri="{FF2B5EF4-FFF2-40B4-BE49-F238E27FC236}">
-                <a16:creationId xmlns:a16="http://schemas.microsoft.com/office/drawing/2014/main" id="{7AC1443F-3A03-44DD-9D6E-3FC8EEA46CF4}"/>
-              </a:ext>
-            </a:extLst>
-          </p:cNvPr>
-          <p:cNvSpPr/>
-          <p:nvPr/>
-        </p:nvSpPr>
-        <p:spPr>
-          <a:xfrm>
-            <a:off x="497486" y="2320842"/>
-            <a:ext cx="2389757" cy="3831756"/>
-          </a:xfrm>
-          <a:prstGeom prst="roundRect">
-            <a:avLst>
-              <a:gd name="adj" fmla="val 4876"/>
-            </a:avLst>
-          </a:prstGeom>
-          <a:solidFill>
-            <a:srgbClr val="C7E2EB"/>
-          </a:solidFill>
-          <a:ln>
-            <a:noFill/>
-          </a:ln>
-          <a:effectLst>
-            <a:outerShdw blurRad="152400" dist="88900" dir="5400000" algn="t" rotWithShape="0">
-              <a:prstClr val="black">
-                <a:alpha val="34000"/>
-              </a:prstClr>
-            </a:outerShdw>
-          </a:effectLst>
-        </p:spPr>
-        <p:style>
-          <a:lnRef idx="2">
-            <a:schemeClr val="accent1">
-              <a:shade val="50000"/>
-            </a:schemeClr>
-          </a:lnRef>
-          <a:fillRef idx="1">
-            <a:schemeClr val="accent1"/>
-          </a:fillRef>
-          <a:effectRef idx="0">
-            <a:schemeClr val="accent1"/>
-          </a:effectRef>
-          <a:fontRef idx="minor">
-            <a:schemeClr val="lt1"/>
-          </a:fontRef>
-        </p:style>
-        <p:txBody>
-          <a:bodyPr rtlCol="0" anchor="ctr"/>
-          <a:lstStyle/>
-          <a:p>
-            <a:pPr algn="ctr"/>
-            <a:endParaRPr lang="pt-BR"/>
-          </a:p>
-        </p:txBody>
-      </p:sp>
-      <p:sp>
-        <p:nvSpPr>
-          <p:cNvPr id="150" name="Retângulo de cantos arredondados 2">
-            <a:extLst>
-              <a:ext uri="{FF2B5EF4-FFF2-40B4-BE49-F238E27FC236}">
-                <a16:creationId xmlns:a16="http://schemas.microsoft.com/office/drawing/2014/main" id="{82520300-FA94-40E5-A298-1C34733B6C2A}"/>
-              </a:ext>
-            </a:extLst>
-          </p:cNvPr>
-          <p:cNvSpPr/>
-          <p:nvPr/>
-        </p:nvSpPr>
-        <p:spPr>
-          <a:xfrm>
-            <a:off x="3354872" y="2320842"/>
-            <a:ext cx="2389757" cy="3831756"/>
-          </a:xfrm>
-          <a:prstGeom prst="roundRect">
-            <a:avLst>
-              <a:gd name="adj" fmla="val 4876"/>
-            </a:avLst>
-          </a:prstGeom>
-          <a:solidFill>
-            <a:srgbClr val="C7E2EB"/>
-          </a:solidFill>
-          <a:ln>
-            <a:noFill/>
-          </a:ln>
-          <a:effectLst>
-            <a:outerShdw blurRad="152400" dist="88900" dir="5400000" algn="t" rotWithShape="0">
-              <a:prstClr val="black">
-                <a:alpha val="34000"/>
-              </a:prstClr>
-            </a:outerShdw>
-          </a:effectLst>
-        </p:spPr>
-        <p:style>
-          <a:lnRef idx="2">
-            <a:schemeClr val="accent1">
-              <a:shade val="50000"/>
-            </a:schemeClr>
-          </a:lnRef>
-          <a:fillRef idx="1">
-            <a:schemeClr val="accent1"/>
-          </a:fillRef>
-          <a:effectRef idx="0">
-            <a:schemeClr val="accent1"/>
-          </a:effectRef>
-          <a:fontRef idx="minor">
-            <a:schemeClr val="lt1"/>
-          </a:fontRef>
-        </p:style>
-        <p:txBody>
-          <a:bodyPr rtlCol="0" anchor="ctr"/>
-          <a:lstStyle/>
-          <a:p>
-            <a:pPr algn="ctr"/>
-            <a:endParaRPr lang="pt-BR"/>
-          </a:p>
-        </p:txBody>
-      </p:sp>
-      <p:sp>
-        <p:nvSpPr>
-          <p:cNvPr id="151" name="Retângulo de cantos arredondados 2">
-            <a:extLst>
-              <a:ext uri="{FF2B5EF4-FFF2-40B4-BE49-F238E27FC236}">
-                <a16:creationId xmlns:a16="http://schemas.microsoft.com/office/drawing/2014/main" id="{31781586-3D8C-44E8-ADBF-B3170A4E9D79}"/>
-              </a:ext>
-            </a:extLst>
-          </p:cNvPr>
-          <p:cNvSpPr/>
-          <p:nvPr/>
-        </p:nvSpPr>
-        <p:spPr>
-          <a:xfrm>
-            <a:off x="6214691" y="2331880"/>
-            <a:ext cx="2389757" cy="3831756"/>
-          </a:xfrm>
-          <a:prstGeom prst="roundRect">
-            <a:avLst>
-              <a:gd name="adj" fmla="val 4876"/>
-            </a:avLst>
-          </a:prstGeom>
-          <a:solidFill>
-            <a:srgbClr val="C7E2EB"/>
-          </a:solidFill>
-          <a:ln>
-            <a:noFill/>
-          </a:ln>
-          <a:effectLst>
-            <a:outerShdw blurRad="152400" dist="88900" dir="5400000" algn="t" rotWithShape="0">
-              <a:prstClr val="black">
-                <a:alpha val="34000"/>
-              </a:prstClr>
-            </a:outerShdw>
-          </a:effectLst>
-        </p:spPr>
-        <p:style>
-          <a:lnRef idx="2">
-            <a:schemeClr val="accent1">
-              <a:shade val="50000"/>
-            </a:schemeClr>
-          </a:lnRef>
-          <a:fillRef idx="1">
-            <a:schemeClr val="accent1"/>
-          </a:fillRef>
-          <a:effectRef idx="0">
-            <a:schemeClr val="accent1"/>
-          </a:effectRef>
-          <a:fontRef idx="minor">
-            <a:schemeClr val="lt1"/>
-          </a:fontRef>
-        </p:style>
-        <p:txBody>
-          <a:bodyPr rtlCol="0" anchor="ctr"/>
-          <a:lstStyle/>
-          <a:p>
-            <a:pPr algn="ctr"/>
-            <a:endParaRPr lang="pt-BR"/>
-          </a:p>
-        </p:txBody>
-      </p:sp>
-      <p:grpSp>
-        <p:nvGrpSpPr>
-          <p:cNvPr id="152" name="Agrupar 151">
-            <a:extLst>
-              <a:ext uri="{FF2B5EF4-FFF2-40B4-BE49-F238E27FC236}">
-                <a16:creationId xmlns:a16="http://schemas.microsoft.com/office/drawing/2014/main" id="{E27A10FA-2271-4B03-8CBF-833B2832C17E}"/>
-              </a:ext>
-            </a:extLst>
-          </p:cNvPr>
-          <p:cNvGrpSpPr/>
-          <p:nvPr/>
-        </p:nvGrpSpPr>
-        <p:grpSpPr>
-          <a:xfrm rot="7840566">
-            <a:off x="-538642" y="-930596"/>
-            <a:ext cx="1712317" cy="2670518"/>
-            <a:chOff x="6445772" y="1077492"/>
-            <a:chExt cx="2324411" cy="3625136"/>
-          </a:xfrm>
-        </p:grpSpPr>
-        <p:sp>
-          <p:nvSpPr>
-            <p:cNvPr id="153" name="Elipse 1">
-              <a:extLst>
-                <a:ext uri="{FF2B5EF4-FFF2-40B4-BE49-F238E27FC236}">
-                  <a16:creationId xmlns:a16="http://schemas.microsoft.com/office/drawing/2014/main" id="{86D4907C-792D-4333-9BDA-AB1AE0E39C5B}"/>
-                </a:ext>
-              </a:extLst>
-            </p:cNvPr>
-            <p:cNvSpPr/>
-            <p:nvPr/>
-          </p:nvSpPr>
-          <p:spPr>
-            <a:xfrm rot="10800000">
-              <a:off x="6445772" y="1077492"/>
-              <a:ext cx="2324411" cy="2905514"/>
-            </a:xfrm>
-            <a:custGeom>
-              <a:avLst/>
-              <a:gdLst/>
-              <a:ahLst/>
-              <a:cxnLst/>
-              <a:rect l="l" t="t" r="r" b="b"/>
-              <a:pathLst>
-                <a:path w="571500" h="714375">
-                  <a:moveTo>
-                    <a:pt x="285750" y="0"/>
-                  </a:moveTo>
-                  <a:cubicBezTo>
-                    <a:pt x="443565" y="0"/>
-                    <a:pt x="571500" y="127935"/>
-                    <a:pt x="571500" y="285750"/>
-                  </a:cubicBezTo>
-                  <a:cubicBezTo>
-                    <a:pt x="571500" y="312845"/>
-                    <a:pt x="567729" y="339059"/>
-                    <a:pt x="559424" y="363539"/>
-                  </a:cubicBezTo>
-                  <a:cubicBezTo>
-                    <a:pt x="542624" y="459184"/>
-                    <a:pt x="465810" y="582087"/>
-                    <a:pt x="285750" y="714375"/>
-                  </a:cubicBezTo>
-                  <a:cubicBezTo>
-                    <a:pt x="105691" y="582087"/>
-                    <a:pt x="28877" y="459184"/>
-                    <a:pt x="12076" y="363539"/>
-                  </a:cubicBezTo>
-                  <a:cubicBezTo>
-                    <a:pt x="3771" y="339059"/>
-                    <a:pt x="0" y="312845"/>
-                    <a:pt x="0" y="285750"/>
-                  </a:cubicBezTo>
-                  <a:cubicBezTo>
-                    <a:pt x="0" y="127935"/>
-                    <a:pt x="127935" y="0"/>
-                    <a:pt x="285750" y="0"/>
-                  </a:cubicBezTo>
-                  <a:close/>
-                </a:path>
-              </a:pathLst>
-            </a:custGeom>
-            <a:solidFill>
-              <a:srgbClr val="8FFF00"/>
-            </a:solidFill>
-            <a:ln>
-              <a:noFill/>
-            </a:ln>
-          </p:spPr>
-          <p:style>
-            <a:lnRef idx="2">
-              <a:schemeClr val="accent1">
-                <a:shade val="50000"/>
-              </a:schemeClr>
-            </a:lnRef>
-            <a:fillRef idx="1">
-              <a:schemeClr val="accent1"/>
-            </a:fillRef>
-            <a:effectRef idx="0">
-              <a:schemeClr val="accent1"/>
-            </a:effectRef>
-            <a:fontRef idx="minor">
-              <a:schemeClr val="lt1"/>
-            </a:fontRef>
-          </p:style>
-          <p:txBody>
-            <a:bodyPr rtlCol="0" anchor="ctr"/>
-            <a:lstStyle/>
-            <a:p>
-              <a:pPr algn="ctr"/>
-              <a:endParaRPr lang="pt-BR"/>
-            </a:p>
-          </p:txBody>
-        </p:sp>
-        <p:sp>
-          <p:nvSpPr>
-            <p:cNvPr id="154" name="Retângulo: Cantos Arredondados 153">
-              <a:extLst>
-                <a:ext uri="{FF2B5EF4-FFF2-40B4-BE49-F238E27FC236}">
-                  <a16:creationId xmlns:a16="http://schemas.microsoft.com/office/drawing/2014/main" id="{686E7B87-7244-4F49-9051-92E43984F63C}"/>
-                </a:ext>
-              </a:extLst>
-            </p:cNvPr>
-            <p:cNvSpPr/>
-            <p:nvPr/>
-          </p:nvSpPr>
-          <p:spPr>
-            <a:xfrm>
-              <a:off x="7564434" y="1341891"/>
-              <a:ext cx="115080" cy="3360737"/>
-            </a:xfrm>
-            <a:prstGeom prst="roundRect">
-              <a:avLst>
-                <a:gd name="adj" fmla="val 50000"/>
-              </a:avLst>
-            </a:prstGeom>
-            <a:solidFill>
-              <a:srgbClr val="72C800"/>
-            </a:solidFill>
-            <a:ln>
-              <a:noFill/>
-            </a:ln>
-          </p:spPr>
-          <p:style>
-            <a:lnRef idx="2">
-              <a:schemeClr val="accent1">
-                <a:shade val="50000"/>
-              </a:schemeClr>
-            </a:lnRef>
-            <a:fillRef idx="1">
-              <a:schemeClr val="accent1"/>
-            </a:fillRef>
-            <a:effectRef idx="0">
-              <a:schemeClr val="accent1"/>
-            </a:effectRef>
-            <a:fontRef idx="minor">
-              <a:schemeClr val="lt1"/>
-            </a:fontRef>
-          </p:style>
-          <p:txBody>
-            <a:bodyPr rtlCol="0" anchor="ctr"/>
-            <a:lstStyle/>
-            <a:p>
-              <a:pPr algn="ctr"/>
-              <a:endParaRPr lang="pt-BR"/>
-            </a:p>
-          </p:txBody>
-        </p:sp>
-        <p:grpSp>
-          <p:nvGrpSpPr>
-            <p:cNvPr id="155" name="Agrupar 154">
-              <a:extLst>
-                <a:ext uri="{FF2B5EF4-FFF2-40B4-BE49-F238E27FC236}">
-                  <a16:creationId xmlns:a16="http://schemas.microsoft.com/office/drawing/2014/main" id="{40592538-70C0-44F2-910C-1BC10AF7E35A}"/>
-                </a:ext>
-              </a:extLst>
-            </p:cNvPr>
-            <p:cNvGrpSpPr/>
-            <p:nvPr/>
-          </p:nvGrpSpPr>
-          <p:grpSpPr>
-            <a:xfrm>
-              <a:off x="7003486" y="1680483"/>
-              <a:ext cx="1238000" cy="1790548"/>
-              <a:chOff x="7003486" y="1651455"/>
-              <a:chExt cx="1238000" cy="1790548"/>
-            </a:xfrm>
-          </p:grpSpPr>
-          <p:grpSp>
-            <p:nvGrpSpPr>
-              <p:cNvPr id="156" name="Agrupar 155">
-                <a:extLst>
-                  <a:ext uri="{FF2B5EF4-FFF2-40B4-BE49-F238E27FC236}">
-                    <a16:creationId xmlns:a16="http://schemas.microsoft.com/office/drawing/2014/main" id="{E6C5B967-A218-4C68-A9BD-5BA7CB8DCC75}"/>
-                  </a:ext>
-                </a:extLst>
-              </p:cNvPr>
-              <p:cNvGrpSpPr/>
-              <p:nvPr/>
-            </p:nvGrpSpPr>
-            <p:grpSpPr>
-              <a:xfrm>
-                <a:off x="7003486" y="2636102"/>
-                <a:ext cx="1236975" cy="805901"/>
-                <a:chOff x="7003486" y="2084559"/>
-                <a:chExt cx="1236975" cy="805901"/>
-              </a:xfrm>
-            </p:grpSpPr>
-            <p:sp>
-              <p:nvSpPr>
-                <p:cNvPr id="160" name="Retângulo: Cantos Arredondados 159">
-                  <a:extLst>
-                    <a:ext uri="{FF2B5EF4-FFF2-40B4-BE49-F238E27FC236}">
-                      <a16:creationId xmlns:a16="http://schemas.microsoft.com/office/drawing/2014/main" id="{6A62BAE2-4ECE-4270-8E39-1D4D600FE21E}"/>
-                    </a:ext>
-                  </a:extLst>
-                </p:cNvPr>
-                <p:cNvSpPr/>
-                <p:nvPr/>
-              </p:nvSpPr>
-              <p:spPr>
-                <a:xfrm rot="2700000">
-                  <a:off x="7806967" y="1779051"/>
-                  <a:ext cx="127985" cy="739002"/>
-                </a:xfrm>
-                <a:prstGeom prst="roundRect">
-                  <a:avLst>
-                    <a:gd name="adj" fmla="val 50000"/>
-                  </a:avLst>
-                </a:prstGeom>
-                <a:solidFill>
-                  <a:srgbClr val="72C800"/>
-                </a:solidFill>
-                <a:ln>
-                  <a:noFill/>
-                </a:ln>
-              </p:spPr>
-              <p:style>
-                <a:lnRef idx="2">
-                  <a:schemeClr val="accent1">
-                    <a:shade val="50000"/>
-                  </a:schemeClr>
-                </a:lnRef>
-                <a:fillRef idx="1">
-                  <a:schemeClr val="accent1"/>
-                </a:fillRef>
-                <a:effectRef idx="0">
-                  <a:schemeClr val="accent1"/>
-                </a:effectRef>
-                <a:fontRef idx="minor">
-                  <a:schemeClr val="lt1"/>
-                </a:fontRef>
-              </p:style>
-              <p:txBody>
-                <a:bodyPr rtlCol="0" anchor="ctr"/>
-                <a:lstStyle/>
-                <a:p>
-                  <a:pPr algn="ctr"/>
-                  <a:endParaRPr lang="pt-BR"/>
-                </a:p>
-              </p:txBody>
-            </p:sp>
-            <p:sp>
-              <p:nvSpPr>
-                <p:cNvPr id="161" name="Retângulo: Cantos Arredondados 160">
-                  <a:extLst>
-                    <a:ext uri="{FF2B5EF4-FFF2-40B4-BE49-F238E27FC236}">
-                      <a16:creationId xmlns:a16="http://schemas.microsoft.com/office/drawing/2014/main" id="{D7F7738A-7B66-4ADC-B7D7-342FDE260E42}"/>
-                    </a:ext>
-                  </a:extLst>
-                </p:cNvPr>
-                <p:cNvSpPr/>
-                <p:nvPr/>
-              </p:nvSpPr>
-              <p:spPr>
-                <a:xfrm rot="2700000">
-                  <a:off x="7806967" y="2448915"/>
-                  <a:ext cx="127985" cy="739002"/>
-                </a:xfrm>
-                <a:prstGeom prst="roundRect">
-                  <a:avLst>
-                    <a:gd name="adj" fmla="val 50000"/>
-                  </a:avLst>
-                </a:prstGeom>
-                <a:solidFill>
-                  <a:srgbClr val="72C800"/>
-                </a:solidFill>
-                <a:ln>
-                  <a:noFill/>
-                </a:ln>
-              </p:spPr>
-              <p:style>
-                <a:lnRef idx="2">
-                  <a:schemeClr val="accent1">
-                    <a:shade val="50000"/>
-                  </a:schemeClr>
-                </a:lnRef>
-                <a:fillRef idx="1">
-                  <a:schemeClr val="accent1"/>
-                </a:fillRef>
-                <a:effectRef idx="0">
-                  <a:schemeClr val="accent1"/>
-                </a:effectRef>
-                <a:fontRef idx="minor">
-                  <a:schemeClr val="lt1"/>
-                </a:fontRef>
-              </p:style>
-              <p:txBody>
-                <a:bodyPr rtlCol="0" anchor="ctr"/>
-                <a:lstStyle/>
-                <a:p>
-                  <a:pPr algn="ctr"/>
-                  <a:endParaRPr lang="pt-BR"/>
-                </a:p>
-              </p:txBody>
-            </p:sp>
-            <p:grpSp>
-              <p:nvGrpSpPr>
-                <p:cNvPr id="162" name="Agrupar 161">
-                  <a:extLst>
-                    <a:ext uri="{FF2B5EF4-FFF2-40B4-BE49-F238E27FC236}">
-                      <a16:creationId xmlns:a16="http://schemas.microsoft.com/office/drawing/2014/main" id="{FBEA8FAF-6ED1-438A-B09B-849C5346EB01}"/>
-                    </a:ext>
-                  </a:extLst>
-                </p:cNvPr>
-                <p:cNvGrpSpPr/>
-                <p:nvPr/>
-              </p:nvGrpSpPr>
-              <p:grpSpPr>
-                <a:xfrm flipH="1">
-                  <a:off x="7003486" y="2092611"/>
-                  <a:ext cx="739002" cy="797849"/>
-                  <a:chOff x="7653859" y="2236959"/>
-                  <a:chExt cx="739002" cy="797849"/>
-                </a:xfrm>
-              </p:grpSpPr>
-              <p:sp>
-                <p:nvSpPr>
-                  <p:cNvPr id="163" name="Retângulo: Cantos Arredondados 162">
-                    <a:extLst>
-                      <a:ext uri="{FF2B5EF4-FFF2-40B4-BE49-F238E27FC236}">
-                        <a16:creationId xmlns:a16="http://schemas.microsoft.com/office/drawing/2014/main" id="{2DFDCD94-4F15-4733-A300-401768B536D5}"/>
-                      </a:ext>
-                    </a:extLst>
-                  </p:cNvPr>
-                  <p:cNvSpPr/>
-                  <p:nvPr/>
-                </p:nvSpPr>
-                <p:spPr>
-                  <a:xfrm rot="2700000">
-                    <a:off x="7959367" y="1931451"/>
-                    <a:ext cx="127985" cy="739002"/>
-                  </a:xfrm>
-                  <a:prstGeom prst="roundRect">
-                    <a:avLst>
-                      <a:gd name="adj" fmla="val 50000"/>
-                    </a:avLst>
-                  </a:prstGeom>
-                  <a:solidFill>
-                    <a:srgbClr val="72C800"/>
-                  </a:solidFill>
-                  <a:ln>
-                    <a:noFill/>
-                  </a:ln>
-                </p:spPr>
-                <p:style>
-                  <a:lnRef idx="2">
-                    <a:schemeClr val="accent1">
-                      <a:shade val="50000"/>
-                    </a:schemeClr>
-                  </a:lnRef>
-                  <a:fillRef idx="1">
-                    <a:schemeClr val="accent1"/>
-                  </a:fillRef>
-                  <a:effectRef idx="0">
-                    <a:schemeClr val="accent1"/>
-                  </a:effectRef>
-                  <a:fontRef idx="minor">
-                    <a:schemeClr val="lt1"/>
-                  </a:fontRef>
-                </p:style>
-                <p:txBody>
-                  <a:bodyPr rtlCol="0" anchor="ctr"/>
-                  <a:lstStyle/>
-                  <a:p>
-                    <a:pPr algn="ctr"/>
-                    <a:endParaRPr lang="pt-BR"/>
-                  </a:p>
-                </p:txBody>
-              </p:sp>
-              <p:sp>
-                <p:nvSpPr>
-                  <p:cNvPr id="164" name="Retângulo: Cantos Arredondados 163">
-                    <a:extLst>
-                      <a:ext uri="{FF2B5EF4-FFF2-40B4-BE49-F238E27FC236}">
-                        <a16:creationId xmlns:a16="http://schemas.microsoft.com/office/drawing/2014/main" id="{DE908EA2-D2C3-4162-93F4-64E4C2AE1F98}"/>
-                      </a:ext>
-                    </a:extLst>
-                  </p:cNvPr>
-                  <p:cNvSpPr/>
-                  <p:nvPr/>
-                </p:nvSpPr>
-                <p:spPr>
-                  <a:xfrm rot="2700000">
-                    <a:off x="7959367" y="2601315"/>
-                    <a:ext cx="127985" cy="739002"/>
-                  </a:xfrm>
-                  <a:prstGeom prst="roundRect">
-                    <a:avLst>
-                      <a:gd name="adj" fmla="val 50000"/>
-                    </a:avLst>
-                  </a:prstGeom>
-                  <a:solidFill>
-                    <a:srgbClr val="72C800"/>
-                  </a:solidFill>
-                  <a:ln>
-                    <a:noFill/>
-                  </a:ln>
-                </p:spPr>
-                <p:style>
-                  <a:lnRef idx="2">
-                    <a:schemeClr val="accent1">
-                      <a:shade val="50000"/>
-                    </a:schemeClr>
-                  </a:lnRef>
-                  <a:fillRef idx="1">
-                    <a:schemeClr val="accent1"/>
-                  </a:fillRef>
-                  <a:effectRef idx="0">
-                    <a:schemeClr val="accent1"/>
-                  </a:effectRef>
-                  <a:fontRef idx="minor">
-                    <a:schemeClr val="lt1"/>
-                  </a:fontRef>
-                </p:style>
-                <p:txBody>
-                  <a:bodyPr rtlCol="0" anchor="ctr"/>
-                  <a:lstStyle/>
-                  <a:p>
-                    <a:pPr algn="ctr"/>
-                    <a:endParaRPr lang="pt-BR"/>
-                  </a:p>
-                </p:txBody>
-              </p:sp>
-            </p:grpSp>
-          </p:grpSp>
-          <p:grpSp>
-            <p:nvGrpSpPr>
-              <p:cNvPr id="157" name="Agrupar 156">
-                <a:extLst>
-                  <a:ext uri="{FF2B5EF4-FFF2-40B4-BE49-F238E27FC236}">
-                    <a16:creationId xmlns:a16="http://schemas.microsoft.com/office/drawing/2014/main" id="{24E3EAC9-9B1D-4128-AE68-5132417A5821}"/>
-                  </a:ext>
-                </a:extLst>
-              </p:cNvPr>
-              <p:cNvGrpSpPr/>
-              <p:nvPr/>
-            </p:nvGrpSpPr>
-            <p:grpSpPr>
-              <a:xfrm>
-                <a:off x="7310020" y="1651455"/>
-                <a:ext cx="931466" cy="739002"/>
-                <a:chOff x="7308995" y="2456967"/>
-                <a:chExt cx="931466" cy="739002"/>
-              </a:xfrm>
-            </p:grpSpPr>
-            <p:sp>
-              <p:nvSpPr>
-                <p:cNvPr id="158" name="Retângulo: Cantos Arredondados 157">
-                  <a:extLst>
-                    <a:ext uri="{FF2B5EF4-FFF2-40B4-BE49-F238E27FC236}">
-                      <a16:creationId xmlns:a16="http://schemas.microsoft.com/office/drawing/2014/main" id="{A58ACA30-775B-461E-B770-73DB6DCD69C0}"/>
-                    </a:ext>
-                  </a:extLst>
-                </p:cNvPr>
-                <p:cNvSpPr/>
-                <p:nvPr/>
-              </p:nvSpPr>
-              <p:spPr>
-                <a:xfrm rot="2700000">
-                  <a:off x="7806967" y="2448915"/>
-                  <a:ext cx="127985" cy="739002"/>
-                </a:xfrm>
-                <a:prstGeom prst="roundRect">
-                  <a:avLst>
-                    <a:gd name="adj" fmla="val 50000"/>
-                  </a:avLst>
-                </a:prstGeom>
-                <a:solidFill>
-                  <a:srgbClr val="72C800"/>
-                </a:solidFill>
-                <a:ln>
-                  <a:noFill/>
-                </a:ln>
-              </p:spPr>
-              <p:style>
-                <a:lnRef idx="2">
-                  <a:schemeClr val="accent1">
-                    <a:shade val="50000"/>
-                  </a:schemeClr>
-                </a:lnRef>
-                <a:fillRef idx="1">
-                  <a:schemeClr val="accent1"/>
-                </a:fillRef>
-                <a:effectRef idx="0">
-                  <a:schemeClr val="accent1"/>
-                </a:effectRef>
-                <a:fontRef idx="minor">
-                  <a:schemeClr val="lt1"/>
-                </a:fontRef>
-              </p:style>
-              <p:txBody>
-                <a:bodyPr rtlCol="0" anchor="ctr"/>
-                <a:lstStyle/>
-                <a:p>
-                  <a:pPr algn="ctr"/>
-                  <a:endParaRPr lang="pt-BR"/>
-                </a:p>
-              </p:txBody>
-            </p:sp>
-            <p:sp>
-              <p:nvSpPr>
-                <p:cNvPr id="159" name="Retângulo: Cantos Arredondados 158">
-                  <a:extLst>
-                    <a:ext uri="{FF2B5EF4-FFF2-40B4-BE49-F238E27FC236}">
-                      <a16:creationId xmlns:a16="http://schemas.microsoft.com/office/drawing/2014/main" id="{1DC28F12-918B-4797-A607-F3ABD8E5B964}"/>
-                    </a:ext>
-                  </a:extLst>
-                </p:cNvPr>
-                <p:cNvSpPr/>
-                <p:nvPr/>
-              </p:nvSpPr>
-              <p:spPr>
-                <a:xfrm rot="18900000" flipH="1">
-                  <a:off x="7308995" y="2456967"/>
-                  <a:ext cx="127985" cy="739002"/>
-                </a:xfrm>
-                <a:prstGeom prst="roundRect">
-                  <a:avLst>
-                    <a:gd name="adj" fmla="val 50000"/>
-                  </a:avLst>
-                </a:prstGeom>
-                <a:solidFill>
-                  <a:srgbClr val="72C800"/>
-                </a:solidFill>
-                <a:ln>
-                  <a:noFill/>
-                </a:ln>
-              </p:spPr>
-              <p:style>
-                <a:lnRef idx="2">
-                  <a:schemeClr val="accent1">
-                    <a:shade val="50000"/>
-                  </a:schemeClr>
-                </a:lnRef>
-                <a:fillRef idx="1">
-                  <a:schemeClr val="accent1"/>
-                </a:fillRef>
-                <a:effectRef idx="0">
-                  <a:schemeClr val="accent1"/>
-                </a:effectRef>
-                <a:fontRef idx="minor">
-                  <a:schemeClr val="lt1"/>
-                </a:fontRef>
-              </p:style>
-              <p:txBody>
-                <a:bodyPr rtlCol="0" anchor="ctr"/>
-                <a:lstStyle/>
-                <a:p>
-                  <a:pPr algn="ctr"/>
-                  <a:endParaRPr lang="pt-BR"/>
-                </a:p>
-              </p:txBody>
-            </p:sp>
-          </p:grpSp>
-        </p:grpSp>
-      </p:grpSp>
-      <p:grpSp>
-        <p:nvGrpSpPr>
-          <p:cNvPr id="165" name="Agrupar 164">
-            <a:extLst>
-              <a:ext uri="{FF2B5EF4-FFF2-40B4-BE49-F238E27FC236}">
-                <a16:creationId xmlns:a16="http://schemas.microsoft.com/office/drawing/2014/main" id="{4411B56D-7507-4332-BBBA-64FDEAA9F72F}"/>
-              </a:ext>
-            </a:extLst>
-          </p:cNvPr>
-          <p:cNvGrpSpPr/>
-          <p:nvPr/>
-        </p:nvGrpSpPr>
-        <p:grpSpPr>
-          <a:xfrm rot="13759434" flipH="1">
-            <a:off x="8015177" y="-887918"/>
-            <a:ext cx="1712317" cy="2670518"/>
-            <a:chOff x="6445772" y="1077492"/>
-            <a:chExt cx="2324411" cy="3625136"/>
-          </a:xfrm>
-        </p:grpSpPr>
-        <p:sp>
-          <p:nvSpPr>
-            <p:cNvPr id="166" name="Elipse 1">
-              <a:extLst>
-                <a:ext uri="{FF2B5EF4-FFF2-40B4-BE49-F238E27FC236}">
-                  <a16:creationId xmlns:a16="http://schemas.microsoft.com/office/drawing/2014/main" id="{8F6FE7E1-93A4-4A9D-A4EB-AB0EE4A07592}"/>
-                </a:ext>
-              </a:extLst>
-            </p:cNvPr>
-            <p:cNvSpPr/>
-            <p:nvPr/>
-          </p:nvSpPr>
-          <p:spPr>
-            <a:xfrm rot="10800000">
-              <a:off x="6445772" y="1077492"/>
-              <a:ext cx="2324411" cy="2905514"/>
-            </a:xfrm>
-            <a:custGeom>
-              <a:avLst/>
-              <a:gdLst/>
-              <a:ahLst/>
-              <a:cxnLst/>
-              <a:rect l="l" t="t" r="r" b="b"/>
-              <a:pathLst>
-                <a:path w="571500" h="714375">
-                  <a:moveTo>
-                    <a:pt x="285750" y="0"/>
-                  </a:moveTo>
-                  <a:cubicBezTo>
-                    <a:pt x="443565" y="0"/>
-                    <a:pt x="571500" y="127935"/>
-                    <a:pt x="571500" y="285750"/>
-                  </a:cubicBezTo>
-                  <a:cubicBezTo>
-                    <a:pt x="571500" y="312845"/>
-                    <a:pt x="567729" y="339059"/>
-                    <a:pt x="559424" y="363539"/>
-                  </a:cubicBezTo>
-                  <a:cubicBezTo>
-                    <a:pt x="542624" y="459184"/>
-                    <a:pt x="465810" y="582087"/>
-                    <a:pt x="285750" y="714375"/>
-                  </a:cubicBezTo>
-                  <a:cubicBezTo>
-                    <a:pt x="105691" y="582087"/>
-                    <a:pt x="28877" y="459184"/>
-                    <a:pt x="12076" y="363539"/>
-                  </a:cubicBezTo>
-                  <a:cubicBezTo>
-                    <a:pt x="3771" y="339059"/>
-                    <a:pt x="0" y="312845"/>
-                    <a:pt x="0" y="285750"/>
-                  </a:cubicBezTo>
-                  <a:cubicBezTo>
-                    <a:pt x="0" y="127935"/>
-                    <a:pt x="127935" y="0"/>
-                    <a:pt x="285750" y="0"/>
-                  </a:cubicBezTo>
-                  <a:close/>
-                </a:path>
-              </a:pathLst>
-            </a:custGeom>
-            <a:solidFill>
-              <a:srgbClr val="8FFF00"/>
-            </a:solidFill>
-            <a:ln>
-              <a:noFill/>
-            </a:ln>
-          </p:spPr>
-          <p:style>
-            <a:lnRef idx="2">
-              <a:schemeClr val="accent1">
-                <a:shade val="50000"/>
-              </a:schemeClr>
-            </a:lnRef>
-            <a:fillRef idx="1">
-              <a:schemeClr val="accent1"/>
-            </a:fillRef>
-            <a:effectRef idx="0">
-              <a:schemeClr val="accent1"/>
-            </a:effectRef>
-            <a:fontRef idx="minor">
-              <a:schemeClr val="lt1"/>
-            </a:fontRef>
-          </p:style>
-          <p:txBody>
-            <a:bodyPr rtlCol="0" anchor="ctr"/>
-            <a:lstStyle/>
-            <a:p>
-              <a:pPr algn="ctr"/>
-              <a:endParaRPr lang="pt-BR"/>
-            </a:p>
-          </p:txBody>
-        </p:sp>
-        <p:sp>
-          <p:nvSpPr>
-            <p:cNvPr id="167" name="Retângulo: Cantos Arredondados 166">
-              <a:extLst>
-                <a:ext uri="{FF2B5EF4-FFF2-40B4-BE49-F238E27FC236}">
-                  <a16:creationId xmlns:a16="http://schemas.microsoft.com/office/drawing/2014/main" id="{3527CF9F-7F73-46BA-9821-B724AA999308}"/>
-                </a:ext>
-              </a:extLst>
-            </p:cNvPr>
-            <p:cNvSpPr/>
-            <p:nvPr/>
-          </p:nvSpPr>
-          <p:spPr>
-            <a:xfrm>
-              <a:off x="7564434" y="1341891"/>
-              <a:ext cx="115080" cy="3360737"/>
-            </a:xfrm>
-            <a:prstGeom prst="roundRect">
-              <a:avLst>
-                <a:gd name="adj" fmla="val 50000"/>
-              </a:avLst>
-            </a:prstGeom>
-            <a:solidFill>
-              <a:srgbClr val="72C800"/>
-            </a:solidFill>
-            <a:ln>
-              <a:noFill/>
-            </a:ln>
-          </p:spPr>
-          <p:style>
-            <a:lnRef idx="2">
-              <a:schemeClr val="accent1">
-                <a:shade val="50000"/>
-              </a:schemeClr>
-            </a:lnRef>
-            <a:fillRef idx="1">
-              <a:schemeClr val="accent1"/>
-            </a:fillRef>
-            <a:effectRef idx="0">
-              <a:schemeClr val="accent1"/>
-            </a:effectRef>
-            <a:fontRef idx="minor">
-              <a:schemeClr val="lt1"/>
-            </a:fontRef>
-          </p:style>
-          <p:txBody>
-            <a:bodyPr rtlCol="0" anchor="ctr"/>
-            <a:lstStyle/>
-            <a:p>
-              <a:pPr algn="ctr"/>
-              <a:endParaRPr lang="pt-BR"/>
-            </a:p>
-          </p:txBody>
-        </p:sp>
-        <p:grpSp>
-          <p:nvGrpSpPr>
-            <p:cNvPr id="168" name="Agrupar 167">
-              <a:extLst>
-                <a:ext uri="{FF2B5EF4-FFF2-40B4-BE49-F238E27FC236}">
-                  <a16:creationId xmlns:a16="http://schemas.microsoft.com/office/drawing/2014/main" id="{4782A223-C734-4DF3-B6FF-A87AE6C544D9}"/>
-                </a:ext>
-              </a:extLst>
-            </p:cNvPr>
-            <p:cNvGrpSpPr/>
-            <p:nvPr/>
-          </p:nvGrpSpPr>
-          <p:grpSpPr>
-            <a:xfrm>
-              <a:off x="7003486" y="1680483"/>
-              <a:ext cx="1238000" cy="1790548"/>
-              <a:chOff x="7003486" y="1651455"/>
-              <a:chExt cx="1238000" cy="1790548"/>
-            </a:xfrm>
-          </p:grpSpPr>
-          <p:grpSp>
-            <p:nvGrpSpPr>
-              <p:cNvPr id="169" name="Agrupar 168">
-                <a:extLst>
-                  <a:ext uri="{FF2B5EF4-FFF2-40B4-BE49-F238E27FC236}">
-                    <a16:creationId xmlns:a16="http://schemas.microsoft.com/office/drawing/2014/main" id="{60EEA78C-B40F-4A31-A7F1-7CCB648DAD44}"/>
-                  </a:ext>
-                </a:extLst>
-              </p:cNvPr>
-              <p:cNvGrpSpPr/>
-              <p:nvPr/>
-            </p:nvGrpSpPr>
-            <p:grpSpPr>
-              <a:xfrm>
-                <a:off x="7003486" y="2636102"/>
-                <a:ext cx="1236975" cy="805901"/>
-                <a:chOff x="7003486" y="2084559"/>
-                <a:chExt cx="1236975" cy="805901"/>
-              </a:xfrm>
-            </p:grpSpPr>
-            <p:sp>
-              <p:nvSpPr>
-                <p:cNvPr id="173" name="Retângulo: Cantos Arredondados 172">
-                  <a:extLst>
-                    <a:ext uri="{FF2B5EF4-FFF2-40B4-BE49-F238E27FC236}">
-                      <a16:creationId xmlns:a16="http://schemas.microsoft.com/office/drawing/2014/main" id="{ED216696-5C15-4EA8-B842-9BE7EB61064D}"/>
-                    </a:ext>
-                  </a:extLst>
-                </p:cNvPr>
-                <p:cNvSpPr/>
-                <p:nvPr/>
-              </p:nvSpPr>
-              <p:spPr>
-                <a:xfrm rot="2700000">
-                  <a:off x="7806967" y="1779051"/>
-                  <a:ext cx="127985" cy="739002"/>
-                </a:xfrm>
-                <a:prstGeom prst="roundRect">
-                  <a:avLst>
-                    <a:gd name="adj" fmla="val 50000"/>
-                  </a:avLst>
-                </a:prstGeom>
-                <a:solidFill>
-                  <a:srgbClr val="72C800"/>
-                </a:solidFill>
-                <a:ln>
-                  <a:noFill/>
-                </a:ln>
-              </p:spPr>
-              <p:style>
-                <a:lnRef idx="2">
-                  <a:schemeClr val="accent1">
-                    <a:shade val="50000"/>
-                  </a:schemeClr>
-                </a:lnRef>
-                <a:fillRef idx="1">
-                  <a:schemeClr val="accent1"/>
-                </a:fillRef>
-                <a:effectRef idx="0">
-                  <a:schemeClr val="accent1"/>
-                </a:effectRef>
-                <a:fontRef idx="minor">
-                  <a:schemeClr val="lt1"/>
-                </a:fontRef>
-              </p:style>
-              <p:txBody>
-                <a:bodyPr rtlCol="0" anchor="ctr"/>
-                <a:lstStyle/>
-                <a:p>
-                  <a:pPr algn="ctr"/>
-                  <a:endParaRPr lang="pt-BR"/>
-                </a:p>
-              </p:txBody>
-            </p:sp>
-            <p:sp>
-              <p:nvSpPr>
-                <p:cNvPr id="174" name="Retângulo: Cantos Arredondados 173">
-                  <a:extLst>
-                    <a:ext uri="{FF2B5EF4-FFF2-40B4-BE49-F238E27FC236}">
-                      <a16:creationId xmlns:a16="http://schemas.microsoft.com/office/drawing/2014/main" id="{1E31C734-53D7-491A-8F4F-2960A338A051}"/>
-                    </a:ext>
-                  </a:extLst>
-                </p:cNvPr>
-                <p:cNvSpPr/>
-                <p:nvPr/>
-              </p:nvSpPr>
-              <p:spPr>
-                <a:xfrm rot="2700000">
-                  <a:off x="7806967" y="2448915"/>
-                  <a:ext cx="127985" cy="739002"/>
-                </a:xfrm>
-                <a:prstGeom prst="roundRect">
-                  <a:avLst>
-                    <a:gd name="adj" fmla="val 50000"/>
-                  </a:avLst>
-                </a:prstGeom>
-                <a:solidFill>
-                  <a:srgbClr val="72C800"/>
-                </a:solidFill>
-                <a:ln>
-                  <a:noFill/>
-                </a:ln>
-              </p:spPr>
-              <p:style>
-                <a:lnRef idx="2">
-                  <a:schemeClr val="accent1">
-                    <a:shade val="50000"/>
-                  </a:schemeClr>
-                </a:lnRef>
-                <a:fillRef idx="1">
-                  <a:schemeClr val="accent1"/>
-                </a:fillRef>
-                <a:effectRef idx="0">
-                  <a:schemeClr val="accent1"/>
-                </a:effectRef>
-                <a:fontRef idx="minor">
-                  <a:schemeClr val="lt1"/>
-                </a:fontRef>
-              </p:style>
-              <p:txBody>
-                <a:bodyPr rtlCol="0" anchor="ctr"/>
-                <a:lstStyle/>
-                <a:p>
-                  <a:pPr algn="ctr"/>
-                  <a:endParaRPr lang="pt-BR"/>
-                </a:p>
-              </p:txBody>
-            </p:sp>
-            <p:grpSp>
-              <p:nvGrpSpPr>
-                <p:cNvPr id="175" name="Agrupar 174">
-                  <a:extLst>
-                    <a:ext uri="{FF2B5EF4-FFF2-40B4-BE49-F238E27FC236}">
-                      <a16:creationId xmlns:a16="http://schemas.microsoft.com/office/drawing/2014/main" id="{FE00BFF7-C779-46F3-8459-1AD5CACE5A4E}"/>
-                    </a:ext>
-                  </a:extLst>
-                </p:cNvPr>
-                <p:cNvGrpSpPr/>
-                <p:nvPr/>
-              </p:nvGrpSpPr>
-              <p:grpSpPr>
-                <a:xfrm flipH="1">
-                  <a:off x="7003486" y="2092611"/>
-                  <a:ext cx="739002" cy="797849"/>
-                  <a:chOff x="7653859" y="2236959"/>
-                  <a:chExt cx="739002" cy="797849"/>
-                </a:xfrm>
-              </p:grpSpPr>
-              <p:sp>
-                <p:nvSpPr>
-                  <p:cNvPr id="176" name="Retângulo: Cantos Arredondados 175">
-                    <a:extLst>
-                      <a:ext uri="{FF2B5EF4-FFF2-40B4-BE49-F238E27FC236}">
-                        <a16:creationId xmlns:a16="http://schemas.microsoft.com/office/drawing/2014/main" id="{EEEC0DC3-B88D-449B-85C9-995AD55F82A1}"/>
-                      </a:ext>
-                    </a:extLst>
-                  </p:cNvPr>
-                  <p:cNvSpPr/>
-                  <p:nvPr/>
-                </p:nvSpPr>
-                <p:spPr>
-                  <a:xfrm rot="2700000">
-                    <a:off x="7959367" y="1931451"/>
-                    <a:ext cx="127985" cy="739002"/>
-                  </a:xfrm>
-                  <a:prstGeom prst="roundRect">
-                    <a:avLst>
-                      <a:gd name="adj" fmla="val 50000"/>
-                    </a:avLst>
-                  </a:prstGeom>
-                  <a:solidFill>
-                    <a:srgbClr val="72C800"/>
-                  </a:solidFill>
-                  <a:ln>
-                    <a:noFill/>
-                  </a:ln>
-                </p:spPr>
-                <p:style>
-                  <a:lnRef idx="2">
-                    <a:schemeClr val="accent1">
-                      <a:shade val="50000"/>
-                    </a:schemeClr>
-                  </a:lnRef>
-                  <a:fillRef idx="1">
-                    <a:schemeClr val="accent1"/>
-                  </a:fillRef>
-                  <a:effectRef idx="0">
-                    <a:schemeClr val="accent1"/>
-                  </a:effectRef>
-                  <a:fontRef idx="minor">
-                    <a:schemeClr val="lt1"/>
-                  </a:fontRef>
-                </p:style>
-                <p:txBody>
-                  <a:bodyPr rtlCol="0" anchor="ctr"/>
-                  <a:lstStyle/>
-                  <a:p>
-                    <a:pPr algn="ctr"/>
-                    <a:endParaRPr lang="pt-BR"/>
-                  </a:p>
-                </p:txBody>
-              </p:sp>
-              <p:sp>
-                <p:nvSpPr>
-                  <p:cNvPr id="177" name="Retângulo: Cantos Arredondados 176">
-                    <a:extLst>
-                      <a:ext uri="{FF2B5EF4-FFF2-40B4-BE49-F238E27FC236}">
-                        <a16:creationId xmlns:a16="http://schemas.microsoft.com/office/drawing/2014/main" id="{E5F51B56-12FE-4473-96DD-4058871CCEFC}"/>
-                      </a:ext>
-                    </a:extLst>
-                  </p:cNvPr>
-                  <p:cNvSpPr/>
-                  <p:nvPr/>
-                </p:nvSpPr>
-                <p:spPr>
-                  <a:xfrm rot="2700000">
-                    <a:off x="7959367" y="2601315"/>
-                    <a:ext cx="127985" cy="739002"/>
-                  </a:xfrm>
-                  <a:prstGeom prst="roundRect">
-                    <a:avLst>
-                      <a:gd name="adj" fmla="val 50000"/>
-                    </a:avLst>
-                  </a:prstGeom>
-                  <a:solidFill>
-                    <a:srgbClr val="72C800"/>
-                  </a:solidFill>
-                  <a:ln>
-                    <a:noFill/>
-                  </a:ln>
-                </p:spPr>
-                <p:style>
-                  <a:lnRef idx="2">
-                    <a:schemeClr val="accent1">
-                      <a:shade val="50000"/>
-                    </a:schemeClr>
-                  </a:lnRef>
-                  <a:fillRef idx="1">
-                    <a:schemeClr val="accent1"/>
-                  </a:fillRef>
-                  <a:effectRef idx="0">
-                    <a:schemeClr val="accent1"/>
-                  </a:effectRef>
-                  <a:fontRef idx="minor">
-                    <a:schemeClr val="lt1"/>
-                  </a:fontRef>
-                </p:style>
-                <p:txBody>
-                  <a:bodyPr rtlCol="0" anchor="ctr"/>
-                  <a:lstStyle/>
-                  <a:p>
-                    <a:pPr algn="ctr"/>
-                    <a:endParaRPr lang="pt-BR"/>
-                  </a:p>
-                </p:txBody>
-              </p:sp>
-            </p:grpSp>
-          </p:grpSp>
-          <p:grpSp>
-            <p:nvGrpSpPr>
-              <p:cNvPr id="170" name="Agrupar 169">
-                <a:extLst>
-                  <a:ext uri="{FF2B5EF4-FFF2-40B4-BE49-F238E27FC236}">
-                    <a16:creationId xmlns:a16="http://schemas.microsoft.com/office/drawing/2014/main" id="{FD17006A-2554-448D-A66B-1BF1B23EA188}"/>
-                  </a:ext>
-                </a:extLst>
-              </p:cNvPr>
-              <p:cNvGrpSpPr/>
-              <p:nvPr/>
-            </p:nvGrpSpPr>
-            <p:grpSpPr>
-              <a:xfrm>
-                <a:off x="7310020" y="1651455"/>
-                <a:ext cx="931466" cy="739002"/>
-                <a:chOff x="7308995" y="2456967"/>
-                <a:chExt cx="931466" cy="739002"/>
-              </a:xfrm>
-            </p:grpSpPr>
-            <p:sp>
-              <p:nvSpPr>
-                <p:cNvPr id="171" name="Retângulo: Cantos Arredondados 170">
-                  <a:extLst>
-                    <a:ext uri="{FF2B5EF4-FFF2-40B4-BE49-F238E27FC236}">
-                      <a16:creationId xmlns:a16="http://schemas.microsoft.com/office/drawing/2014/main" id="{C393F67D-D736-43EC-8ECC-4CE85FD68EC4}"/>
-                    </a:ext>
-                  </a:extLst>
-                </p:cNvPr>
-                <p:cNvSpPr/>
-                <p:nvPr/>
-              </p:nvSpPr>
-              <p:spPr>
-                <a:xfrm rot="2700000">
-                  <a:off x="7806967" y="2448915"/>
-                  <a:ext cx="127985" cy="739002"/>
-                </a:xfrm>
-                <a:prstGeom prst="roundRect">
-                  <a:avLst>
-                    <a:gd name="adj" fmla="val 50000"/>
-                  </a:avLst>
-                </a:prstGeom>
-                <a:solidFill>
-                  <a:srgbClr val="72C800"/>
-                </a:solidFill>
-                <a:ln>
-                  <a:noFill/>
-                </a:ln>
-              </p:spPr>
-              <p:style>
-                <a:lnRef idx="2">
-                  <a:schemeClr val="accent1">
-                    <a:shade val="50000"/>
-                  </a:schemeClr>
-                </a:lnRef>
-                <a:fillRef idx="1">
-                  <a:schemeClr val="accent1"/>
-                </a:fillRef>
-                <a:effectRef idx="0">
-                  <a:schemeClr val="accent1"/>
-                </a:effectRef>
-                <a:fontRef idx="minor">
-                  <a:schemeClr val="lt1"/>
-                </a:fontRef>
-              </p:style>
-              <p:txBody>
-                <a:bodyPr rtlCol="0" anchor="ctr"/>
-                <a:lstStyle/>
-                <a:p>
-                  <a:pPr algn="ctr"/>
-                  <a:endParaRPr lang="pt-BR"/>
-                </a:p>
-              </p:txBody>
-            </p:sp>
-            <p:sp>
-              <p:nvSpPr>
-                <p:cNvPr id="172" name="Retângulo: Cantos Arredondados 171">
-                  <a:extLst>
-                    <a:ext uri="{FF2B5EF4-FFF2-40B4-BE49-F238E27FC236}">
-                      <a16:creationId xmlns:a16="http://schemas.microsoft.com/office/drawing/2014/main" id="{DE453217-2E2F-4143-80F8-2D25893B84F3}"/>
-                    </a:ext>
-                  </a:extLst>
-                </p:cNvPr>
-                <p:cNvSpPr/>
-                <p:nvPr/>
-              </p:nvSpPr>
-              <p:spPr>
-                <a:xfrm rot="18900000" flipH="1">
-                  <a:off x="7308995" y="2456967"/>
-                  <a:ext cx="127985" cy="739002"/>
-                </a:xfrm>
-                <a:prstGeom prst="roundRect">
-                  <a:avLst>
-                    <a:gd name="adj" fmla="val 50000"/>
-                  </a:avLst>
-                </a:prstGeom>
-                <a:solidFill>
-                  <a:srgbClr val="72C800"/>
-                </a:solidFill>
-                <a:ln>
-                  <a:noFill/>
-                </a:ln>
-              </p:spPr>
-              <p:style>
-                <a:lnRef idx="2">
-                  <a:schemeClr val="accent1">
-                    <a:shade val="50000"/>
-                  </a:schemeClr>
-                </a:lnRef>
-                <a:fillRef idx="1">
-                  <a:schemeClr val="accent1"/>
-                </a:fillRef>
-                <a:effectRef idx="0">
-                  <a:schemeClr val="accent1"/>
-                </a:effectRef>
-                <a:fontRef idx="minor">
-                  <a:schemeClr val="lt1"/>
-                </a:fontRef>
-              </p:style>
-              <p:txBody>
-                <a:bodyPr rtlCol="0" anchor="ctr"/>
-                <a:lstStyle/>
-                <a:p>
-                  <a:pPr algn="ctr"/>
-                  <a:endParaRPr lang="pt-BR"/>
-                </a:p>
-              </p:txBody>
-            </p:sp>
-          </p:grpSp>
-        </p:grpSp>
-      </p:grpSp>
-    </p:spTree>
-    <p:extLst>
-      <p:ext uri="{BB962C8B-B14F-4D97-AF65-F5344CB8AC3E}">
-        <p14:creationId xmlns:p14="http://schemas.microsoft.com/office/powerpoint/2010/main" val="3100785674"/>
-      </p:ext>
-    </p:extLst>
-  </p:cSld>
-  <p:clrMapOvr>
-    <a:masterClrMapping/>
-  </p:clrMapOvr>
-  <p:transition spd="slow">
-    <p:push dir="u"/>
-  </p:transition>
-</p:sld>
-</file>
-
-<file path=ppt/slides/slide3.xml><?xml version="1.0" encoding="utf-8"?>
 <p:sld xmlns:a="http://schemas.openxmlformats.org/drawingml/2006/main" xmlns:r="http://schemas.openxmlformats.org/officeDocument/2006/relationships" xmlns:p="http://schemas.openxmlformats.org/presentationml/2006/main">
   <p:cSld>
     <p:spTree>
@@ -23826,6 +19308,1218 @@
           </p:grpSp>
         </p:grpSp>
       </p:grpSp>
+      <p:sp>
+        <p:nvSpPr>
+          <p:cNvPr id="2" name="CaixaDeTexto 1">
+            <a:extLst>
+              <a:ext uri="{FF2B5EF4-FFF2-40B4-BE49-F238E27FC236}">
+                <a16:creationId xmlns:a16="http://schemas.microsoft.com/office/drawing/2014/main" id="{055E0E06-1AF0-4E67-9DC3-46018F694A93}"/>
+              </a:ext>
+            </a:extLst>
+          </p:cNvPr>
+          <p:cNvSpPr txBox="1"/>
+          <p:nvPr/>
+        </p:nvSpPr>
+        <p:spPr>
+          <a:xfrm>
+            <a:off x="732127" y="2348880"/>
+            <a:ext cx="7665984" cy="369332"/>
+          </a:xfrm>
+          <a:prstGeom prst="rect">
+            <a:avLst/>
+          </a:prstGeom>
+          <a:noFill/>
+        </p:spPr>
+        <p:txBody>
+          <a:bodyPr wrap="square" rtlCol="0">
+            <a:spAutoFit/>
+          </a:bodyPr>
+          <a:lstStyle/>
+          <a:p>
+            <a:r>
+              <a:rPr lang="pt-BR" dirty="0">
+                <a:latin typeface="Mikado Black" panose="02000000000000000000" charset="0"/>
+              </a:rPr>
+              <a:t>Objetivo principal: tornar acessível a ecologia e a sustentabilidade.</a:t>
+            </a:r>
+          </a:p>
+        </p:txBody>
+      </p:sp>
+      <p:grpSp>
+        <p:nvGrpSpPr>
+          <p:cNvPr id="85" name="Grupo 2">
+            <a:extLst>
+              <a:ext uri="{FF2B5EF4-FFF2-40B4-BE49-F238E27FC236}">
+                <a16:creationId xmlns:a16="http://schemas.microsoft.com/office/drawing/2014/main" id="{8665DFB8-92B5-455B-94E7-93DF8E91407B}"/>
+              </a:ext>
+            </a:extLst>
+          </p:cNvPr>
+          <p:cNvGrpSpPr/>
+          <p:nvPr/>
+        </p:nvGrpSpPr>
+        <p:grpSpPr>
+          <a:xfrm>
+            <a:off x="732127" y="2956399"/>
+            <a:ext cx="2516749" cy="2847541"/>
+            <a:chOff x="4669855" y="1354710"/>
+            <a:chExt cx="2516749" cy="2847541"/>
+          </a:xfrm>
+        </p:grpSpPr>
+        <p:grpSp>
+          <p:nvGrpSpPr>
+            <p:cNvPr id="86" name="Grupo 13">
+              <a:extLst>
+                <a:ext uri="{FF2B5EF4-FFF2-40B4-BE49-F238E27FC236}">
+                  <a16:creationId xmlns:a16="http://schemas.microsoft.com/office/drawing/2014/main" id="{1BF1A932-9E62-46EE-A7FD-375A5854E8F0}"/>
+                </a:ext>
+              </a:extLst>
+            </p:cNvPr>
+            <p:cNvGrpSpPr/>
+            <p:nvPr/>
+          </p:nvGrpSpPr>
+          <p:grpSpPr>
+            <a:xfrm>
+              <a:off x="4669855" y="1354710"/>
+              <a:ext cx="2516749" cy="2847541"/>
+              <a:chOff x="5202574" y="633845"/>
+              <a:chExt cx="2516749" cy="2847541"/>
+            </a:xfrm>
+          </p:grpSpPr>
+          <p:sp>
+            <p:nvSpPr>
+              <p:cNvPr id="88" name="Elipse 87">
+                <a:extLst>
+                  <a:ext uri="{FF2B5EF4-FFF2-40B4-BE49-F238E27FC236}">
+                    <a16:creationId xmlns:a16="http://schemas.microsoft.com/office/drawing/2014/main" id="{1075709B-40B2-4E7F-8A12-71413A8C40CA}"/>
+                  </a:ext>
+                </a:extLst>
+              </p:cNvPr>
+              <p:cNvSpPr/>
+              <p:nvPr/>
+            </p:nvSpPr>
+            <p:spPr>
+              <a:xfrm>
+                <a:off x="5746172" y="1194955"/>
+                <a:ext cx="1413163" cy="1413163"/>
+              </a:xfrm>
+              <a:prstGeom prst="ellipse">
+                <a:avLst/>
+              </a:prstGeom>
+              <a:solidFill>
+                <a:srgbClr val="FFC92F"/>
+              </a:solidFill>
+              <a:ln>
+                <a:noFill/>
+              </a:ln>
+            </p:spPr>
+            <p:style>
+              <a:lnRef idx="2">
+                <a:schemeClr val="accent1">
+                  <a:shade val="50000"/>
+                </a:schemeClr>
+              </a:lnRef>
+              <a:fillRef idx="1">
+                <a:schemeClr val="accent1"/>
+              </a:fillRef>
+              <a:effectRef idx="0">
+                <a:schemeClr val="accent1"/>
+              </a:effectRef>
+              <a:fontRef idx="minor">
+                <a:schemeClr val="lt1"/>
+              </a:fontRef>
+            </p:style>
+            <p:txBody>
+              <a:bodyPr rtlCol="0" anchor="ctr"/>
+              <a:lstStyle/>
+              <a:p>
+                <a:pPr algn="ctr"/>
+                <a:endParaRPr lang="pt-BR"/>
+              </a:p>
+            </p:txBody>
+          </p:sp>
+          <p:sp>
+            <p:nvSpPr>
+              <p:cNvPr id="89" name="Retângulo de cantos arredondados 5">
+                <a:extLst>
+                  <a:ext uri="{FF2B5EF4-FFF2-40B4-BE49-F238E27FC236}">
+                    <a16:creationId xmlns:a16="http://schemas.microsoft.com/office/drawing/2014/main" id="{A953E638-7B2A-4629-8A12-BE8D2FA6933B}"/>
+                  </a:ext>
+                </a:extLst>
+              </p:cNvPr>
+              <p:cNvSpPr/>
+              <p:nvPr/>
+            </p:nvSpPr>
+            <p:spPr>
+              <a:xfrm>
+                <a:off x="6008542" y="2116500"/>
+                <a:ext cx="888421" cy="840365"/>
+              </a:xfrm>
+              <a:prstGeom prst="roundRect">
+                <a:avLst>
+                  <a:gd name="adj" fmla="val 20324"/>
+                </a:avLst>
+              </a:prstGeom>
+              <a:solidFill>
+                <a:srgbClr val="FFC92F"/>
+              </a:solidFill>
+              <a:ln>
+                <a:noFill/>
+              </a:ln>
+            </p:spPr>
+            <p:style>
+              <a:lnRef idx="2">
+                <a:schemeClr val="accent1">
+                  <a:shade val="50000"/>
+                </a:schemeClr>
+              </a:lnRef>
+              <a:fillRef idx="1">
+                <a:schemeClr val="accent1"/>
+              </a:fillRef>
+              <a:effectRef idx="0">
+                <a:schemeClr val="accent1"/>
+              </a:effectRef>
+              <a:fontRef idx="minor">
+                <a:schemeClr val="lt1"/>
+              </a:fontRef>
+            </p:style>
+            <p:txBody>
+              <a:bodyPr rtlCol="0" anchor="ctr"/>
+              <a:lstStyle/>
+              <a:p>
+                <a:pPr algn="ctr"/>
+                <a:endParaRPr lang="pt-BR"/>
+              </a:p>
+            </p:txBody>
+          </p:sp>
+          <p:sp>
+            <p:nvSpPr>
+              <p:cNvPr id="90" name="Retângulo de cantos arredondados 6">
+                <a:extLst>
+                  <a:ext uri="{FF2B5EF4-FFF2-40B4-BE49-F238E27FC236}">
+                    <a16:creationId xmlns:a16="http://schemas.microsoft.com/office/drawing/2014/main" id="{6A739027-80BB-47C1-82F0-9E72B5A9665B}"/>
+                  </a:ext>
+                </a:extLst>
+              </p:cNvPr>
+              <p:cNvSpPr/>
+              <p:nvPr/>
+            </p:nvSpPr>
+            <p:spPr>
+              <a:xfrm>
+                <a:off x="6091670" y="3003134"/>
+                <a:ext cx="731213" cy="99201"/>
+              </a:xfrm>
+              <a:prstGeom prst="roundRect">
+                <a:avLst>
+                  <a:gd name="adj" fmla="val 50000"/>
+                </a:avLst>
+              </a:prstGeom>
+              <a:solidFill>
+                <a:srgbClr val="0097D0"/>
+              </a:solidFill>
+              <a:ln>
+                <a:noFill/>
+              </a:ln>
+            </p:spPr>
+            <p:style>
+              <a:lnRef idx="2">
+                <a:schemeClr val="accent1">
+                  <a:shade val="50000"/>
+                </a:schemeClr>
+              </a:lnRef>
+              <a:fillRef idx="1">
+                <a:schemeClr val="accent1"/>
+              </a:fillRef>
+              <a:effectRef idx="0">
+                <a:schemeClr val="accent1"/>
+              </a:effectRef>
+              <a:fontRef idx="minor">
+                <a:schemeClr val="lt1"/>
+              </a:fontRef>
+            </p:style>
+            <p:txBody>
+              <a:bodyPr rtlCol="0" anchor="ctr"/>
+              <a:lstStyle/>
+              <a:p>
+                <a:pPr algn="ctr"/>
+                <a:endParaRPr lang="pt-BR"/>
+              </a:p>
+            </p:txBody>
+          </p:sp>
+          <p:sp>
+            <p:nvSpPr>
+              <p:cNvPr id="91" name="Retângulo de cantos arredondados 9">
+                <a:extLst>
+                  <a:ext uri="{FF2B5EF4-FFF2-40B4-BE49-F238E27FC236}">
+                    <a16:creationId xmlns:a16="http://schemas.microsoft.com/office/drawing/2014/main" id="{48BAB0E7-92B5-4FFD-B439-50EA7AFC83F5}"/>
+                  </a:ext>
+                </a:extLst>
+              </p:cNvPr>
+              <p:cNvSpPr/>
+              <p:nvPr/>
+            </p:nvSpPr>
+            <p:spPr>
+              <a:xfrm>
+                <a:off x="6137191" y="3172851"/>
+                <a:ext cx="638178" cy="115436"/>
+              </a:xfrm>
+              <a:prstGeom prst="roundRect">
+                <a:avLst>
+                  <a:gd name="adj" fmla="val 50000"/>
+                </a:avLst>
+              </a:prstGeom>
+              <a:solidFill>
+                <a:srgbClr val="0097D0"/>
+              </a:solidFill>
+              <a:ln>
+                <a:noFill/>
+              </a:ln>
+            </p:spPr>
+            <p:style>
+              <a:lnRef idx="2">
+                <a:schemeClr val="accent1">
+                  <a:shade val="50000"/>
+                </a:schemeClr>
+              </a:lnRef>
+              <a:fillRef idx="1">
+                <a:schemeClr val="accent1"/>
+              </a:fillRef>
+              <a:effectRef idx="0">
+                <a:schemeClr val="accent1"/>
+              </a:effectRef>
+              <a:fontRef idx="minor">
+                <a:schemeClr val="lt1"/>
+              </a:fontRef>
+            </p:style>
+            <p:txBody>
+              <a:bodyPr rtlCol="0" anchor="ctr"/>
+              <a:lstStyle/>
+              <a:p>
+                <a:pPr algn="ctr"/>
+                <a:endParaRPr lang="pt-BR"/>
+              </a:p>
+            </p:txBody>
+          </p:sp>
+          <p:sp>
+            <p:nvSpPr>
+              <p:cNvPr id="92" name="Elipse 7">
+                <a:extLst>
+                  <a:ext uri="{FF2B5EF4-FFF2-40B4-BE49-F238E27FC236}">
+                    <a16:creationId xmlns:a16="http://schemas.microsoft.com/office/drawing/2014/main" id="{C104BFCD-D5C7-4F31-BEFD-EAB12553B57B}"/>
+                  </a:ext>
+                </a:extLst>
+              </p:cNvPr>
+              <p:cNvSpPr/>
+              <p:nvPr/>
+            </p:nvSpPr>
+            <p:spPr>
+              <a:xfrm>
+                <a:off x="6162736" y="3334614"/>
+                <a:ext cx="587087" cy="146772"/>
+              </a:xfrm>
+              <a:custGeom>
+                <a:avLst/>
+                <a:gdLst/>
+                <a:ahLst/>
+                <a:cxnLst/>
+                <a:rect l="l" t="t" r="r" b="b"/>
+                <a:pathLst>
+                  <a:path w="1174174" h="587088">
+                    <a:moveTo>
+                      <a:pt x="0" y="0"/>
+                    </a:moveTo>
+                    <a:lnTo>
+                      <a:pt x="1174174" y="0"/>
+                    </a:lnTo>
+                    <a:cubicBezTo>
+                      <a:pt x="1174174" y="1"/>
+                      <a:pt x="1174174" y="1"/>
+                      <a:pt x="1174174" y="1"/>
+                    </a:cubicBezTo>
+                    <a:cubicBezTo>
+                      <a:pt x="1174174" y="324240"/>
+                      <a:pt x="911326" y="587088"/>
+                      <a:pt x="587087" y="587088"/>
+                    </a:cubicBezTo>
+                    <a:cubicBezTo>
+                      <a:pt x="262848" y="587088"/>
+                      <a:pt x="0" y="324240"/>
+                      <a:pt x="0" y="1"/>
+                    </a:cubicBezTo>
+                    <a:close/>
+                  </a:path>
+                </a:pathLst>
+              </a:custGeom>
+              <a:solidFill>
+                <a:srgbClr val="0097D0"/>
+              </a:solidFill>
+              <a:ln>
+                <a:noFill/>
+              </a:ln>
+            </p:spPr>
+            <p:style>
+              <a:lnRef idx="2">
+                <a:schemeClr val="accent1">
+                  <a:shade val="50000"/>
+                </a:schemeClr>
+              </a:lnRef>
+              <a:fillRef idx="1">
+                <a:schemeClr val="accent1"/>
+              </a:fillRef>
+              <a:effectRef idx="0">
+                <a:schemeClr val="accent1"/>
+              </a:effectRef>
+              <a:fontRef idx="minor">
+                <a:schemeClr val="lt1"/>
+              </a:fontRef>
+            </p:style>
+            <p:txBody>
+              <a:bodyPr rtlCol="0" anchor="ctr"/>
+              <a:lstStyle/>
+              <a:p>
+                <a:pPr algn="ctr"/>
+                <a:endParaRPr lang="pt-BR"/>
+              </a:p>
+            </p:txBody>
+          </p:sp>
+          <p:sp>
+            <p:nvSpPr>
+              <p:cNvPr id="93" name="Retângulo de cantos arredondados 11">
+                <a:extLst>
+                  <a:ext uri="{FF2B5EF4-FFF2-40B4-BE49-F238E27FC236}">
+                    <a16:creationId xmlns:a16="http://schemas.microsoft.com/office/drawing/2014/main" id="{ACD27840-9025-418D-A008-F5AD577C9D7C}"/>
+                  </a:ext>
+                </a:extLst>
+              </p:cNvPr>
+              <p:cNvSpPr/>
+              <p:nvPr/>
+            </p:nvSpPr>
+            <p:spPr>
+              <a:xfrm>
+                <a:off x="6414382" y="633845"/>
+                <a:ext cx="46543" cy="435364"/>
+              </a:xfrm>
+              <a:prstGeom prst="roundRect">
+                <a:avLst>
+                  <a:gd name="adj" fmla="val 50000"/>
+                </a:avLst>
+              </a:prstGeom>
+              <a:solidFill>
+                <a:srgbClr val="F4EB3A"/>
+              </a:solidFill>
+              <a:ln>
+                <a:noFill/>
+              </a:ln>
+            </p:spPr>
+            <p:style>
+              <a:lnRef idx="2">
+                <a:schemeClr val="accent1">
+                  <a:shade val="50000"/>
+                </a:schemeClr>
+              </a:lnRef>
+              <a:fillRef idx="1">
+                <a:schemeClr val="accent1"/>
+              </a:fillRef>
+              <a:effectRef idx="0">
+                <a:schemeClr val="accent1"/>
+              </a:effectRef>
+              <a:fontRef idx="minor">
+                <a:schemeClr val="lt1"/>
+              </a:fontRef>
+            </p:style>
+            <p:txBody>
+              <a:bodyPr rtlCol="0" anchor="ctr"/>
+              <a:lstStyle/>
+              <a:p>
+                <a:pPr algn="ctr"/>
+                <a:endParaRPr lang="pt-BR"/>
+              </a:p>
+            </p:txBody>
+          </p:sp>
+          <p:sp>
+            <p:nvSpPr>
+              <p:cNvPr id="94" name="Retângulo de cantos arredondados 14">
+                <a:extLst>
+                  <a:ext uri="{FF2B5EF4-FFF2-40B4-BE49-F238E27FC236}">
+                    <a16:creationId xmlns:a16="http://schemas.microsoft.com/office/drawing/2014/main" id="{844DBE5C-9B85-4907-850E-93DBE0DC190F}"/>
+                  </a:ext>
+                </a:extLst>
+              </p:cNvPr>
+              <p:cNvSpPr/>
+              <p:nvPr/>
+            </p:nvSpPr>
+            <p:spPr>
+              <a:xfrm rot="17958183" flipV="1">
+                <a:off x="6682654" y="916882"/>
+                <a:ext cx="464576" cy="45719"/>
+              </a:xfrm>
+              <a:prstGeom prst="roundRect">
+                <a:avLst>
+                  <a:gd name="adj" fmla="val 50000"/>
+                </a:avLst>
+              </a:prstGeom>
+              <a:solidFill>
+                <a:srgbClr val="F4EB3A"/>
+              </a:solidFill>
+              <a:ln>
+                <a:noFill/>
+              </a:ln>
+            </p:spPr>
+            <p:style>
+              <a:lnRef idx="2">
+                <a:schemeClr val="accent1">
+                  <a:shade val="50000"/>
+                </a:schemeClr>
+              </a:lnRef>
+              <a:fillRef idx="1">
+                <a:schemeClr val="accent1"/>
+              </a:fillRef>
+              <a:effectRef idx="0">
+                <a:schemeClr val="accent1"/>
+              </a:effectRef>
+              <a:fontRef idx="minor">
+                <a:schemeClr val="lt1"/>
+              </a:fontRef>
+            </p:style>
+            <p:txBody>
+              <a:bodyPr rtlCol="0" anchor="ctr"/>
+              <a:lstStyle/>
+              <a:p>
+                <a:pPr algn="ctr"/>
+                <a:endParaRPr lang="pt-BR"/>
+              </a:p>
+            </p:txBody>
+          </p:sp>
+          <p:sp>
+            <p:nvSpPr>
+              <p:cNvPr id="95" name="Retângulo de cantos arredondados 16">
+                <a:extLst>
+                  <a:ext uri="{FF2B5EF4-FFF2-40B4-BE49-F238E27FC236}">
+                    <a16:creationId xmlns:a16="http://schemas.microsoft.com/office/drawing/2014/main" id="{014E330A-CD60-432C-BB83-738701A15A81}"/>
+                  </a:ext>
+                </a:extLst>
+              </p:cNvPr>
+              <p:cNvSpPr/>
+              <p:nvPr/>
+            </p:nvSpPr>
+            <p:spPr>
+              <a:xfrm rot="3641817" flipH="1" flipV="1">
+                <a:off x="5765863" y="916881"/>
+                <a:ext cx="464576" cy="45719"/>
+              </a:xfrm>
+              <a:prstGeom prst="roundRect">
+                <a:avLst>
+                  <a:gd name="adj" fmla="val 50000"/>
+                </a:avLst>
+              </a:prstGeom>
+              <a:solidFill>
+                <a:srgbClr val="F4EB3A"/>
+              </a:solidFill>
+              <a:ln>
+                <a:noFill/>
+              </a:ln>
+            </p:spPr>
+            <p:style>
+              <a:lnRef idx="2">
+                <a:schemeClr val="accent1">
+                  <a:shade val="50000"/>
+                </a:schemeClr>
+              </a:lnRef>
+              <a:fillRef idx="1">
+                <a:schemeClr val="accent1"/>
+              </a:fillRef>
+              <a:effectRef idx="0">
+                <a:schemeClr val="accent1"/>
+              </a:effectRef>
+              <a:fontRef idx="minor">
+                <a:schemeClr val="lt1"/>
+              </a:fontRef>
+            </p:style>
+            <p:txBody>
+              <a:bodyPr rtlCol="0" anchor="ctr"/>
+              <a:lstStyle/>
+              <a:p>
+                <a:pPr algn="ctr"/>
+                <a:endParaRPr lang="pt-BR"/>
+              </a:p>
+            </p:txBody>
+          </p:sp>
+          <p:sp>
+            <p:nvSpPr>
+              <p:cNvPr id="96" name="Retângulo de cantos arredondados 17">
+                <a:extLst>
+                  <a:ext uri="{FF2B5EF4-FFF2-40B4-BE49-F238E27FC236}">
+                    <a16:creationId xmlns:a16="http://schemas.microsoft.com/office/drawing/2014/main" id="{2485097C-A814-4D11-A953-3A857E360D8A}"/>
+                  </a:ext>
+                </a:extLst>
+              </p:cNvPr>
+              <p:cNvSpPr/>
+              <p:nvPr/>
+            </p:nvSpPr>
+            <p:spPr>
+              <a:xfrm rot="19532641" flipV="1">
+                <a:off x="7050279" y="1172095"/>
+                <a:ext cx="464576" cy="45719"/>
+              </a:xfrm>
+              <a:prstGeom prst="roundRect">
+                <a:avLst>
+                  <a:gd name="adj" fmla="val 50000"/>
+                </a:avLst>
+              </a:prstGeom>
+              <a:solidFill>
+                <a:srgbClr val="F4EB3A"/>
+              </a:solidFill>
+              <a:ln>
+                <a:noFill/>
+              </a:ln>
+            </p:spPr>
+            <p:style>
+              <a:lnRef idx="2">
+                <a:schemeClr val="accent1">
+                  <a:shade val="50000"/>
+                </a:schemeClr>
+              </a:lnRef>
+              <a:fillRef idx="1">
+                <a:schemeClr val="accent1"/>
+              </a:fillRef>
+              <a:effectRef idx="0">
+                <a:schemeClr val="accent1"/>
+              </a:effectRef>
+              <a:fontRef idx="minor">
+                <a:schemeClr val="lt1"/>
+              </a:fontRef>
+            </p:style>
+            <p:txBody>
+              <a:bodyPr rtlCol="0" anchor="ctr"/>
+              <a:lstStyle/>
+              <a:p>
+                <a:pPr algn="ctr"/>
+                <a:endParaRPr lang="pt-BR"/>
+              </a:p>
+            </p:txBody>
+          </p:sp>
+          <p:sp>
+            <p:nvSpPr>
+              <p:cNvPr id="97" name="Retângulo de cantos arredondados 18">
+                <a:extLst>
+                  <a:ext uri="{FF2B5EF4-FFF2-40B4-BE49-F238E27FC236}">
+                    <a16:creationId xmlns:a16="http://schemas.microsoft.com/office/drawing/2014/main" id="{01E64A9A-81A7-4F77-BEA8-1244C5D80E42}"/>
+                  </a:ext>
+                </a:extLst>
+              </p:cNvPr>
+              <p:cNvSpPr/>
+              <p:nvPr/>
+            </p:nvSpPr>
+            <p:spPr>
+              <a:xfrm rot="2067359" flipH="1" flipV="1">
+                <a:off x="5415202" y="1170247"/>
+                <a:ext cx="464576" cy="45719"/>
+              </a:xfrm>
+              <a:prstGeom prst="roundRect">
+                <a:avLst>
+                  <a:gd name="adj" fmla="val 50000"/>
+                </a:avLst>
+              </a:prstGeom>
+              <a:solidFill>
+                <a:srgbClr val="F4EB3A"/>
+              </a:solidFill>
+              <a:ln>
+                <a:noFill/>
+              </a:ln>
+            </p:spPr>
+            <p:style>
+              <a:lnRef idx="2">
+                <a:schemeClr val="accent1">
+                  <a:shade val="50000"/>
+                </a:schemeClr>
+              </a:lnRef>
+              <a:fillRef idx="1">
+                <a:schemeClr val="accent1"/>
+              </a:fillRef>
+              <a:effectRef idx="0">
+                <a:schemeClr val="accent1"/>
+              </a:effectRef>
+              <a:fontRef idx="minor">
+                <a:schemeClr val="lt1"/>
+              </a:fontRef>
+            </p:style>
+            <p:txBody>
+              <a:bodyPr rtlCol="0" anchor="ctr"/>
+              <a:lstStyle/>
+              <a:p>
+                <a:pPr algn="ctr"/>
+                <a:endParaRPr lang="pt-BR"/>
+              </a:p>
+            </p:txBody>
+          </p:sp>
+          <p:sp>
+            <p:nvSpPr>
+              <p:cNvPr id="98" name="Retângulo de cantos arredondados 19">
+                <a:extLst>
+                  <a:ext uri="{FF2B5EF4-FFF2-40B4-BE49-F238E27FC236}">
+                    <a16:creationId xmlns:a16="http://schemas.microsoft.com/office/drawing/2014/main" id="{526DDDFB-D53E-4E5F-A021-EB2E4E46A9D0}"/>
+                  </a:ext>
+                </a:extLst>
+              </p:cNvPr>
+              <p:cNvSpPr/>
+              <p:nvPr/>
+            </p:nvSpPr>
+            <p:spPr>
+              <a:xfrm rot="21029673" flipV="1">
+                <a:off x="7254747" y="1539929"/>
+                <a:ext cx="464576" cy="45719"/>
+              </a:xfrm>
+              <a:prstGeom prst="roundRect">
+                <a:avLst>
+                  <a:gd name="adj" fmla="val 50000"/>
+                </a:avLst>
+              </a:prstGeom>
+              <a:solidFill>
+                <a:srgbClr val="F4EB3A"/>
+              </a:solidFill>
+              <a:ln>
+                <a:noFill/>
+              </a:ln>
+            </p:spPr>
+            <p:style>
+              <a:lnRef idx="2">
+                <a:schemeClr val="accent1">
+                  <a:shade val="50000"/>
+                </a:schemeClr>
+              </a:lnRef>
+              <a:fillRef idx="1">
+                <a:schemeClr val="accent1"/>
+              </a:fillRef>
+              <a:effectRef idx="0">
+                <a:schemeClr val="accent1"/>
+              </a:effectRef>
+              <a:fontRef idx="minor">
+                <a:schemeClr val="lt1"/>
+              </a:fontRef>
+            </p:style>
+            <p:txBody>
+              <a:bodyPr rtlCol="0" anchor="ctr"/>
+              <a:lstStyle/>
+              <a:p>
+                <a:pPr algn="ctr"/>
+                <a:endParaRPr lang="pt-BR"/>
+              </a:p>
+            </p:txBody>
+          </p:sp>
+          <p:sp>
+            <p:nvSpPr>
+              <p:cNvPr id="99" name="Retângulo de cantos arredondados 20">
+                <a:extLst>
+                  <a:ext uri="{FF2B5EF4-FFF2-40B4-BE49-F238E27FC236}">
+                    <a16:creationId xmlns:a16="http://schemas.microsoft.com/office/drawing/2014/main" id="{AA49988C-E07F-454A-84D6-E4829FC89802}"/>
+                  </a:ext>
+                </a:extLst>
+              </p:cNvPr>
+              <p:cNvSpPr/>
+              <p:nvPr/>
+            </p:nvSpPr>
+            <p:spPr>
+              <a:xfrm rot="570327" flipH="1" flipV="1">
+                <a:off x="5202574" y="1651350"/>
+                <a:ext cx="464576" cy="45719"/>
+              </a:xfrm>
+              <a:prstGeom prst="roundRect">
+                <a:avLst>
+                  <a:gd name="adj" fmla="val 50000"/>
+                </a:avLst>
+              </a:prstGeom>
+              <a:solidFill>
+                <a:srgbClr val="F4EB3A"/>
+              </a:solidFill>
+              <a:ln>
+                <a:noFill/>
+              </a:ln>
+            </p:spPr>
+            <p:style>
+              <a:lnRef idx="2">
+                <a:schemeClr val="accent1">
+                  <a:shade val="50000"/>
+                </a:schemeClr>
+              </a:lnRef>
+              <a:fillRef idx="1">
+                <a:schemeClr val="accent1"/>
+              </a:fillRef>
+              <a:effectRef idx="0">
+                <a:schemeClr val="accent1"/>
+              </a:effectRef>
+              <a:fontRef idx="minor">
+                <a:schemeClr val="lt1"/>
+              </a:fontRef>
+            </p:style>
+            <p:txBody>
+              <a:bodyPr rtlCol="0" anchor="ctr"/>
+              <a:lstStyle/>
+              <a:p>
+                <a:pPr algn="ctr"/>
+                <a:endParaRPr lang="pt-BR"/>
+              </a:p>
+            </p:txBody>
+          </p:sp>
+        </p:grpSp>
+        <p:sp>
+          <p:nvSpPr>
+            <p:cNvPr id="87" name="Retângulo de cantos arredondados 1">
+              <a:extLst>
+                <a:ext uri="{FF2B5EF4-FFF2-40B4-BE49-F238E27FC236}">
+                  <a16:creationId xmlns:a16="http://schemas.microsoft.com/office/drawing/2014/main" id="{B9A6F036-16F7-4DA9-A0D4-1348D411B498}"/>
+                </a:ext>
+              </a:extLst>
+            </p:cNvPr>
+            <p:cNvSpPr/>
+            <p:nvPr/>
+          </p:nvSpPr>
+          <p:spPr>
+            <a:xfrm>
+              <a:off x="6061564" y="2250639"/>
+              <a:ext cx="300901" cy="743523"/>
+            </a:xfrm>
+            <a:prstGeom prst="roundRect">
+              <a:avLst>
+                <a:gd name="adj" fmla="val 50000"/>
+              </a:avLst>
+            </a:prstGeom>
+            <a:solidFill>
+              <a:srgbClr val="FFD55D"/>
+            </a:solidFill>
+            <a:ln>
+              <a:noFill/>
+            </a:ln>
+          </p:spPr>
+          <p:style>
+            <a:lnRef idx="2">
+              <a:schemeClr val="accent1">
+                <a:shade val="50000"/>
+              </a:schemeClr>
+            </a:lnRef>
+            <a:fillRef idx="1">
+              <a:schemeClr val="accent1"/>
+            </a:fillRef>
+            <a:effectRef idx="0">
+              <a:schemeClr val="accent1"/>
+            </a:effectRef>
+            <a:fontRef idx="minor">
+              <a:schemeClr val="lt1"/>
+            </a:fontRef>
+          </p:style>
+          <p:txBody>
+            <a:bodyPr rtlCol="0" anchor="ctr"/>
+            <a:lstStyle/>
+            <a:p>
+              <a:pPr algn="ctr"/>
+              <a:endParaRPr lang="pt-BR"/>
+            </a:p>
+          </p:txBody>
+        </p:sp>
+      </p:grpSp>
+      <p:grpSp>
+        <p:nvGrpSpPr>
+          <p:cNvPr id="100" name="Grupo 1788">
+            <a:extLst>
+              <a:ext uri="{FF2B5EF4-FFF2-40B4-BE49-F238E27FC236}">
+                <a16:creationId xmlns:a16="http://schemas.microsoft.com/office/drawing/2014/main" id="{7461C5A6-169A-4130-9D6E-AD47125023CC}"/>
+              </a:ext>
+            </a:extLst>
+          </p:cNvPr>
+          <p:cNvGrpSpPr/>
+          <p:nvPr/>
+        </p:nvGrpSpPr>
+        <p:grpSpPr>
+          <a:xfrm>
+            <a:off x="3720005" y="3521974"/>
+            <a:ext cx="1850872" cy="1850872"/>
+            <a:chOff x="3714343" y="3860321"/>
+            <a:chExt cx="1944216" cy="1944216"/>
+          </a:xfrm>
+        </p:grpSpPr>
+        <p:sp>
+          <p:nvSpPr>
+            <p:cNvPr id="101" name="Elipse 100">
+              <a:extLst>
+                <a:ext uri="{FF2B5EF4-FFF2-40B4-BE49-F238E27FC236}">
+                  <a16:creationId xmlns:a16="http://schemas.microsoft.com/office/drawing/2014/main" id="{38742ADF-AEA9-43CC-9079-416EF2E13527}"/>
+                </a:ext>
+              </a:extLst>
+            </p:cNvPr>
+            <p:cNvSpPr/>
+            <p:nvPr/>
+          </p:nvSpPr>
+          <p:spPr>
+            <a:xfrm>
+              <a:off x="3714343" y="3860321"/>
+              <a:ext cx="1944216" cy="1944216"/>
+            </a:xfrm>
+            <a:prstGeom prst="ellipse">
+              <a:avLst/>
+            </a:prstGeom>
+            <a:solidFill>
+              <a:srgbClr val="8FFF00"/>
+            </a:solidFill>
+            <a:ln>
+              <a:noFill/>
+            </a:ln>
+          </p:spPr>
+          <p:style>
+            <a:lnRef idx="2">
+              <a:schemeClr val="accent1">
+                <a:shade val="50000"/>
+              </a:schemeClr>
+            </a:lnRef>
+            <a:fillRef idx="1">
+              <a:schemeClr val="accent1"/>
+            </a:fillRef>
+            <a:effectRef idx="0">
+              <a:schemeClr val="accent1"/>
+            </a:effectRef>
+            <a:fontRef idx="minor">
+              <a:schemeClr val="lt1"/>
+            </a:fontRef>
+          </p:style>
+          <p:txBody>
+            <a:bodyPr rtlCol="0" anchor="ctr"/>
+            <a:lstStyle/>
+            <a:p>
+              <a:pPr algn="ctr"/>
+              <a:endParaRPr lang="pt-BR"/>
+            </a:p>
+          </p:txBody>
+        </p:sp>
+        <p:grpSp>
+          <p:nvGrpSpPr>
+            <p:cNvPr id="102" name="Grupo 1790">
+              <a:extLst>
+                <a:ext uri="{FF2B5EF4-FFF2-40B4-BE49-F238E27FC236}">
+                  <a16:creationId xmlns:a16="http://schemas.microsoft.com/office/drawing/2014/main" id="{6D43D376-F6A3-4F6A-9EAD-D1B435DCB050}"/>
+                </a:ext>
+              </a:extLst>
+            </p:cNvPr>
+            <p:cNvGrpSpPr/>
+            <p:nvPr/>
+          </p:nvGrpSpPr>
+          <p:grpSpPr>
+            <a:xfrm>
+              <a:off x="4345678" y="4395051"/>
+              <a:ext cx="577575" cy="995754"/>
+              <a:chOff x="4068763" y="3780308"/>
+              <a:chExt cx="1274945" cy="2198036"/>
+            </a:xfrm>
+            <a:solidFill>
+              <a:srgbClr val="3EA6C2"/>
+            </a:solidFill>
+          </p:grpSpPr>
+          <p:sp>
+            <p:nvSpPr>
+              <p:cNvPr id="103" name="Retângulo de cantos arredondados 1791">
+                <a:extLst>
+                  <a:ext uri="{FF2B5EF4-FFF2-40B4-BE49-F238E27FC236}">
+                    <a16:creationId xmlns:a16="http://schemas.microsoft.com/office/drawing/2014/main" id="{4B123B1B-B697-4739-9850-D783B40E8A54}"/>
+                  </a:ext>
+                </a:extLst>
+              </p:cNvPr>
+              <p:cNvSpPr/>
+              <p:nvPr/>
+            </p:nvSpPr>
+            <p:spPr>
+              <a:xfrm rot="2700000">
+                <a:off x="3721287" y="5055089"/>
+                <a:ext cx="1212631" cy="517679"/>
+              </a:xfrm>
+              <a:prstGeom prst="roundRect">
+                <a:avLst>
+                  <a:gd name="adj" fmla="val 50000"/>
+                </a:avLst>
+              </a:prstGeom>
+              <a:solidFill>
+                <a:schemeClr val="bg1"/>
+              </a:solidFill>
+              <a:ln>
+                <a:noFill/>
+              </a:ln>
+            </p:spPr>
+            <p:style>
+              <a:lnRef idx="2">
+                <a:schemeClr val="accent1">
+                  <a:shade val="50000"/>
+                </a:schemeClr>
+              </a:lnRef>
+              <a:fillRef idx="1">
+                <a:schemeClr val="accent1"/>
+              </a:fillRef>
+              <a:effectRef idx="0">
+                <a:schemeClr val="accent1"/>
+              </a:effectRef>
+              <a:fontRef idx="minor">
+                <a:schemeClr val="lt1"/>
+              </a:fontRef>
+            </p:style>
+            <p:txBody>
+              <a:bodyPr rtlCol="0" anchor="ctr"/>
+              <a:lstStyle/>
+              <a:p>
+                <a:pPr algn="ctr"/>
+                <a:endParaRPr lang="pt-BR"/>
+              </a:p>
+            </p:txBody>
+          </p:sp>
+          <p:sp>
+            <p:nvSpPr>
+              <p:cNvPr id="104" name="Retângulo de cantos arredondados 1792">
+                <a:extLst>
+                  <a:ext uri="{FF2B5EF4-FFF2-40B4-BE49-F238E27FC236}">
+                    <a16:creationId xmlns:a16="http://schemas.microsoft.com/office/drawing/2014/main" id="{7B7CD87C-BB1B-4B9F-AFDA-4E3A8A4D880E}"/>
+                  </a:ext>
+                </a:extLst>
+              </p:cNvPr>
+              <p:cNvSpPr/>
+              <p:nvPr/>
+            </p:nvSpPr>
+            <p:spPr>
+              <a:xfrm rot="18000000" flipH="1">
+                <a:off x="3985851" y="4620486"/>
+                <a:ext cx="2198036" cy="517679"/>
+              </a:xfrm>
+              <a:prstGeom prst="roundRect">
+                <a:avLst>
+                  <a:gd name="adj" fmla="val 50000"/>
+                </a:avLst>
+              </a:prstGeom>
+              <a:solidFill>
+                <a:schemeClr val="bg1"/>
+              </a:solidFill>
+              <a:ln>
+                <a:noFill/>
+              </a:ln>
+            </p:spPr>
+            <p:style>
+              <a:lnRef idx="2">
+                <a:schemeClr val="accent1">
+                  <a:shade val="50000"/>
+                </a:schemeClr>
+              </a:lnRef>
+              <a:fillRef idx="1">
+                <a:schemeClr val="accent1"/>
+              </a:fillRef>
+              <a:effectRef idx="0">
+                <a:schemeClr val="accent1"/>
+              </a:effectRef>
+              <a:fontRef idx="minor">
+                <a:schemeClr val="lt1"/>
+              </a:fontRef>
+            </p:style>
+            <p:txBody>
+              <a:bodyPr rtlCol="0" anchor="ctr"/>
+              <a:lstStyle/>
+              <a:p>
+                <a:pPr algn="ctr"/>
+                <a:endParaRPr lang="pt-BR"/>
+              </a:p>
+            </p:txBody>
+          </p:sp>
+        </p:grpSp>
+      </p:grpSp>
+      <p:grpSp>
+        <p:nvGrpSpPr>
+          <p:cNvPr id="105" name="Grupo 7">
+            <a:extLst>
+              <a:ext uri="{FF2B5EF4-FFF2-40B4-BE49-F238E27FC236}">
+                <a16:creationId xmlns:a16="http://schemas.microsoft.com/office/drawing/2014/main" id="{595E4ED0-23E8-4327-8480-AC85E562591B}"/>
+              </a:ext>
+            </a:extLst>
+          </p:cNvPr>
+          <p:cNvGrpSpPr/>
+          <p:nvPr/>
+        </p:nvGrpSpPr>
+        <p:grpSpPr>
+          <a:xfrm>
+            <a:off x="6291363" y="3474244"/>
+            <a:ext cx="1965606" cy="1940383"/>
+            <a:chOff x="2797629" y="1915886"/>
+            <a:chExt cx="2677886" cy="2677886"/>
+          </a:xfrm>
+        </p:grpSpPr>
+        <p:sp>
+          <p:nvSpPr>
+            <p:cNvPr id="106" name="Elipse 105">
+              <a:extLst>
+                <a:ext uri="{FF2B5EF4-FFF2-40B4-BE49-F238E27FC236}">
+                  <a16:creationId xmlns:a16="http://schemas.microsoft.com/office/drawing/2014/main" id="{381BB152-AC6A-4A49-8886-CBFF817A15FE}"/>
+                </a:ext>
+              </a:extLst>
+            </p:cNvPr>
+            <p:cNvSpPr/>
+            <p:nvPr/>
+          </p:nvSpPr>
+          <p:spPr>
+            <a:xfrm>
+              <a:off x="2797629" y="1915886"/>
+              <a:ext cx="2677886" cy="2677886"/>
+            </a:xfrm>
+            <a:prstGeom prst="ellipse">
+              <a:avLst/>
+            </a:prstGeom>
+            <a:solidFill>
+              <a:srgbClr val="FF3B3B"/>
+            </a:solidFill>
+            <a:ln>
+              <a:noFill/>
+            </a:ln>
+          </p:spPr>
+          <p:style>
+            <a:lnRef idx="2">
+              <a:schemeClr val="accent1">
+                <a:shade val="50000"/>
+              </a:schemeClr>
+            </a:lnRef>
+            <a:fillRef idx="1">
+              <a:schemeClr val="accent1"/>
+            </a:fillRef>
+            <a:effectRef idx="0">
+              <a:schemeClr val="accent1"/>
+            </a:effectRef>
+            <a:fontRef idx="minor">
+              <a:schemeClr val="lt1"/>
+            </a:fontRef>
+          </p:style>
+          <p:txBody>
+            <a:bodyPr rtlCol="0" anchor="ctr"/>
+            <a:lstStyle/>
+            <a:p>
+              <a:pPr algn="ctr"/>
+              <a:endParaRPr lang="pt-BR" u="sng"/>
+            </a:p>
+          </p:txBody>
+        </p:sp>
+        <p:grpSp>
+          <p:nvGrpSpPr>
+            <p:cNvPr id="107" name="Grupo 6">
+              <a:extLst>
+                <a:ext uri="{FF2B5EF4-FFF2-40B4-BE49-F238E27FC236}">
+                  <a16:creationId xmlns:a16="http://schemas.microsoft.com/office/drawing/2014/main" id="{B7BE1647-D53C-4E4A-A125-A030DC9F6223}"/>
+                </a:ext>
+              </a:extLst>
+            </p:cNvPr>
+            <p:cNvGrpSpPr/>
+            <p:nvPr/>
+          </p:nvGrpSpPr>
+          <p:grpSpPr>
+            <a:xfrm>
+              <a:off x="3881291" y="2302195"/>
+              <a:ext cx="510561" cy="1905268"/>
+              <a:chOff x="3548743" y="1322614"/>
+              <a:chExt cx="892628" cy="3331029"/>
+            </a:xfrm>
+          </p:grpSpPr>
+          <p:sp>
+            <p:nvSpPr>
+              <p:cNvPr id="108" name="Retângulo de cantos arredondados 4">
+                <a:extLst>
+                  <a:ext uri="{FF2B5EF4-FFF2-40B4-BE49-F238E27FC236}">
+                    <a16:creationId xmlns:a16="http://schemas.microsoft.com/office/drawing/2014/main" id="{D5CEBACA-0BAC-4830-925D-42F143D72BB5}"/>
+                  </a:ext>
+                </a:extLst>
+              </p:cNvPr>
+              <p:cNvSpPr/>
+              <p:nvPr/>
+            </p:nvSpPr>
+            <p:spPr>
+              <a:xfrm>
+                <a:off x="3592286" y="1322614"/>
+                <a:ext cx="805543" cy="2296886"/>
+              </a:xfrm>
+              <a:prstGeom prst="roundRect">
+                <a:avLst>
+                  <a:gd name="adj" fmla="val 50000"/>
+                </a:avLst>
+              </a:prstGeom>
+              <a:solidFill>
+                <a:schemeClr val="bg1"/>
+              </a:solidFill>
+              <a:ln>
+                <a:noFill/>
+              </a:ln>
+            </p:spPr>
+            <p:style>
+              <a:lnRef idx="2">
+                <a:schemeClr val="accent1">
+                  <a:shade val="50000"/>
+                </a:schemeClr>
+              </a:lnRef>
+              <a:fillRef idx="1">
+                <a:schemeClr val="accent1"/>
+              </a:fillRef>
+              <a:effectRef idx="0">
+                <a:schemeClr val="accent1"/>
+              </a:effectRef>
+              <a:fontRef idx="minor">
+                <a:schemeClr val="lt1"/>
+              </a:fontRef>
+            </p:style>
+            <p:txBody>
+              <a:bodyPr rtlCol="0" anchor="ctr"/>
+              <a:lstStyle/>
+              <a:p>
+                <a:pPr algn="ctr"/>
+                <a:endParaRPr lang="pt-BR"/>
+              </a:p>
+            </p:txBody>
+          </p:sp>
+          <p:sp>
+            <p:nvSpPr>
+              <p:cNvPr id="109" name="Elipse 108">
+                <a:extLst>
+                  <a:ext uri="{FF2B5EF4-FFF2-40B4-BE49-F238E27FC236}">
+                    <a16:creationId xmlns:a16="http://schemas.microsoft.com/office/drawing/2014/main" id="{82CDC6C8-E802-42B3-92C3-C8356C9E4AD8}"/>
+                  </a:ext>
+                </a:extLst>
+              </p:cNvPr>
+              <p:cNvSpPr/>
+              <p:nvPr/>
+            </p:nvSpPr>
+            <p:spPr>
+              <a:xfrm>
+                <a:off x="3548743" y="3761015"/>
+                <a:ext cx="892628" cy="892628"/>
+              </a:xfrm>
+              <a:prstGeom prst="ellipse">
+                <a:avLst/>
+              </a:prstGeom>
+              <a:solidFill>
+                <a:schemeClr val="bg1"/>
+              </a:solidFill>
+              <a:ln>
+                <a:noFill/>
+              </a:ln>
+            </p:spPr>
+            <p:style>
+              <a:lnRef idx="2">
+                <a:schemeClr val="accent1">
+                  <a:shade val="50000"/>
+                </a:schemeClr>
+              </a:lnRef>
+              <a:fillRef idx="1">
+                <a:schemeClr val="accent1"/>
+              </a:fillRef>
+              <a:effectRef idx="0">
+                <a:schemeClr val="accent1"/>
+              </a:effectRef>
+              <a:fontRef idx="minor">
+                <a:schemeClr val="lt1"/>
+              </a:fontRef>
+            </p:style>
+            <p:txBody>
+              <a:bodyPr rtlCol="0" anchor="ctr"/>
+              <a:lstStyle/>
+              <a:p>
+                <a:pPr algn="ctr"/>
+                <a:endParaRPr lang="pt-BR"/>
+              </a:p>
+            </p:txBody>
+          </p:sp>
+        </p:grpSp>
+      </p:grpSp>
     </p:spTree>
     <p:extLst>
       <p:ext uri="{BB962C8B-B14F-4D97-AF65-F5344CB8AC3E}">
@@ -23839,10 +20533,199 @@
   <p:transition spd="slow">
     <p:push dir="u"/>
   </p:transition>
+  <p:timing>
+    <p:tnLst>
+      <p:par>
+        <p:cTn id="1" dur="indefinite" restart="never" nodeType="tmRoot">
+          <p:childTnLst>
+            <p:seq concurrent="1" nextAc="seek">
+              <p:cTn id="2" dur="indefinite" nodeType="mainSeq">
+                <p:childTnLst>
+                  <p:par>
+                    <p:cTn id="3" fill="hold">
+                      <p:stCondLst>
+                        <p:cond delay="indefinite"/>
+                      </p:stCondLst>
+                      <p:childTnLst>
+                        <p:par>
+                          <p:cTn id="4" fill="hold">
+                            <p:stCondLst>
+                              <p:cond delay="0"/>
+                            </p:stCondLst>
+                            <p:childTnLst>
+                              <p:par>
+                                <p:cTn id="5" presetID="10" presetClass="entr" presetSubtype="0" fill="hold" nodeType="clickEffect">
+                                  <p:stCondLst>
+                                    <p:cond delay="0"/>
+                                  </p:stCondLst>
+                                  <p:childTnLst>
+                                    <p:set>
+                                      <p:cBhvr>
+                                        <p:cTn id="6" dur="1" fill="hold">
+                                          <p:stCondLst>
+                                            <p:cond delay="0"/>
+                                          </p:stCondLst>
+                                        </p:cTn>
+                                        <p:tgtEl>
+                                          <p:spTgt spid="85"/>
+                                        </p:tgtEl>
+                                        <p:attrNameLst>
+                                          <p:attrName>style.visibility</p:attrName>
+                                        </p:attrNameLst>
+                                      </p:cBhvr>
+                                      <p:to>
+                                        <p:strVal val="visible"/>
+                                      </p:to>
+                                    </p:set>
+                                    <p:animEffect transition="in" filter="fade">
+                                      <p:cBhvr>
+                                        <p:cTn id="7" dur="500"/>
+                                        <p:tgtEl>
+                                          <p:spTgt spid="85"/>
+                                        </p:tgtEl>
+                                      </p:cBhvr>
+                                    </p:animEffect>
+                                  </p:childTnLst>
+                                </p:cTn>
+                              </p:par>
+                            </p:childTnLst>
+                          </p:cTn>
+                        </p:par>
+                      </p:childTnLst>
+                    </p:cTn>
+                  </p:par>
+                  <p:par>
+                    <p:cTn id="8" fill="hold">
+                      <p:stCondLst>
+                        <p:cond delay="indefinite"/>
+                      </p:stCondLst>
+                      <p:childTnLst>
+                        <p:par>
+                          <p:cTn id="9" fill="hold">
+                            <p:stCondLst>
+                              <p:cond delay="0"/>
+                            </p:stCondLst>
+                            <p:childTnLst>
+                              <p:par>
+                                <p:cTn id="10" presetID="10" presetClass="entr" presetSubtype="0" fill="hold" nodeType="clickEffect">
+                                  <p:stCondLst>
+                                    <p:cond delay="0"/>
+                                  </p:stCondLst>
+                                  <p:childTnLst>
+                                    <p:set>
+                                      <p:cBhvr>
+                                        <p:cTn id="11" dur="1" fill="hold">
+                                          <p:stCondLst>
+                                            <p:cond delay="0"/>
+                                          </p:stCondLst>
+                                        </p:cTn>
+                                        <p:tgtEl>
+                                          <p:spTgt spid="100"/>
+                                        </p:tgtEl>
+                                        <p:attrNameLst>
+                                          <p:attrName>style.visibility</p:attrName>
+                                        </p:attrNameLst>
+                                      </p:cBhvr>
+                                      <p:to>
+                                        <p:strVal val="visible"/>
+                                      </p:to>
+                                    </p:set>
+                                    <p:animEffect transition="in" filter="fade">
+                                      <p:cBhvr>
+                                        <p:cTn id="12" dur="500"/>
+                                        <p:tgtEl>
+                                          <p:spTgt spid="100"/>
+                                        </p:tgtEl>
+                                      </p:cBhvr>
+                                    </p:animEffect>
+                                  </p:childTnLst>
+                                </p:cTn>
+                              </p:par>
+                            </p:childTnLst>
+                          </p:cTn>
+                        </p:par>
+                      </p:childTnLst>
+                    </p:cTn>
+                  </p:par>
+                  <p:par>
+                    <p:cTn id="13" fill="hold">
+                      <p:stCondLst>
+                        <p:cond delay="indefinite"/>
+                      </p:stCondLst>
+                      <p:childTnLst>
+                        <p:par>
+                          <p:cTn id="14" fill="hold">
+                            <p:stCondLst>
+                              <p:cond delay="0"/>
+                            </p:stCondLst>
+                            <p:childTnLst>
+                              <p:par>
+                                <p:cTn id="15" presetID="10" presetClass="entr" presetSubtype="0" fill="hold" nodeType="clickEffect">
+                                  <p:stCondLst>
+                                    <p:cond delay="0"/>
+                                  </p:stCondLst>
+                                  <p:childTnLst>
+                                    <p:set>
+                                      <p:cBhvr>
+                                        <p:cTn id="16" dur="1" fill="hold">
+                                          <p:stCondLst>
+                                            <p:cond delay="0"/>
+                                          </p:stCondLst>
+                                        </p:cTn>
+                                        <p:tgtEl>
+                                          <p:spTgt spid="105"/>
+                                        </p:tgtEl>
+                                        <p:attrNameLst>
+                                          <p:attrName>style.visibility</p:attrName>
+                                        </p:attrNameLst>
+                                      </p:cBhvr>
+                                      <p:to>
+                                        <p:strVal val="visible"/>
+                                      </p:to>
+                                    </p:set>
+                                    <p:animEffect transition="in" filter="fade">
+                                      <p:cBhvr>
+                                        <p:cTn id="17" dur="500"/>
+                                        <p:tgtEl>
+                                          <p:spTgt spid="105"/>
+                                        </p:tgtEl>
+                                      </p:cBhvr>
+                                    </p:animEffect>
+                                  </p:childTnLst>
+                                </p:cTn>
+                              </p:par>
+                            </p:childTnLst>
+                          </p:cTn>
+                        </p:par>
+                      </p:childTnLst>
+                    </p:cTn>
+                  </p:par>
+                </p:childTnLst>
+              </p:cTn>
+              <p:prevCondLst>
+                <p:cond evt="onPrev" delay="0">
+                  <p:tgtEl>
+                    <p:sldTgt/>
+                  </p:tgtEl>
+                </p:cond>
+              </p:prevCondLst>
+              <p:nextCondLst>
+                <p:cond evt="onNext" delay="0">
+                  <p:tgtEl>
+                    <p:sldTgt/>
+                  </p:tgtEl>
+                </p:cond>
+              </p:nextCondLst>
+            </p:seq>
+          </p:childTnLst>
+        </p:cTn>
+      </p:par>
+    </p:tnLst>
+  </p:timing>
 </p:sld>
 </file>
 
-<file path=ppt/slides/slide4.xml><?xml version="1.0" encoding="utf-8"?>
+<file path=ppt/slides/slide3.xml><?xml version="1.0" encoding="utf-8"?>
 <p:sld xmlns:a="http://schemas.openxmlformats.org/drawingml/2006/main" xmlns:r="http://schemas.openxmlformats.org/officeDocument/2006/relationships" xmlns:p="http://schemas.openxmlformats.org/presentationml/2006/main">
   <p:cSld>
     <p:spTree>
@@ -23933,8 +20816,8 @@
         </p:nvSpPr>
         <p:spPr>
           <a:xfrm>
-            <a:off x="1618402" y="1445916"/>
-            <a:ext cx="5907195" cy="1323439"/>
+            <a:off x="3152098" y="1007489"/>
+            <a:ext cx="2953053" cy="584775"/>
           </a:xfrm>
           <a:prstGeom prst="rect">
             <a:avLst/>
@@ -23949,13 +20832,57 @@
           <a:p>
             <a:pPr algn="ctr"/>
             <a:r>
-              <a:rPr lang="pt-BR" sz="8000" b="1" dirty="0">
+              <a:rPr lang="pt-BR" sz="3200" b="1" spc="300" dirty="0">
                 <a:solidFill>
                   <a:srgbClr val="8AF200"/>
                 </a:solidFill>
                 <a:latin typeface="Mikado Black" panose="02000000000000000000" pitchFamily="50" charset="0"/>
               </a:rPr>
-              <a:t>OBRIGADO!</a:t>
+              <a:t>BENEFÍCIOS</a:t>
+            </a:r>
+          </a:p>
+        </p:txBody>
+      </p:sp>
+      <p:sp>
+        <p:nvSpPr>
+          <p:cNvPr id="121" name="CaixaDeTexto 120">
+            <a:extLst>
+              <a:ext uri="{FF2B5EF4-FFF2-40B4-BE49-F238E27FC236}">
+                <a16:creationId xmlns:a16="http://schemas.microsoft.com/office/drawing/2014/main" id="{0DAD2557-1284-424C-B387-25D16833BE73}"/>
+              </a:ext>
+            </a:extLst>
+          </p:cNvPr>
+          <p:cNvSpPr txBox="1"/>
+          <p:nvPr/>
+        </p:nvSpPr>
+        <p:spPr>
+          <a:xfrm>
+            <a:off x="2785293" y="1428470"/>
+            <a:ext cx="3573414" cy="584775"/>
+          </a:xfrm>
+          <a:prstGeom prst="rect">
+            <a:avLst/>
+          </a:prstGeom>
+          <a:noFill/>
+        </p:spPr>
+        <p:txBody>
+          <a:bodyPr wrap="none" rtlCol="0">
+            <a:spAutoFit/>
+          </a:bodyPr>
+          <a:lstStyle/>
+          <a:p>
+            <a:pPr algn="ctr"/>
+            <a:r>
+              <a:rPr lang="pt-BR" sz="3200" b="1" dirty="0">
+                <a:solidFill>
+                  <a:schemeClr val="tx1">
+                    <a:lumMod val="75000"/>
+                    <a:lumOff val="25000"/>
+                  </a:schemeClr>
+                </a:solidFill>
+                <a:latin typeface="Mikado Black" panose="02000000000000000000" pitchFamily="50" charset="0"/>
+              </a:rPr>
+              <a:t>PARA O USUÁRIO</a:t>
             </a:r>
           </a:p>
         </p:txBody>
@@ -27009,6 +23936,249 @@
           </p:grpSp>
         </p:grpSp>
       </p:grpSp>
+      <p:pic>
+        <p:nvPicPr>
+          <p:cNvPr id="1027" name="Imagem 1026" descr="Uma imagem contendo gráficos vetoriais&#10;&#10;Descrição gerada automaticamente">
+            <a:extLst>
+              <a:ext uri="{FF2B5EF4-FFF2-40B4-BE49-F238E27FC236}">
+                <a16:creationId xmlns:a16="http://schemas.microsoft.com/office/drawing/2014/main" id="{F2717289-5E2F-4FB1-BBAF-175B09A49A6C}"/>
+              </a:ext>
+            </a:extLst>
+          </p:cNvPr>
+          <p:cNvPicPr>
+            <a:picLocks noChangeAspect="1"/>
+          </p:cNvPicPr>
+          <p:nvPr/>
+        </p:nvPicPr>
+        <p:blipFill>
+          <a:blip r:embed="rId6">
+            <a:extLst>
+              <a:ext uri="{28A0092B-C50C-407E-A947-70E740481C1C}">
+                <a14:useLocalDpi xmlns:a14="http://schemas.microsoft.com/office/drawing/2010/main" val="0"/>
+              </a:ext>
+            </a:extLst>
+          </a:blip>
+          <a:stretch>
+            <a:fillRect/>
+          </a:stretch>
+        </p:blipFill>
+        <p:spPr>
+          <a:xfrm>
+            <a:off x="589827" y="1125784"/>
+            <a:ext cx="2956816" cy="3194581"/>
+          </a:xfrm>
+          <a:prstGeom prst="rect">
+            <a:avLst/>
+          </a:prstGeom>
+        </p:spPr>
+      </p:pic>
+      <p:sp>
+        <p:nvSpPr>
+          <p:cNvPr id="149" name="Retângulo de cantos arredondados 2">
+            <a:extLst>
+              <a:ext uri="{FF2B5EF4-FFF2-40B4-BE49-F238E27FC236}">
+                <a16:creationId xmlns:a16="http://schemas.microsoft.com/office/drawing/2014/main" id="{7AC1443F-3A03-44DD-9D6E-3FC8EEA46CF4}"/>
+              </a:ext>
+            </a:extLst>
+          </p:cNvPr>
+          <p:cNvSpPr/>
+          <p:nvPr/>
+        </p:nvSpPr>
+        <p:spPr>
+          <a:xfrm>
+            <a:off x="497486" y="2320842"/>
+            <a:ext cx="2389757" cy="3831756"/>
+          </a:xfrm>
+          <a:prstGeom prst="roundRect">
+            <a:avLst>
+              <a:gd name="adj" fmla="val 4876"/>
+            </a:avLst>
+          </a:prstGeom>
+          <a:solidFill>
+            <a:srgbClr val="C7E2EB"/>
+          </a:solidFill>
+          <a:ln>
+            <a:noFill/>
+          </a:ln>
+          <a:effectLst>
+            <a:outerShdw blurRad="152400" dist="88900" dir="5400000" algn="t" rotWithShape="0">
+              <a:prstClr val="black">
+                <a:alpha val="34000"/>
+              </a:prstClr>
+            </a:outerShdw>
+          </a:effectLst>
+        </p:spPr>
+        <p:style>
+          <a:lnRef idx="2">
+            <a:schemeClr val="accent1">
+              <a:shade val="50000"/>
+            </a:schemeClr>
+          </a:lnRef>
+          <a:fillRef idx="1">
+            <a:schemeClr val="accent1"/>
+          </a:fillRef>
+          <a:effectRef idx="0">
+            <a:schemeClr val="accent1"/>
+          </a:effectRef>
+          <a:fontRef idx="minor">
+            <a:schemeClr val="lt1"/>
+          </a:fontRef>
+        </p:style>
+        <p:txBody>
+          <a:bodyPr rtlCol="0" anchor="ctr"/>
+          <a:lstStyle/>
+          <a:p>
+            <a:pPr algn="ctr"/>
+            <a:r>
+              <a:rPr lang="pt-BR" dirty="0">
+                <a:solidFill>
+                  <a:schemeClr val="tx1"/>
+                </a:solidFill>
+                <a:latin typeface="Mikado Black" panose="02000000000000000000" charset="0"/>
+              </a:rPr>
+              <a:t>Aprendizagem por meio de leituras de fontes confiáveis</a:t>
+            </a:r>
+          </a:p>
+        </p:txBody>
+      </p:sp>
+      <p:sp>
+        <p:nvSpPr>
+          <p:cNvPr id="150" name="Retângulo de cantos arredondados 2">
+            <a:extLst>
+              <a:ext uri="{FF2B5EF4-FFF2-40B4-BE49-F238E27FC236}">
+                <a16:creationId xmlns:a16="http://schemas.microsoft.com/office/drawing/2014/main" id="{82520300-FA94-40E5-A298-1C34733B6C2A}"/>
+              </a:ext>
+            </a:extLst>
+          </p:cNvPr>
+          <p:cNvSpPr/>
+          <p:nvPr/>
+        </p:nvSpPr>
+        <p:spPr>
+          <a:xfrm>
+            <a:off x="3354872" y="2320842"/>
+            <a:ext cx="2389757" cy="3831756"/>
+          </a:xfrm>
+          <a:prstGeom prst="roundRect">
+            <a:avLst>
+              <a:gd name="adj" fmla="val 4876"/>
+            </a:avLst>
+          </a:prstGeom>
+          <a:solidFill>
+            <a:srgbClr val="C7E2EB"/>
+          </a:solidFill>
+          <a:ln>
+            <a:noFill/>
+          </a:ln>
+          <a:effectLst>
+            <a:outerShdw blurRad="152400" dist="88900" dir="5400000" algn="t" rotWithShape="0">
+              <a:prstClr val="black">
+                <a:alpha val="34000"/>
+              </a:prstClr>
+            </a:outerShdw>
+          </a:effectLst>
+        </p:spPr>
+        <p:style>
+          <a:lnRef idx="2">
+            <a:schemeClr val="accent1">
+              <a:shade val="50000"/>
+            </a:schemeClr>
+          </a:lnRef>
+          <a:fillRef idx="1">
+            <a:schemeClr val="accent1"/>
+          </a:fillRef>
+          <a:effectRef idx="0">
+            <a:schemeClr val="accent1"/>
+          </a:effectRef>
+          <a:fontRef idx="minor">
+            <a:schemeClr val="lt1"/>
+          </a:fontRef>
+        </p:style>
+        <p:txBody>
+          <a:bodyPr rtlCol="0" anchor="ctr"/>
+          <a:lstStyle/>
+          <a:p>
+            <a:pPr algn="ctr"/>
+            <a:r>
+              <a:rPr lang="pt-BR" dirty="0">
+                <a:solidFill>
+                  <a:schemeClr val="tx1"/>
+                </a:solidFill>
+                <a:latin typeface="Mikado Black" panose="02000000000000000000" charset="0"/>
+              </a:rPr>
+              <a:t>Aplicação dos conhecimentos aprendidos nas diferentes lições</a:t>
+            </a:r>
+          </a:p>
+        </p:txBody>
+      </p:sp>
+      <p:sp>
+        <p:nvSpPr>
+          <p:cNvPr id="151" name="Retângulo de cantos arredondados 2">
+            <a:extLst>
+              <a:ext uri="{FF2B5EF4-FFF2-40B4-BE49-F238E27FC236}">
+                <a16:creationId xmlns:a16="http://schemas.microsoft.com/office/drawing/2014/main" id="{31781586-3D8C-44E8-ADBF-B3170A4E9D79}"/>
+              </a:ext>
+            </a:extLst>
+          </p:cNvPr>
+          <p:cNvSpPr/>
+          <p:nvPr/>
+        </p:nvSpPr>
+        <p:spPr>
+          <a:xfrm>
+            <a:off x="6214691" y="2331880"/>
+            <a:ext cx="2389757" cy="3831756"/>
+          </a:xfrm>
+          <a:prstGeom prst="roundRect">
+            <a:avLst>
+              <a:gd name="adj" fmla="val 4876"/>
+            </a:avLst>
+          </a:prstGeom>
+          <a:solidFill>
+            <a:srgbClr val="C7E2EB"/>
+          </a:solidFill>
+          <a:ln>
+            <a:noFill/>
+          </a:ln>
+          <a:effectLst>
+            <a:outerShdw blurRad="152400" dist="88900" dir="5400000" algn="t" rotWithShape="0">
+              <a:prstClr val="black">
+                <a:alpha val="34000"/>
+              </a:prstClr>
+            </a:outerShdw>
+          </a:effectLst>
+        </p:spPr>
+        <p:style>
+          <a:lnRef idx="2">
+            <a:schemeClr val="accent1">
+              <a:shade val="50000"/>
+            </a:schemeClr>
+          </a:lnRef>
+          <a:fillRef idx="1">
+            <a:schemeClr val="accent1"/>
+          </a:fillRef>
+          <a:effectRef idx="0">
+            <a:schemeClr val="accent1"/>
+          </a:effectRef>
+          <a:fontRef idx="minor">
+            <a:schemeClr val="lt1"/>
+          </a:fontRef>
+        </p:style>
+        <p:txBody>
+          <a:bodyPr rtlCol="0" anchor="ctr"/>
+          <a:lstStyle/>
+          <a:p>
+            <a:pPr algn="ctr"/>
+            <a:r>
+              <a:rPr lang="pt-BR" dirty="0">
+                <a:solidFill>
+                  <a:schemeClr val="tx1"/>
+                </a:solidFill>
+                <a:latin typeface="Mikado Black" panose="02000000000000000000" charset="0"/>
+              </a:rPr>
+              <a:t>Interação com outros usuários do site no fórum e sistema de amizades</a:t>
+            </a:r>
+          </a:p>
+        </p:txBody>
+      </p:sp>
       <p:grpSp>
         <p:nvGrpSpPr>
           <p:cNvPr id="152" name="Agrupar 151">
@@ -28163,128 +25333,10 @@
           </p:grpSp>
         </p:grpSp>
       </p:grpSp>
-      <p:pic>
-        <p:nvPicPr>
-          <p:cNvPr id="84" name="Imagem 83" descr="Uma imagem contendo brinquedo, gráficos vetoriais&#10;&#10;Descrição gerada automaticamente">
-            <a:extLst>
-              <a:ext uri="{FF2B5EF4-FFF2-40B4-BE49-F238E27FC236}">
-                <a16:creationId xmlns:a16="http://schemas.microsoft.com/office/drawing/2014/main" id="{277946C6-40EB-4517-946E-31B8D33F9329}"/>
-              </a:ext>
-            </a:extLst>
-          </p:cNvPr>
-          <p:cNvPicPr>
-            <a:picLocks noChangeAspect="1"/>
-          </p:cNvPicPr>
-          <p:nvPr/>
-        </p:nvPicPr>
-        <p:blipFill>
-          <a:blip r:embed="rId6">
-            <a:extLst>
-              <a:ext uri="{28A0092B-C50C-407E-A947-70E740481C1C}">
-                <a14:useLocalDpi xmlns:a14="http://schemas.microsoft.com/office/drawing/2010/main" val="0"/>
-              </a:ext>
-            </a:extLst>
-          </a:blip>
-          <a:stretch>
-            <a:fillRect/>
-          </a:stretch>
-        </p:blipFill>
-        <p:spPr>
-          <a:xfrm>
-            <a:off x="5030312" y="2382731"/>
-            <a:ext cx="3844981" cy="5124103"/>
-          </a:xfrm>
-          <a:prstGeom prst="rect">
-            <a:avLst/>
-          </a:prstGeom>
-        </p:spPr>
-      </p:pic>
-      <p:sp>
-        <p:nvSpPr>
-          <p:cNvPr id="85" name="Subtítulo 2">
-            <a:extLst>
-              <a:ext uri="{FF2B5EF4-FFF2-40B4-BE49-F238E27FC236}">
-                <a16:creationId xmlns:a16="http://schemas.microsoft.com/office/drawing/2014/main" id="{32E948E3-928B-4538-879F-32824EBFD7BA}"/>
-              </a:ext>
-            </a:extLst>
-          </p:cNvPr>
-          <p:cNvSpPr>
-            <a:spLocks noGrp="1"/>
-          </p:cNvSpPr>
-          <p:nvPr>
-            <p:ph type="subTitle" idx="1"/>
-          </p:nvPr>
-        </p:nvSpPr>
-        <p:spPr>
-          <a:xfrm>
-            <a:off x="515762" y="3337032"/>
-            <a:ext cx="5001141" cy="2474381"/>
-          </a:xfrm>
-        </p:spPr>
-        <p:txBody>
-          <a:bodyPr>
-            <a:normAutofit lnSpcReduction="10000"/>
-          </a:bodyPr>
-          <a:lstStyle/>
-          <a:p>
-            <a:r>
-              <a:rPr lang="pt-BR" sz="2800" b="1" dirty="0">
-                <a:solidFill>
-                  <a:schemeClr val="tx1">
-                    <a:lumMod val="75000"/>
-                    <a:lumOff val="25000"/>
-                  </a:schemeClr>
-                </a:solidFill>
-                <a:latin typeface="Century Gothic" panose="020B0502020202020204" pitchFamily="34" charset="0"/>
-              </a:rPr>
-              <a:t>Pedro Gomes Moreira (18174)</a:t>
-            </a:r>
-          </a:p>
-          <a:p>
-            <a:endParaRPr lang="pt-BR" sz="2800" b="1" dirty="0">
-              <a:solidFill>
-                <a:schemeClr val="tx1">
-                  <a:lumMod val="75000"/>
-                  <a:lumOff val="25000"/>
-                </a:schemeClr>
-              </a:solidFill>
-              <a:latin typeface="Century Gothic" panose="020B0502020202020204" pitchFamily="34" charset="0"/>
-            </a:endParaRPr>
-          </a:p>
-          <a:p>
-            <a:r>
-              <a:rPr lang="pt-BR" sz="2800" b="1" dirty="0">
-                <a:solidFill>
-                  <a:schemeClr val="tx1">
-                    <a:lumMod val="75000"/>
-                    <a:lumOff val="25000"/>
-                  </a:schemeClr>
-                </a:solidFill>
-                <a:latin typeface="Century Gothic" panose="020B0502020202020204" pitchFamily="34" charset="0"/>
-              </a:rPr>
-              <a:t>Vitor Ramos </a:t>
-            </a:r>
-          </a:p>
-          <a:p>
-            <a:r>
-              <a:rPr lang="pt-BR" sz="2800" b="1" dirty="0">
-                <a:solidFill>
-                  <a:schemeClr val="tx1">
-                    <a:lumMod val="75000"/>
-                    <a:lumOff val="25000"/>
-                  </a:schemeClr>
-                </a:solidFill>
-                <a:latin typeface="Century Gothic" panose="020B0502020202020204" pitchFamily="34" charset="0"/>
-              </a:rPr>
-              <a:t>(18171)</a:t>
-            </a:r>
-          </a:p>
-        </p:txBody>
-      </p:sp>
     </p:spTree>
     <p:extLst>
       <p:ext uri="{BB962C8B-B14F-4D97-AF65-F5344CB8AC3E}">
-        <p14:creationId xmlns:p14="http://schemas.microsoft.com/office/powerpoint/2010/main" val="1881104192"/>
+        <p14:creationId xmlns:p14="http://schemas.microsoft.com/office/powerpoint/2010/main" val="3100785674"/>
       </p:ext>
     </p:extLst>
   </p:cSld>
@@ -28294,6 +25346,200 @@
   <p:transition spd="slow">
     <p:push dir="u"/>
   </p:transition>
+  <p:timing>
+    <p:tnLst>
+      <p:par>
+        <p:cTn id="1" dur="indefinite" restart="never" nodeType="tmRoot">
+          <p:childTnLst>
+            <p:seq concurrent="1" nextAc="seek">
+              <p:cTn id="2" dur="indefinite" nodeType="mainSeq">
+                <p:childTnLst>
+                  <p:par>
+                    <p:cTn id="3" fill="hold">
+                      <p:stCondLst>
+                        <p:cond delay="indefinite"/>
+                      </p:stCondLst>
+                      <p:childTnLst>
+                        <p:par>
+                          <p:cTn id="4" fill="hold">
+                            <p:stCondLst>
+                              <p:cond delay="0"/>
+                            </p:stCondLst>
+                            <p:childTnLst>
+                              <p:par>
+                                <p:cTn id="5" presetID="22" presetClass="entr" presetSubtype="4" fill="hold" grpId="0" nodeType="clickEffect">
+                                  <p:stCondLst>
+                                    <p:cond delay="0"/>
+                                  </p:stCondLst>
+                                  <p:childTnLst>
+                                    <p:set>
+                                      <p:cBhvr>
+                                        <p:cTn id="6" dur="1" fill="hold">
+                                          <p:stCondLst>
+                                            <p:cond delay="0"/>
+                                          </p:stCondLst>
+                                        </p:cTn>
+                                        <p:tgtEl>
+                                          <p:spTgt spid="149"/>
+                                        </p:tgtEl>
+                                        <p:attrNameLst>
+                                          <p:attrName>style.visibility</p:attrName>
+                                        </p:attrNameLst>
+                                      </p:cBhvr>
+                                      <p:to>
+                                        <p:strVal val="visible"/>
+                                      </p:to>
+                                    </p:set>
+                                    <p:animEffect transition="in" filter="wipe(down)">
+                                      <p:cBhvr>
+                                        <p:cTn id="7" dur="500"/>
+                                        <p:tgtEl>
+                                          <p:spTgt spid="149"/>
+                                        </p:tgtEl>
+                                      </p:cBhvr>
+                                    </p:animEffect>
+                                  </p:childTnLst>
+                                </p:cTn>
+                              </p:par>
+                            </p:childTnLst>
+                          </p:cTn>
+                        </p:par>
+                      </p:childTnLst>
+                    </p:cTn>
+                  </p:par>
+                  <p:par>
+                    <p:cTn id="8" fill="hold">
+                      <p:stCondLst>
+                        <p:cond delay="indefinite"/>
+                      </p:stCondLst>
+                      <p:childTnLst>
+                        <p:par>
+                          <p:cTn id="9" fill="hold">
+                            <p:stCondLst>
+                              <p:cond delay="0"/>
+                            </p:stCondLst>
+                            <p:childTnLst>
+                              <p:par>
+                                <p:cTn id="10" presetID="22" presetClass="entr" presetSubtype="4" fill="hold" grpId="0" nodeType="clickEffect">
+                                  <p:stCondLst>
+                                    <p:cond delay="0"/>
+                                  </p:stCondLst>
+                                  <p:childTnLst>
+                                    <p:set>
+                                      <p:cBhvr>
+                                        <p:cTn id="11" dur="1" fill="hold">
+                                          <p:stCondLst>
+                                            <p:cond delay="0"/>
+                                          </p:stCondLst>
+                                        </p:cTn>
+                                        <p:tgtEl>
+                                          <p:spTgt spid="150"/>
+                                        </p:tgtEl>
+                                        <p:attrNameLst>
+                                          <p:attrName>style.visibility</p:attrName>
+                                        </p:attrNameLst>
+                                      </p:cBhvr>
+                                      <p:to>
+                                        <p:strVal val="visible"/>
+                                      </p:to>
+                                    </p:set>
+                                    <p:animEffect transition="in" filter="wipe(down)">
+                                      <p:cBhvr>
+                                        <p:cTn id="12" dur="500"/>
+                                        <p:tgtEl>
+                                          <p:spTgt spid="150"/>
+                                        </p:tgtEl>
+                                      </p:cBhvr>
+                                    </p:animEffect>
+                                  </p:childTnLst>
+                                </p:cTn>
+                              </p:par>
+                            </p:childTnLst>
+                          </p:cTn>
+                        </p:par>
+                      </p:childTnLst>
+                    </p:cTn>
+                  </p:par>
+                  <p:par>
+                    <p:cTn id="13" fill="hold">
+                      <p:stCondLst>
+                        <p:cond delay="indefinite"/>
+                      </p:stCondLst>
+                      <p:childTnLst>
+                        <p:par>
+                          <p:cTn id="14" fill="hold">
+                            <p:stCondLst>
+                              <p:cond delay="0"/>
+                            </p:stCondLst>
+                            <p:childTnLst>
+                              <p:par>
+                                <p:cTn id="15" presetID="22" presetClass="entr" presetSubtype="4" fill="hold" grpId="0" nodeType="clickEffect">
+                                  <p:stCondLst>
+                                    <p:cond delay="0"/>
+                                  </p:stCondLst>
+                                  <p:childTnLst>
+                                    <p:set>
+                                      <p:cBhvr>
+                                        <p:cTn id="16" dur="1" fill="hold">
+                                          <p:stCondLst>
+                                            <p:cond delay="0"/>
+                                          </p:stCondLst>
+                                        </p:cTn>
+                                        <p:tgtEl>
+                                          <p:spTgt spid="151"/>
+                                        </p:tgtEl>
+                                        <p:attrNameLst>
+                                          <p:attrName>style.visibility</p:attrName>
+                                        </p:attrNameLst>
+                                      </p:cBhvr>
+                                      <p:to>
+                                        <p:strVal val="visible"/>
+                                      </p:to>
+                                    </p:set>
+                                    <p:animEffect transition="in" filter="wipe(down)">
+                                      <p:cBhvr>
+                                        <p:cTn id="17" dur="500"/>
+                                        <p:tgtEl>
+                                          <p:spTgt spid="151"/>
+                                        </p:tgtEl>
+                                      </p:cBhvr>
+                                    </p:animEffect>
+                                  </p:childTnLst>
+                                </p:cTn>
+                              </p:par>
+                            </p:childTnLst>
+                          </p:cTn>
+                        </p:par>
+                      </p:childTnLst>
+                    </p:cTn>
+                  </p:par>
+                </p:childTnLst>
+              </p:cTn>
+              <p:prevCondLst>
+                <p:cond evt="onPrev" delay="0">
+                  <p:tgtEl>
+                    <p:sldTgt/>
+                  </p:tgtEl>
+                </p:cond>
+              </p:prevCondLst>
+              <p:nextCondLst>
+                <p:cond evt="onNext" delay="0">
+                  <p:tgtEl>
+                    <p:sldTgt/>
+                  </p:tgtEl>
+                </p:cond>
+              </p:nextCondLst>
+            </p:seq>
+          </p:childTnLst>
+        </p:cTn>
+      </p:par>
+    </p:tnLst>
+    <p:bldLst>
+      <p:bldP spid="149" grpId="0" animBg="1"/>
+      <p:bldP spid="150" grpId="0" animBg="1"/>
+      <p:bldP spid="151" grpId="0" animBg="1"/>
+    </p:bldLst>
+  </p:timing>
 </p:sld>
 </file>
 
